--- a/Tutorials/whatiswot/3-JSON/3.JSON.pptx
+++ b/Tutorials/whatiswot/3-JSON/3.JSON.pptx
@@ -5,7 +5,7 @@
     <p:sldMasterId id="2147483648" r:id="rId1"/>
   </p:sldMasterIdLst>
   <p:notesMasterIdLst>
-    <p:notesMasterId r:id="rId51"/>
+    <p:notesMasterId r:id="rId52"/>
   </p:notesMasterIdLst>
   <p:sldIdLst>
     <p:sldId id="311" r:id="rId2"/>
@@ -57,6 +57,7 @@
     <p:sldId id="359" r:id="rId48"/>
     <p:sldId id="318" r:id="rId49"/>
     <p:sldId id="315" r:id="rId50"/>
+    <p:sldId id="276" r:id="rId51"/>
   </p:sldIdLst>
   <p:sldSz cx="12192000" cy="6858000"/>
   <p:notesSz cx="6858000" cy="9144000"/>
@@ -285,7 +286,7 @@
           <a:p>
             <a:fld id="{45DADA77-5DDC-4AF4-ADA4-7274EAA582B1}" type="datetimeFigureOut">
               <a:rPr lang="en-US" smtClean="0"/>
-              <a:t>10/2/23</a:t>
+              <a:t>11/21/23</a:t>
             </a:fld>
             <a:endParaRPr lang="en-US"/>
           </a:p>
@@ -5559,6 +5560,90 @@
 </p:notes>
 </file>
 
+<file path=ppt/notesSlides/notesSlide49.xml><?xml version="1.0" encoding="utf-8"?>
+<p:notes xmlns:a="http://schemas.openxmlformats.org/drawingml/2006/main" xmlns:r="http://schemas.openxmlformats.org/officeDocument/2006/relationships" xmlns:p="http://schemas.openxmlformats.org/presentationml/2006/main">
+  <p:cSld>
+    <p:spTree>
+      <p:nvGrpSpPr>
+        <p:cNvPr id="1" name=""/>
+        <p:cNvGrpSpPr/>
+        <p:nvPr/>
+      </p:nvGrpSpPr>
+      <p:grpSpPr>
+        <a:xfrm>
+          <a:off x="0" y="0"/>
+          <a:ext cx="0" cy="0"/>
+          <a:chOff x="0" y="0"/>
+          <a:chExt cx="0" cy="0"/>
+        </a:xfrm>
+      </p:grpSpPr>
+      <p:sp>
+        <p:nvSpPr>
+          <p:cNvPr id="2" name="Slide Image Placeholder 1"/>
+          <p:cNvSpPr>
+            <a:spLocks noGrp="1" noRot="1" noChangeAspect="1"/>
+          </p:cNvSpPr>
+          <p:nvPr>
+            <p:ph type="sldImg"/>
+          </p:nvPr>
+        </p:nvSpPr>
+        <p:spPr/>
+      </p:sp>
+      <p:sp>
+        <p:nvSpPr>
+          <p:cNvPr id="3" name="Notes Placeholder 2"/>
+          <p:cNvSpPr>
+            <a:spLocks noGrp="1"/>
+          </p:cNvSpPr>
+          <p:nvPr>
+            <p:ph type="body" idx="1"/>
+          </p:nvPr>
+        </p:nvSpPr>
+        <p:spPr/>
+        <p:txBody>
+          <a:bodyPr/>
+          <a:lstStyle/>
+          <a:p>
+            <a:endParaRPr lang="tr-TR" dirty="0"/>
+          </a:p>
+        </p:txBody>
+      </p:sp>
+      <p:sp>
+        <p:nvSpPr>
+          <p:cNvPr id="4" name="Slide Number Placeholder 3"/>
+          <p:cNvSpPr>
+            <a:spLocks noGrp="1"/>
+          </p:cNvSpPr>
+          <p:nvPr>
+            <p:ph type="sldNum" sz="quarter" idx="5"/>
+          </p:nvPr>
+        </p:nvSpPr>
+        <p:spPr/>
+        <p:txBody>
+          <a:bodyPr/>
+          <a:lstStyle/>
+          <a:p>
+            <a:fld id="{838D45EA-097A-449E-8E80-C10F8140ABDB}" type="slidenum">
+              <a:rPr lang="en-US" smtClean="0"/>
+              <a:t>50</a:t>
+            </a:fld>
+            <a:endParaRPr lang="en-US"/>
+          </a:p>
+        </p:txBody>
+      </p:sp>
+    </p:spTree>
+    <p:extLst>
+      <p:ext uri="{BB962C8B-B14F-4D97-AF65-F5344CB8AC3E}">
+        <p14:creationId xmlns:p14="http://schemas.microsoft.com/office/powerpoint/2010/main" val="1820635812"/>
+      </p:ext>
+    </p:extLst>
+  </p:cSld>
+  <p:clrMapOvr>
+    <a:masterClrMapping/>
+  </p:clrMapOvr>
+</p:notes>
+</file>
+
 <file path=ppt/notesSlides/notesSlide5.xml><?xml version="1.0" encoding="utf-8"?>
 <p:notes xmlns:a="http://schemas.openxmlformats.org/drawingml/2006/main" xmlns:r="http://schemas.openxmlformats.org/officeDocument/2006/relationships" xmlns:p="http://schemas.openxmlformats.org/presentationml/2006/main">
   <p:cSld>
@@ -6141,7 +6226,7 @@
           <a:p>
             <a:fld id="{CB90B191-8485-4720-BA99-41544628E0E9}" type="datetimeFigureOut">
               <a:rPr lang="en-US" smtClean="0"/>
-              <a:t>10/2/23</a:t>
+              <a:t>11/21/23</a:t>
             </a:fld>
             <a:endParaRPr lang="en-US"/>
           </a:p>
@@ -6339,7 +6424,7 @@
           <a:p>
             <a:fld id="{CB90B191-8485-4720-BA99-41544628E0E9}" type="datetimeFigureOut">
               <a:rPr lang="en-US" smtClean="0"/>
-              <a:t>10/2/23</a:t>
+              <a:t>11/21/23</a:t>
             </a:fld>
             <a:endParaRPr lang="en-US"/>
           </a:p>
@@ -6547,7 +6632,7 @@
           <a:p>
             <a:fld id="{CB90B191-8485-4720-BA99-41544628E0E9}" type="datetimeFigureOut">
               <a:rPr lang="en-US" smtClean="0"/>
-              <a:t>10/2/23</a:t>
+              <a:t>11/21/23</a:t>
             </a:fld>
             <a:endParaRPr lang="en-US"/>
           </a:p>
@@ -6745,7 +6830,7 @@
           <a:p>
             <a:fld id="{CB90B191-8485-4720-BA99-41544628E0E9}" type="datetimeFigureOut">
               <a:rPr lang="en-US" smtClean="0"/>
-              <a:t>10/2/23</a:t>
+              <a:t>11/21/23</a:t>
             </a:fld>
             <a:endParaRPr lang="en-US"/>
           </a:p>
@@ -7020,7 +7105,7 @@
           <a:p>
             <a:fld id="{CB90B191-8485-4720-BA99-41544628E0E9}" type="datetimeFigureOut">
               <a:rPr lang="en-US" smtClean="0"/>
-              <a:t>10/2/23</a:t>
+              <a:t>11/21/23</a:t>
             </a:fld>
             <a:endParaRPr lang="en-US"/>
           </a:p>
@@ -7285,7 +7370,7 @@
           <a:p>
             <a:fld id="{CB90B191-8485-4720-BA99-41544628E0E9}" type="datetimeFigureOut">
               <a:rPr lang="en-US" smtClean="0"/>
-              <a:t>10/2/23</a:t>
+              <a:t>11/21/23</a:t>
             </a:fld>
             <a:endParaRPr lang="en-US"/>
           </a:p>
@@ -7697,7 +7782,7 @@
           <a:p>
             <a:fld id="{CB90B191-8485-4720-BA99-41544628E0E9}" type="datetimeFigureOut">
               <a:rPr lang="en-US" smtClean="0"/>
-              <a:t>10/2/23</a:t>
+              <a:t>11/21/23</a:t>
             </a:fld>
             <a:endParaRPr lang="en-US"/>
           </a:p>
@@ -7838,7 +7923,7 @@
           <a:p>
             <a:fld id="{CB90B191-8485-4720-BA99-41544628E0E9}" type="datetimeFigureOut">
               <a:rPr lang="en-US" smtClean="0"/>
-              <a:t>10/2/23</a:t>
+              <a:t>11/21/23</a:t>
             </a:fld>
             <a:endParaRPr lang="en-US"/>
           </a:p>
@@ -7951,7 +8036,7 @@
           <a:p>
             <a:fld id="{CB90B191-8485-4720-BA99-41544628E0E9}" type="datetimeFigureOut">
               <a:rPr lang="en-US" smtClean="0"/>
-              <a:t>10/2/23</a:t>
+              <a:t>11/21/23</a:t>
             </a:fld>
             <a:endParaRPr lang="en-US"/>
           </a:p>
@@ -8262,7 +8347,7 @@
           <a:p>
             <a:fld id="{CB90B191-8485-4720-BA99-41544628E0E9}" type="datetimeFigureOut">
               <a:rPr lang="en-US" smtClean="0"/>
-              <a:t>10/2/23</a:t>
+              <a:t>11/21/23</a:t>
             </a:fld>
             <a:endParaRPr lang="en-US"/>
           </a:p>
@@ -8550,7 +8635,7 @@
           <a:p>
             <a:fld id="{CB90B191-8485-4720-BA99-41544628E0E9}" type="datetimeFigureOut">
               <a:rPr lang="en-US" smtClean="0"/>
-              <a:t>10/2/23</a:t>
+              <a:t>11/21/23</a:t>
             </a:fld>
             <a:endParaRPr lang="en-US"/>
           </a:p>
@@ -8796,7 +8881,7 @@
           <a:p>
             <a:fld id="{CB90B191-8485-4720-BA99-41544628E0E9}" type="datetimeFigureOut">
               <a:rPr lang="en-US" smtClean="0"/>
-              <a:t>10/2/23</a:t>
+              <a:t>11/21/23</a:t>
             </a:fld>
             <a:endParaRPr lang="en-US"/>
           </a:p>
@@ -13026,13 +13111,13 @@
   <p:clrMapOvr>
     <a:masterClrMapping/>
   </p:clrMapOvr>
-  <mc:AlternateContent xmlns:mc="http://schemas.openxmlformats.org/markup-compatibility/2006">
-    <mc:Choice xmlns:p159="http://schemas.microsoft.com/office/powerpoint/2015/09/main" Requires="p159">
+  <mc:AlternateContent xmlns:mc="http://schemas.openxmlformats.org/markup-compatibility/2006" xmlns:p159="http://schemas.microsoft.com/office/powerpoint/2015/09/main">
+    <mc:Choice Requires="p159">
       <p:transition xmlns:p14="http://schemas.microsoft.com/office/powerpoint/2010/main" spd="slow" p14:dur="2000" advClick="0" advTm="7500">
         <p159:morph option="byObject"/>
       </p:transition>
     </mc:Choice>
-    <mc:Fallback>
+    <mc:Fallback xmlns="">
       <p:transition spd="slow" advClick="0" advTm="7500">
         <p:fade/>
       </p:transition>
@@ -35912,14 +35997,14 @@
   <p:clrMapOvr>
     <a:masterClrMapping/>
   </p:clrMapOvr>
-  <mc:AlternateContent xmlns:mc="http://schemas.openxmlformats.org/markup-compatibility/2006" xmlns:p159="http://schemas.microsoft.com/office/powerpoint/2015/09/main">
-    <mc:Choice Requires="p159">
-      <p:transition xmlns:p14="http://schemas.microsoft.com/office/powerpoint/2010/main" spd="slow" p14:dur="2000" advClick="0" advTm="8000">
+  <mc:AlternateContent xmlns:mc="http://schemas.openxmlformats.org/markup-compatibility/2006">
+    <mc:Choice xmlns:p159="http://schemas.microsoft.com/office/powerpoint/2015/09/main" Requires="p159">
+      <p:transition xmlns:p14="http://schemas.microsoft.com/office/powerpoint/2010/main" spd="slow" p14:dur="2000" advClick="0" advTm="10000">
         <p159:morph option="byObject"/>
       </p:transition>
     </mc:Choice>
-    <mc:Fallback xmlns="">
-      <p:transition spd="slow" advClick="0" advTm="8000">
+    <mc:Fallback>
+      <p:transition spd="slow" advClick="0" advTm="10000">
         <p:fade/>
       </p:transition>
     </mc:Fallback>
@@ -36317,7 +36402,7 @@
 </file>
 
 <file path=ppt/slides/slide48.xml><?xml version="1.0" encoding="utf-8"?>
-<p:sld xmlns:a="http://schemas.openxmlformats.org/drawingml/2006/main" xmlns:r="http://schemas.openxmlformats.org/officeDocument/2006/relationships" xmlns:p="http://schemas.openxmlformats.org/presentationml/2006/main">
+<p:sld xmlns:a="http://schemas.openxmlformats.org/drawingml/2006/main" xmlns:r="http://schemas.openxmlformats.org/officeDocument/2006/relationships" xmlns:p="http://schemas.openxmlformats.org/presentationml/2006/main" show="0">
   <p:cSld>
     <p:spTree>
       <p:nvGrpSpPr>
@@ -36963,11 +37048,11 @@
   <p:clrMapOvr>
     <a:masterClrMapping/>
   </p:clrMapOvr>
-  <mc:AlternateContent xmlns:mc="http://schemas.openxmlformats.org/markup-compatibility/2006" xmlns:p14="http://schemas.microsoft.com/office/powerpoint/2010/main">
-    <mc:Choice Requires="p14">
+  <mc:AlternateContent xmlns:mc="http://schemas.openxmlformats.org/markup-compatibility/2006">
+    <mc:Choice xmlns:p14="http://schemas.microsoft.com/office/powerpoint/2010/main" Requires="p14">
       <p:transition spd="slow" p14:dur="2000" advClick="0" advTm="4000"/>
     </mc:Choice>
-    <mc:Fallback xmlns="">
+    <mc:Fallback>
       <p:transition spd="slow" advClick="0" advTm="4000"/>
     </mc:Fallback>
   </mc:AlternateContent>
@@ -37166,7 +37251,7 @@
 </file>
 
 <file path=ppt/slides/slide49.xml><?xml version="1.0" encoding="utf-8"?>
-<p:sld xmlns:a="http://schemas.openxmlformats.org/drawingml/2006/main" xmlns:r="http://schemas.openxmlformats.org/officeDocument/2006/relationships" xmlns:p="http://schemas.openxmlformats.org/presentationml/2006/main">
+<p:sld xmlns:a="http://schemas.openxmlformats.org/drawingml/2006/main" xmlns:r="http://schemas.openxmlformats.org/officeDocument/2006/relationships" xmlns:p="http://schemas.openxmlformats.org/presentationml/2006/main" show="0">
   <p:cSld>
     <p:spTree>
       <p:nvGrpSpPr>
@@ -38142,6 +38227,376 @@
     </mc:Choice>
     <mc:Fallback xmlns="">
       <p:transition spd="slow" advClick="0" advTm="750">
+        <p:fade/>
+      </p:transition>
+    </mc:Fallback>
+  </mc:AlternateContent>
+</p:sld>
+</file>
+
+<file path=ppt/slides/slide50.xml><?xml version="1.0" encoding="utf-8"?>
+<p:sld xmlns:a="http://schemas.openxmlformats.org/drawingml/2006/main" xmlns:r="http://schemas.openxmlformats.org/officeDocument/2006/relationships" xmlns:p="http://schemas.openxmlformats.org/presentationml/2006/main">
+  <p:cSld>
+    <p:spTree>
+      <p:nvGrpSpPr>
+        <p:cNvPr id="1" name=""/>
+        <p:cNvGrpSpPr/>
+        <p:nvPr/>
+      </p:nvGrpSpPr>
+      <p:grpSpPr>
+        <a:xfrm>
+          <a:off x="0" y="0"/>
+          <a:ext cx="0" cy="0"/>
+          <a:chOff x="0" y="0"/>
+          <a:chExt cx="0" cy="0"/>
+        </a:xfrm>
+      </p:grpSpPr>
+      <p:sp>
+        <p:nvSpPr>
+          <p:cNvPr id="6" name="Rounded Rectangle 5">
+            <a:extLst>
+              <a:ext uri="{FF2B5EF4-FFF2-40B4-BE49-F238E27FC236}">
+                <a16:creationId xmlns:a16="http://schemas.microsoft.com/office/drawing/2014/main" id="{079D50C5-FAF9-69C9-E581-B5318807CD15}"/>
+              </a:ext>
+            </a:extLst>
+          </p:cNvPr>
+          <p:cNvSpPr/>
+          <p:nvPr/>
+        </p:nvSpPr>
+        <p:spPr>
+          <a:xfrm>
+            <a:off x="1032256" y="3291829"/>
+            <a:ext cx="4547616" cy="2818177"/>
+          </a:xfrm>
+          <a:prstGeom prst="roundRect">
+            <a:avLst>
+              <a:gd name="adj" fmla="val 8522"/>
+            </a:avLst>
+          </a:prstGeom>
+          <a:noFill/>
+          <a:ln w="57150">
+            <a:solidFill>
+              <a:schemeClr val="accent2"/>
+            </a:solidFill>
+          </a:ln>
+        </p:spPr>
+        <p:style>
+          <a:lnRef idx="2">
+            <a:schemeClr val="accent1">
+              <a:shade val="15000"/>
+            </a:schemeClr>
+          </a:lnRef>
+          <a:fillRef idx="1">
+            <a:schemeClr val="accent1"/>
+          </a:fillRef>
+          <a:effectRef idx="0">
+            <a:schemeClr val="accent1"/>
+          </a:effectRef>
+          <a:fontRef idx="minor">
+            <a:schemeClr val="lt1"/>
+          </a:fontRef>
+        </p:style>
+        <p:txBody>
+          <a:bodyPr rtlCol="0" anchor="ctr"/>
+          <a:lstStyle/>
+          <a:p>
+            <a:pPr algn="ctr"/>
+            <a:endParaRPr lang="en-US"/>
+          </a:p>
+        </p:txBody>
+      </p:sp>
+      <p:sp>
+        <p:nvSpPr>
+          <p:cNvPr id="8" name="TextBox 7">
+            <a:extLst>
+              <a:ext uri="{FF2B5EF4-FFF2-40B4-BE49-F238E27FC236}">
+                <a16:creationId xmlns:a16="http://schemas.microsoft.com/office/drawing/2014/main" id="{17B2EE81-90D0-AEF5-195E-CD3BBEC1AAC8}"/>
+              </a:ext>
+            </a:extLst>
+          </p:cNvPr>
+          <p:cNvSpPr txBox="1"/>
+          <p:nvPr/>
+        </p:nvSpPr>
+        <p:spPr>
+          <a:xfrm>
+            <a:off x="2731008" y="585216"/>
+            <a:ext cx="184731" cy="369332"/>
+          </a:xfrm>
+          <a:prstGeom prst="rect">
+            <a:avLst/>
+          </a:prstGeom>
+          <a:noFill/>
+        </p:spPr>
+        <p:txBody>
+          <a:bodyPr wrap="none" rtlCol="0">
+            <a:spAutoFit/>
+          </a:bodyPr>
+          <a:lstStyle/>
+          <a:p>
+            <a:endParaRPr lang="en-US" dirty="0"/>
+          </a:p>
+        </p:txBody>
+      </p:sp>
+      <p:sp>
+        <p:nvSpPr>
+          <p:cNvPr id="13" name="TextBox 12">
+            <a:extLst>
+              <a:ext uri="{FF2B5EF4-FFF2-40B4-BE49-F238E27FC236}">
+                <a16:creationId xmlns:a16="http://schemas.microsoft.com/office/drawing/2014/main" id="{194EC36A-72C0-5D97-08B6-18C18A96A95D}"/>
+              </a:ext>
+            </a:extLst>
+          </p:cNvPr>
+          <p:cNvSpPr txBox="1"/>
+          <p:nvPr/>
+        </p:nvSpPr>
+        <p:spPr>
+          <a:xfrm>
+            <a:off x="8769346" y="2544227"/>
+            <a:ext cx="2390398" cy="584775"/>
+          </a:xfrm>
+          <a:prstGeom prst="rect">
+            <a:avLst/>
+          </a:prstGeom>
+          <a:noFill/>
+        </p:spPr>
+        <p:txBody>
+          <a:bodyPr wrap="none" rtlCol="0">
+            <a:spAutoFit/>
+          </a:bodyPr>
+          <a:lstStyle/>
+          <a:p>
+            <a:r>
+              <a:rPr lang="en-US" sz="3200" dirty="0">
+                <a:solidFill>
+                  <a:schemeClr val="accent2"/>
+                </a:solidFill>
+                <a:latin typeface="Century Gothic" panose="020B0502020202020204" pitchFamily="34" charset="0"/>
+              </a:rPr>
+              <a:t>Next Video</a:t>
+            </a:r>
+          </a:p>
+        </p:txBody>
+      </p:sp>
+      <p:sp>
+        <p:nvSpPr>
+          <p:cNvPr id="14" name="Rectangle 13">
+            <a:extLst>
+              <a:ext uri="{FF2B5EF4-FFF2-40B4-BE49-F238E27FC236}">
+                <a16:creationId xmlns:a16="http://schemas.microsoft.com/office/drawing/2014/main" id="{30610344-5073-9351-D254-6D8408C00B10}"/>
+              </a:ext>
+            </a:extLst>
+          </p:cNvPr>
+          <p:cNvSpPr>
+            <a:spLocks/>
+          </p:cNvSpPr>
+          <p:nvPr/>
+        </p:nvSpPr>
+        <p:spPr>
+          <a:xfrm>
+            <a:off x="4507675" y="432606"/>
+            <a:ext cx="3176651" cy="3696485"/>
+          </a:xfrm>
+          <a:prstGeom prst="rect">
+            <a:avLst/>
+          </a:prstGeom>
+          <a:noFill/>
+        </p:spPr>
+        <p:txBody>
+          <a:bodyPr wrap="none" lIns="91440" tIns="45720" rIns="91440" bIns="45720">
+            <a:prstTxWarp prst="textArchUp">
+              <a:avLst>
+                <a:gd name="adj" fmla="val 11740300"/>
+              </a:avLst>
+            </a:prstTxWarp>
+            <a:spAutoFit/>
+          </a:bodyPr>
+          <a:lstStyle/>
+          <a:p>
+            <a:r>
+              <a:rPr lang="en-US" sz="3600" dirty="0">
+                <a:solidFill>
+                  <a:schemeClr val="accent1"/>
+                </a:solidFill>
+                <a:latin typeface="Century Gothic" panose="020B0502020202020204" pitchFamily="34" charset="0"/>
+              </a:rPr>
+              <a:t>Subscribe to our Channel</a:t>
+            </a:r>
+          </a:p>
+        </p:txBody>
+      </p:sp>
+      <p:sp>
+        <p:nvSpPr>
+          <p:cNvPr id="2" name="TextBox 1">
+            <a:extLst>
+              <a:ext uri="{FF2B5EF4-FFF2-40B4-BE49-F238E27FC236}">
+                <a16:creationId xmlns:a16="http://schemas.microsoft.com/office/drawing/2014/main" id="{DB648E07-0ADA-3213-F04B-B618F86FE55A}"/>
+              </a:ext>
+            </a:extLst>
+          </p:cNvPr>
+          <p:cNvSpPr txBox="1"/>
+          <p:nvPr/>
+        </p:nvSpPr>
+        <p:spPr>
+          <a:xfrm>
+            <a:off x="1032256" y="2544228"/>
+            <a:ext cx="1556836" cy="584775"/>
+          </a:xfrm>
+          <a:prstGeom prst="rect">
+            <a:avLst/>
+          </a:prstGeom>
+          <a:noFill/>
+        </p:spPr>
+        <p:txBody>
+          <a:bodyPr wrap="none" rtlCol="0">
+            <a:spAutoFit/>
+          </a:bodyPr>
+          <a:lstStyle/>
+          <a:p>
+            <a:r>
+              <a:rPr lang="en-US" sz="3200" dirty="0">
+                <a:solidFill>
+                  <a:schemeClr val="accent2"/>
+                </a:solidFill>
+                <a:latin typeface="Century Gothic" panose="020B0502020202020204" pitchFamily="34" charset="0"/>
+              </a:rPr>
+              <a:t>Playlist</a:t>
+            </a:r>
+            <a:r>
+              <a:rPr lang="en-US" sz="2400" dirty="0">
+                <a:solidFill>
+                  <a:schemeClr val="accent2"/>
+                </a:solidFill>
+                <a:latin typeface="Century Gothic" panose="020B0502020202020204" pitchFamily="34" charset="0"/>
+              </a:rPr>
+              <a:t> </a:t>
+            </a:r>
+          </a:p>
+        </p:txBody>
+      </p:sp>
+      <p:sp>
+        <p:nvSpPr>
+          <p:cNvPr id="4" name="Oval 3">
+            <a:extLst>
+              <a:ext uri="{FF2B5EF4-FFF2-40B4-BE49-F238E27FC236}">
+                <a16:creationId xmlns:a16="http://schemas.microsoft.com/office/drawing/2014/main" id="{B0419334-D010-AABC-F69E-4CE3A439194D}"/>
+              </a:ext>
+            </a:extLst>
+          </p:cNvPr>
+          <p:cNvSpPr/>
+          <p:nvPr/>
+        </p:nvSpPr>
+        <p:spPr>
+          <a:xfrm>
+            <a:off x="4899713" y="736429"/>
+            <a:ext cx="2392574" cy="2392574"/>
+          </a:xfrm>
+          <a:prstGeom prst="ellipse">
+            <a:avLst/>
+          </a:prstGeom>
+          <a:noFill/>
+          <a:ln w="57150">
+            <a:solidFill>
+              <a:schemeClr val="accent1"/>
+            </a:solidFill>
+          </a:ln>
+        </p:spPr>
+        <p:style>
+          <a:lnRef idx="2">
+            <a:schemeClr val="accent1">
+              <a:shade val="15000"/>
+            </a:schemeClr>
+          </a:lnRef>
+          <a:fillRef idx="1">
+            <a:schemeClr val="accent1"/>
+          </a:fillRef>
+          <a:effectRef idx="0">
+            <a:schemeClr val="accent1"/>
+          </a:effectRef>
+          <a:fontRef idx="minor">
+            <a:schemeClr val="lt1"/>
+          </a:fontRef>
+        </p:style>
+        <p:txBody>
+          <a:bodyPr rtlCol="0" anchor="ctr"/>
+          <a:lstStyle/>
+          <a:p>
+            <a:pPr algn="ctr"/>
+            <a:endParaRPr lang="en-US"/>
+          </a:p>
+        </p:txBody>
+      </p:sp>
+      <p:sp>
+        <p:nvSpPr>
+          <p:cNvPr id="7" name="Rounded Rectangle 6">
+            <a:extLst>
+              <a:ext uri="{FF2B5EF4-FFF2-40B4-BE49-F238E27FC236}">
+                <a16:creationId xmlns:a16="http://schemas.microsoft.com/office/drawing/2014/main" id="{17CFD8EC-DAD6-2D70-BC4C-CA8D499F942E}"/>
+              </a:ext>
+            </a:extLst>
+          </p:cNvPr>
+          <p:cNvSpPr/>
+          <p:nvPr/>
+        </p:nvSpPr>
+        <p:spPr>
+          <a:xfrm>
+            <a:off x="6612128" y="3291829"/>
+            <a:ext cx="4547616" cy="2818177"/>
+          </a:xfrm>
+          <a:prstGeom prst="roundRect">
+            <a:avLst>
+              <a:gd name="adj" fmla="val 8522"/>
+            </a:avLst>
+          </a:prstGeom>
+          <a:noFill/>
+          <a:ln w="57150">
+            <a:solidFill>
+              <a:schemeClr val="accent2"/>
+            </a:solidFill>
+          </a:ln>
+        </p:spPr>
+        <p:style>
+          <a:lnRef idx="2">
+            <a:schemeClr val="accent1">
+              <a:shade val="15000"/>
+            </a:schemeClr>
+          </a:lnRef>
+          <a:fillRef idx="1">
+            <a:schemeClr val="accent1"/>
+          </a:fillRef>
+          <a:effectRef idx="0">
+            <a:schemeClr val="accent1"/>
+          </a:effectRef>
+          <a:fontRef idx="minor">
+            <a:schemeClr val="lt1"/>
+          </a:fontRef>
+        </p:style>
+        <p:txBody>
+          <a:bodyPr rtlCol="0" anchor="ctr"/>
+          <a:lstStyle/>
+          <a:p>
+            <a:pPr algn="ctr"/>
+            <a:endParaRPr lang="en-US"/>
+          </a:p>
+        </p:txBody>
+      </p:sp>
+    </p:spTree>
+    <p:extLst>
+      <p:ext uri="{BB962C8B-B14F-4D97-AF65-F5344CB8AC3E}">
+        <p14:creationId xmlns:p14="http://schemas.microsoft.com/office/powerpoint/2010/main" val="891335981"/>
+      </p:ext>
+    </p:extLst>
+  </p:cSld>
+  <p:clrMapOvr>
+    <a:masterClrMapping/>
+  </p:clrMapOvr>
+  <mc:AlternateContent xmlns:mc="http://schemas.openxmlformats.org/markup-compatibility/2006">
+    <mc:Choice xmlns:p159="http://schemas.microsoft.com/office/powerpoint/2015/09/main" Requires="p159">
+      <p:transition xmlns:p14="http://schemas.microsoft.com/office/powerpoint/2010/main" spd="slow" p14:dur="2000" advTm="10000">
+        <p159:morph option="byObject"/>
+      </p:transition>
+    </mc:Choice>
+    <mc:Fallback>
+      <p:transition spd="slow" advTm="10000">
         <p:fade/>
       </p:transition>
     </mc:Fallback>

--- a/Tutorials/whatiswot/3-JSON/3.JSON.pptx
+++ b/Tutorials/whatiswot/3-JSON/3.JSON.pptx
@@ -5,7 +5,7 @@
     <p:sldMasterId id="2147483648" r:id="rId1"/>
   </p:sldMasterIdLst>
   <p:notesMasterIdLst>
-    <p:notesMasterId r:id="rId52"/>
+    <p:notesMasterId r:id="rId54"/>
   </p:notesMasterIdLst>
   <p:sldIdLst>
     <p:sldId id="311" r:id="rId2"/>
@@ -41,23 +41,25 @@
     <p:sldId id="343" r:id="rId32"/>
     <p:sldId id="344" r:id="rId33"/>
     <p:sldId id="345" r:id="rId34"/>
-    <p:sldId id="346" r:id="rId35"/>
-    <p:sldId id="347" r:id="rId36"/>
-    <p:sldId id="348" r:id="rId37"/>
-    <p:sldId id="264" r:id="rId38"/>
-    <p:sldId id="358" r:id="rId39"/>
-    <p:sldId id="360" r:id="rId40"/>
-    <p:sldId id="261" r:id="rId41"/>
-    <p:sldId id="351" r:id="rId42"/>
-    <p:sldId id="352" r:id="rId43"/>
-    <p:sldId id="353" r:id="rId44"/>
-    <p:sldId id="354" r:id="rId45"/>
-    <p:sldId id="355" r:id="rId46"/>
-    <p:sldId id="356" r:id="rId47"/>
-    <p:sldId id="359" r:id="rId48"/>
-    <p:sldId id="318" r:id="rId49"/>
-    <p:sldId id="315" r:id="rId50"/>
-    <p:sldId id="276" r:id="rId51"/>
+    <p:sldId id="361" r:id="rId35"/>
+    <p:sldId id="346" r:id="rId36"/>
+    <p:sldId id="347" r:id="rId37"/>
+    <p:sldId id="348" r:id="rId38"/>
+    <p:sldId id="264" r:id="rId39"/>
+    <p:sldId id="358" r:id="rId40"/>
+    <p:sldId id="362" r:id="rId41"/>
+    <p:sldId id="360" r:id="rId42"/>
+    <p:sldId id="261" r:id="rId43"/>
+    <p:sldId id="351" r:id="rId44"/>
+    <p:sldId id="352" r:id="rId45"/>
+    <p:sldId id="353" r:id="rId46"/>
+    <p:sldId id="354" r:id="rId47"/>
+    <p:sldId id="355" r:id="rId48"/>
+    <p:sldId id="356" r:id="rId49"/>
+    <p:sldId id="359" r:id="rId50"/>
+    <p:sldId id="318" r:id="rId51"/>
+    <p:sldId id="315" r:id="rId52"/>
+    <p:sldId id="276" r:id="rId53"/>
   </p:sldIdLst>
   <p:sldSz cx="12192000" cy="6858000"/>
   <p:notesSz cx="6858000" cy="9144000"/>
@@ -286,7 +288,7 @@
           <a:p>
             <a:fld id="{45DADA77-5DDC-4AF4-ADA4-7274EAA582B1}" type="datetimeFigureOut">
               <a:rPr lang="en-US" smtClean="0"/>
-              <a:t>11/21/23</a:t>
+              <a:t>5/10/24</a:t>
             </a:fld>
             <a:endParaRPr lang="en-US"/>
           </a:p>
@@ -3629,6 +3631,14 @@
             </a:r>
             <a:r>
               <a:rPr lang="tr-TR" dirty="0" err="1"/>
+              <a:t>Integer</a:t>
+            </a:r>
+            <a:r>
+              <a:rPr lang="tr-TR" dirty="0"/>
+              <a:t>, </a:t>
+            </a:r>
+            <a:r>
+              <a:rPr lang="tr-TR" dirty="0" err="1"/>
               <a:t>Boolean</a:t>
             </a:r>
             <a:r>
@@ -3737,11 +3747,19 @@
             </a:pPr>
             <a:r>
               <a:rPr lang="en-US" dirty="0"/>
-              <a:t>Lets look closer to these primitive types; String, Number,</a:t>
+              <a:t>Let’s look closer to these primitive types; String, Number,</a:t>
             </a:r>
             <a:r>
               <a:rPr lang="tr-TR" dirty="0"/>
               <a:t> </a:t>
+            </a:r>
+            <a:r>
+              <a:rPr lang="tr-TR" dirty="0" err="1"/>
+              <a:t>Integer</a:t>
+            </a:r>
+            <a:r>
+              <a:rPr lang="tr-TR" dirty="0"/>
+              <a:t>, </a:t>
             </a:r>
             <a:r>
               <a:rPr lang="tr-TR" dirty="0" err="1"/>
@@ -3853,11 +3871,19 @@
             </a:pPr>
             <a:r>
               <a:rPr lang="en-US" dirty="0"/>
-              <a:t>Lets look closer to these primitive types; String, Number,</a:t>
+              <a:t>Let’s look closer to these primitive types; String, Number,</a:t>
             </a:r>
             <a:r>
               <a:rPr lang="tr-TR" dirty="0"/>
               <a:t> </a:t>
+            </a:r>
+            <a:r>
+              <a:rPr lang="tr-TR" dirty="0" err="1"/>
+              <a:t>Integer</a:t>
+            </a:r>
+            <a:r>
+              <a:rPr lang="tr-TR" dirty="0"/>
+              <a:t>, </a:t>
             </a:r>
             <a:r>
               <a:rPr lang="tr-TR" dirty="0" err="1"/>
@@ -3896,7 +3922,7 @@
     </p:spTree>
     <p:extLst>
       <p:ext uri="{BB962C8B-B14F-4D97-AF65-F5344CB8AC3E}">
-        <p14:creationId xmlns:p14="http://schemas.microsoft.com/office/powerpoint/2010/main" val="1263713029"/>
+        <p14:creationId xmlns:p14="http://schemas.microsoft.com/office/powerpoint/2010/main" val="3222168610"/>
       </p:ext>
     </p:extLst>
   </p:cSld>
@@ -3969,11 +3995,19 @@
             </a:pPr>
             <a:r>
               <a:rPr lang="en-US" dirty="0"/>
-              <a:t>Lets look closer to these primitive types; String, Number,</a:t>
+              <a:t>Let’s look closer to these primitive types; String, Number,</a:t>
             </a:r>
             <a:r>
               <a:rPr lang="tr-TR" dirty="0"/>
               <a:t> </a:t>
+            </a:r>
+            <a:r>
+              <a:rPr lang="tr-TR" dirty="0" err="1"/>
+              <a:t>Integer</a:t>
+            </a:r>
+            <a:r>
+              <a:rPr lang="tr-TR" dirty="0"/>
+              <a:t>, </a:t>
             </a:r>
             <a:r>
               <a:rPr lang="tr-TR" dirty="0" err="1"/>
@@ -4012,7 +4046,7 @@
     </p:spTree>
     <p:extLst>
       <p:ext uri="{BB962C8B-B14F-4D97-AF65-F5344CB8AC3E}">
-        <p14:creationId xmlns:p14="http://schemas.microsoft.com/office/powerpoint/2010/main" val="4045310522"/>
+        <p14:creationId xmlns:p14="http://schemas.microsoft.com/office/powerpoint/2010/main" val="1263713029"/>
       </p:ext>
     </p:extLst>
   </p:cSld>
@@ -4085,11 +4119,19 @@
             </a:pPr>
             <a:r>
               <a:rPr lang="en-US" dirty="0"/>
-              <a:t>Lets look closer to these primitive types; String, Number,</a:t>
+              <a:t>Let’s look closer to these primitive types; String, Number,</a:t>
             </a:r>
             <a:r>
               <a:rPr lang="tr-TR" dirty="0"/>
               <a:t> </a:t>
+            </a:r>
+            <a:r>
+              <a:rPr lang="tr-TR" dirty="0" err="1"/>
+              <a:t>Integer</a:t>
+            </a:r>
+            <a:r>
+              <a:rPr lang="tr-TR" dirty="0"/>
+              <a:t>, </a:t>
             </a:r>
             <a:r>
               <a:rPr lang="tr-TR" dirty="0" err="1"/>
@@ -4128,7 +4170,7 @@
     </p:spTree>
     <p:extLst>
       <p:ext uri="{BB962C8B-B14F-4D97-AF65-F5344CB8AC3E}">
-        <p14:creationId xmlns:p14="http://schemas.microsoft.com/office/powerpoint/2010/main" val="2216085486"/>
+        <p14:creationId xmlns:p14="http://schemas.microsoft.com/office/powerpoint/2010/main" val="4045310522"/>
       </p:ext>
     </p:extLst>
   </p:cSld>
@@ -4182,31 +4224,46 @@
           <a:bodyPr/>
           <a:lstStyle/>
           <a:p>
-            <a:pPr>
-              <a:buFont typeface="Arial" panose="020B0604020202020204" pitchFamily="34" charset="0"/>
-              <a:buChar char="•"/>
+            <a:pPr marL="0" marR="0" lvl="0" indent="0" algn="l" defTabSz="914400" rtl="0" eaLnBrk="1" fontAlgn="auto" latinLnBrk="0" hangingPunct="1">
+              <a:lnSpc>
+                <a:spcPct val="100000"/>
+              </a:lnSpc>
+              <a:spcBef>
+                <a:spcPts val="0"/>
+              </a:spcBef>
+              <a:spcAft>
+                <a:spcPts val="0"/>
+              </a:spcAft>
+              <a:buClrTx/>
+              <a:buSzTx/>
+              <a:buFontTx/>
+              <a:buNone/>
+              <a:tabLst/>
+              <a:defRPr/>
             </a:pPr>
             <a:r>
-              <a:rPr lang="en-US" dirty="0">
-                <a:solidFill>
-                  <a:schemeClr val="accent1"/>
-                </a:solidFill>
-              </a:rPr>
-              <a:t>Now, we will talk about the structured types. </a:t>
-            </a:r>
-          </a:p>
-          <a:p>
-            <a:pPr>
-              <a:buFont typeface="Arial" panose="020B0604020202020204" pitchFamily="34" charset="0"/>
-              <a:buChar char="•"/>
-            </a:pPr>
-            <a:r>
-              <a:rPr lang="en-US" dirty="0">
-                <a:solidFill>
-                  <a:schemeClr val="accent1"/>
-                </a:solidFill>
-              </a:rPr>
-              <a:t>JSON is built on two structures. </a:t>
+              <a:rPr lang="en-US" dirty="0"/>
+              <a:t>Let’s look closer to these primitive types; String, Number,</a:t>
+            </a:r>
+            <a:r>
+              <a:rPr lang="tr-TR" dirty="0"/>
+              <a:t> </a:t>
+            </a:r>
+            <a:r>
+              <a:rPr lang="tr-TR" dirty="0" err="1"/>
+              <a:t>Integer</a:t>
+            </a:r>
+            <a:r>
+              <a:rPr lang="tr-TR" dirty="0"/>
+              <a:t>, </a:t>
+            </a:r>
+            <a:r>
+              <a:rPr lang="tr-TR" dirty="0" err="1"/>
+              <a:t>Boolean</a:t>
+            </a:r>
+            <a:r>
+              <a:rPr lang="en-US" dirty="0"/>
+              <a:t>, and null. </a:t>
             </a:r>
           </a:p>
         </p:txBody>
@@ -4237,7 +4294,7 @@
     </p:spTree>
     <p:extLst>
       <p:ext uri="{BB962C8B-B14F-4D97-AF65-F5344CB8AC3E}">
-        <p14:creationId xmlns:p14="http://schemas.microsoft.com/office/powerpoint/2010/main" val="830559852"/>
+        <p14:creationId xmlns:p14="http://schemas.microsoft.com/office/powerpoint/2010/main" val="2216085486"/>
       </p:ext>
     </p:extLst>
   </p:cSld>
@@ -4296,31 +4353,13 @@
               <a:buChar char="•"/>
             </a:pPr>
             <a:r>
-              <a:rPr lang="en-US" b="0" i="0" dirty="0">
-                <a:effectLst/>
-                <a:latin typeface="Rubik"/>
+              <a:rPr lang="en-US" dirty="0">
+                <a:solidFill>
+                  <a:schemeClr val="accent1"/>
+                </a:solidFill>
               </a:rPr>
-              <a:t>First one is name value pairs, called objects</a:t>
-            </a:r>
-            <a:r>
-              <a:rPr lang="en-US" b="0" i="0">
-                <a:effectLst/>
-                <a:latin typeface="Rubik"/>
-              </a:rPr>
-              <a:t>. In </a:t>
-            </a:r>
-            <a:r>
-              <a:rPr lang="en-US" b="0" i="0" dirty="0">
-                <a:effectLst/>
-                <a:latin typeface="Rubik"/>
-              </a:rPr>
-              <a:t>various programming languages, this can be called an object, struct, dictionary, hash table or keyed list. </a:t>
-            </a:r>
-            <a:endParaRPr lang="en-US" dirty="0">
-              <a:solidFill>
-                <a:schemeClr val="accent1"/>
-              </a:solidFill>
-            </a:endParaRPr>
+              <a:t>Now, we will talk about the structured types. </a:t>
+            </a:r>
           </a:p>
           <a:p>
             <a:pPr>
@@ -4328,17 +4367,13 @@
               <a:buChar char="•"/>
             </a:pPr>
             <a:r>
-              <a:rPr lang="en-US" b="0" i="0" dirty="0">
-                <a:effectLst/>
-                <a:latin typeface="Rubik"/>
+              <a:rPr lang="en-US" dirty="0">
+                <a:solidFill>
+                  <a:schemeClr val="accent1"/>
+                </a:solidFill>
               </a:rPr>
-              <a:t>Second one is ordered list of values, called arrays. In most programming languages, this can be called as an array, vector, list, or sequence. [pause weak] An array of different types is allowed too. </a:t>
-            </a:r>
-            <a:endParaRPr lang="en-US" dirty="0">
-              <a:solidFill>
-                <a:schemeClr val="accent1"/>
-              </a:solidFill>
-            </a:endParaRPr>
+              <a:t>JSON is built on two structures. </a:t>
+            </a:r>
           </a:p>
         </p:txBody>
       </p:sp>
@@ -4368,7 +4403,7 @@
     </p:spTree>
     <p:extLst>
       <p:ext uri="{BB962C8B-B14F-4D97-AF65-F5344CB8AC3E}">
-        <p14:creationId xmlns:p14="http://schemas.microsoft.com/office/powerpoint/2010/main" val="1842819493"/>
+        <p14:creationId xmlns:p14="http://schemas.microsoft.com/office/powerpoint/2010/main" val="830559852"/>
       </p:ext>
     </p:extLst>
   </p:cSld>
@@ -4422,10 +4457,54 @@
           <a:bodyPr/>
           <a:lstStyle/>
           <a:p>
-            <a:r>
-              <a:rPr lang="en-US" dirty="0"/>
-              <a:t>They are also called key/ value pairs. Keys are always strings and always start and end with quotation marks. </a:t>
-            </a:r>
+            <a:pPr>
+              <a:buFont typeface="Arial" panose="020B0604020202020204" pitchFamily="34" charset="0"/>
+              <a:buChar char="•"/>
+            </a:pPr>
+            <a:r>
+              <a:rPr lang="en-US" b="0" i="0" dirty="0">
+                <a:effectLst/>
+                <a:latin typeface="Rubik"/>
+              </a:rPr>
+              <a:t>First one is name value pairs, called objects</a:t>
+            </a:r>
+            <a:r>
+              <a:rPr lang="en-US" b="0" i="0">
+                <a:effectLst/>
+                <a:latin typeface="Rubik"/>
+              </a:rPr>
+              <a:t>. In </a:t>
+            </a:r>
+            <a:r>
+              <a:rPr lang="en-US" b="0" i="0" dirty="0">
+                <a:effectLst/>
+                <a:latin typeface="Rubik"/>
+              </a:rPr>
+              <a:t>various programming languages, this can be called an object, struct, dictionary, hash table or keyed list. </a:t>
+            </a:r>
+            <a:endParaRPr lang="en-US" dirty="0">
+              <a:solidFill>
+                <a:schemeClr val="accent1"/>
+              </a:solidFill>
+            </a:endParaRPr>
+          </a:p>
+          <a:p>
+            <a:pPr>
+              <a:buFont typeface="Arial" panose="020B0604020202020204" pitchFamily="34" charset="0"/>
+              <a:buChar char="•"/>
+            </a:pPr>
+            <a:r>
+              <a:rPr lang="en-US" b="0" i="0" dirty="0">
+                <a:effectLst/>
+                <a:latin typeface="Rubik"/>
+              </a:rPr>
+              <a:t>Second one is ordered list of values, called arrays. In most programming languages, this can be called as an array, vector, list, or sequence. [pause weak] An array of different types is allowed too. </a:t>
+            </a:r>
+            <a:endParaRPr lang="en-US" dirty="0">
+              <a:solidFill>
+                <a:schemeClr val="accent1"/>
+              </a:solidFill>
+            </a:endParaRPr>
           </a:p>
         </p:txBody>
       </p:sp>
@@ -4444,7 +4523,7 @@
           <a:bodyPr/>
           <a:lstStyle/>
           <a:p>
-            <a:fld id="{36244A51-42B3-47E9-BD3B-3B35445A8097}" type="slidenum">
+            <a:fld id="{4D7C4380-5DCF-4E50-AEDE-018F4CAF13FD}" type="slidenum">
               <a:rPr lang="en-US" smtClean="0"/>
               <a:t>39</a:t>
             </a:fld>
@@ -4455,7 +4534,7 @@
     </p:spTree>
     <p:extLst>
       <p:ext uri="{BB962C8B-B14F-4D97-AF65-F5344CB8AC3E}">
-        <p14:creationId xmlns:p14="http://schemas.microsoft.com/office/powerpoint/2010/main" val="2936833736"/>
+        <p14:creationId xmlns:p14="http://schemas.microsoft.com/office/powerpoint/2010/main" val="1842819493"/>
       </p:ext>
     </p:extLst>
   </p:cSld>
@@ -4596,10 +4675,54 @@
           <a:bodyPr/>
           <a:lstStyle/>
           <a:p>
-            <a:r>
-              <a:rPr lang="en-US" dirty="0"/>
-              <a:t>Now we can look closer at a JSON Object. </a:t>
-            </a:r>
+            <a:pPr>
+              <a:buFont typeface="Arial" panose="020B0604020202020204" pitchFamily="34" charset="0"/>
+              <a:buChar char="•"/>
+            </a:pPr>
+            <a:r>
+              <a:rPr lang="en-US" b="0" i="0" dirty="0">
+                <a:effectLst/>
+                <a:latin typeface="Rubik"/>
+              </a:rPr>
+              <a:t>First one is name value pairs, called objects</a:t>
+            </a:r>
+            <a:r>
+              <a:rPr lang="en-US" b="0" i="0">
+                <a:effectLst/>
+                <a:latin typeface="Rubik"/>
+              </a:rPr>
+              <a:t>. In </a:t>
+            </a:r>
+            <a:r>
+              <a:rPr lang="en-US" b="0" i="0" dirty="0">
+                <a:effectLst/>
+                <a:latin typeface="Rubik"/>
+              </a:rPr>
+              <a:t>various programming languages, this can be called an object, struct, dictionary, hash table or keyed list. </a:t>
+            </a:r>
+            <a:endParaRPr lang="en-US" dirty="0">
+              <a:solidFill>
+                <a:schemeClr val="accent1"/>
+              </a:solidFill>
+            </a:endParaRPr>
+          </a:p>
+          <a:p>
+            <a:pPr>
+              <a:buFont typeface="Arial" panose="020B0604020202020204" pitchFamily="34" charset="0"/>
+              <a:buChar char="•"/>
+            </a:pPr>
+            <a:r>
+              <a:rPr lang="en-US" b="0" i="0" dirty="0">
+                <a:effectLst/>
+                <a:latin typeface="Rubik"/>
+              </a:rPr>
+              <a:t>Second one is ordered list of values, called arrays. In most programming languages, this can be called as an array, vector, list, or sequence. [pause weak] An array of different types is allowed too. </a:t>
+            </a:r>
+            <a:endParaRPr lang="en-US" dirty="0">
+              <a:solidFill>
+                <a:schemeClr val="accent1"/>
+              </a:solidFill>
+            </a:endParaRPr>
           </a:p>
         </p:txBody>
       </p:sp>
@@ -4629,7 +4752,7 @@
     </p:spTree>
     <p:extLst>
       <p:ext uri="{BB962C8B-B14F-4D97-AF65-F5344CB8AC3E}">
-        <p14:creationId xmlns:p14="http://schemas.microsoft.com/office/powerpoint/2010/main" val="2865772653"/>
+        <p14:creationId xmlns:p14="http://schemas.microsoft.com/office/powerpoint/2010/main" val="3156219632"/>
       </p:ext>
     </p:extLst>
   </p:cSld>
@@ -4685,69 +4808,8 @@
           <a:p>
             <a:r>
               <a:rPr lang="en-US" dirty="0"/>
-              <a:t>This is a</a:t>
-            </a:r>
-            <a:r>
-              <a:rPr lang="tr-TR" dirty="0"/>
-              <a:t>n</a:t>
-            </a:r>
-            <a:r>
-              <a:rPr lang="en-US" dirty="0"/>
-              <a:t> example </a:t>
-            </a:r>
-            <a:r>
-              <a:rPr lang="tr-TR" dirty="0"/>
-              <a:t>data sent by a</a:t>
-            </a:r>
-            <a:r>
-              <a:rPr lang="en-US" dirty="0"/>
-              <a:t> </a:t>
-            </a:r>
-            <a:r>
-              <a:rPr lang="tr-TR" dirty="0"/>
-              <a:t>h</a:t>
-            </a:r>
-            <a:r>
-              <a:rPr lang="en-US" dirty="0" err="1"/>
-              <a:t>umidity</a:t>
-            </a:r>
-            <a:r>
-              <a:rPr lang="en-US" dirty="0"/>
-              <a:t> </a:t>
-            </a:r>
-            <a:r>
-              <a:rPr lang="tr-TR" dirty="0"/>
-              <a:t>s</a:t>
-            </a:r>
-            <a:r>
-              <a:rPr lang="en-US" dirty="0" err="1"/>
-              <a:t>ensor</a:t>
-            </a:r>
-            <a:r>
-              <a:rPr lang="en-US" dirty="0"/>
-              <a:t>. In between 2 curly brackets, we </a:t>
-            </a:r>
-            <a:r>
-              <a:rPr lang="tr-TR" dirty="0"/>
-              <a:t>see </a:t>
-            </a:r>
-            <a:r>
-              <a:rPr lang="en-US" dirty="0"/>
-              <a:t>the </a:t>
-            </a:r>
-            <a:r>
-              <a:rPr lang="tr-TR" dirty="0"/>
-              <a:t>name</a:t>
-            </a:r>
-            <a:r>
-              <a:rPr lang="en-US" dirty="0"/>
-              <a:t> and value pairs</a:t>
-            </a:r>
-            <a:r>
-              <a:rPr lang="tr-TR" dirty="0"/>
-              <a:t> that show the data structure and the data itself sent by the sensor.</a:t>
-            </a:r>
-            <a:endParaRPr lang="en-US" dirty="0"/>
+              <a:t>They are also called key/ value pairs. Keys are always strings and always start and end with quotation marks. </a:t>
+            </a:r>
           </a:p>
         </p:txBody>
       </p:sp>
@@ -4766,7 +4828,7 @@
           <a:bodyPr/>
           <a:lstStyle/>
           <a:p>
-            <a:fld id="{4D7C4380-5DCF-4E50-AEDE-018F4CAF13FD}" type="slidenum">
+            <a:fld id="{36244A51-42B3-47E9-BD3B-3B35445A8097}" type="slidenum">
               <a:rPr lang="en-US" smtClean="0"/>
               <a:t>41</a:t>
             </a:fld>
@@ -4777,7 +4839,7 @@
     </p:spTree>
     <p:extLst>
       <p:ext uri="{BB962C8B-B14F-4D97-AF65-F5344CB8AC3E}">
-        <p14:creationId xmlns:p14="http://schemas.microsoft.com/office/powerpoint/2010/main" val="2458386455"/>
+        <p14:creationId xmlns:p14="http://schemas.microsoft.com/office/powerpoint/2010/main" val="2936833736"/>
       </p:ext>
     </p:extLst>
   </p:cSld>
@@ -4833,15 +4895,7 @@
           <a:p>
             <a:r>
               <a:rPr lang="en-US" dirty="0"/>
-              <a:t>We showed that </a:t>
-            </a:r>
-            <a:r>
-              <a:rPr lang="tr-TR" dirty="0"/>
-              <a:t>JSON</a:t>
-            </a:r>
-            <a:r>
-              <a:rPr lang="en-US" dirty="0"/>
-              <a:t> Arrays can consist of different primitive types before. With JSON arrays it is also possible to list objects in it too. </a:t>
+              <a:t>Now we can look closer at a JSON Object. </a:t>
             </a:r>
           </a:p>
         </p:txBody>
@@ -4872,7 +4926,7 @@
     </p:spTree>
     <p:extLst>
       <p:ext uri="{BB962C8B-B14F-4D97-AF65-F5344CB8AC3E}">
-        <p14:creationId xmlns:p14="http://schemas.microsoft.com/office/powerpoint/2010/main" val="2192075170"/>
+        <p14:creationId xmlns:p14="http://schemas.microsoft.com/office/powerpoint/2010/main" val="2865772653"/>
       </p:ext>
     </p:extLst>
   </p:cSld>
@@ -4928,16 +4982,69 @@
           <a:p>
             <a:r>
               <a:rPr lang="en-US" dirty="0"/>
-              <a:t>We showed that </a:t>
+              <a:t>This is a</a:t>
             </a:r>
             <a:r>
               <a:rPr lang="tr-TR" dirty="0"/>
-              <a:t>JSON</a:t>
+              <a:t>n</a:t>
             </a:r>
             <a:r>
               <a:rPr lang="en-US" dirty="0"/>
-              <a:t> Arrays can consist of different primitive types before. With JSON arrays it is also possible to list objects in it too. </a:t>
-            </a:r>
+              <a:t> example </a:t>
+            </a:r>
+            <a:r>
+              <a:rPr lang="tr-TR" dirty="0"/>
+              <a:t>data sent by a</a:t>
+            </a:r>
+            <a:r>
+              <a:rPr lang="en-US" dirty="0"/>
+              <a:t> </a:t>
+            </a:r>
+            <a:r>
+              <a:rPr lang="tr-TR" dirty="0"/>
+              <a:t>h</a:t>
+            </a:r>
+            <a:r>
+              <a:rPr lang="en-US" dirty="0" err="1"/>
+              <a:t>umidity</a:t>
+            </a:r>
+            <a:r>
+              <a:rPr lang="en-US" dirty="0"/>
+              <a:t> </a:t>
+            </a:r>
+            <a:r>
+              <a:rPr lang="tr-TR" dirty="0"/>
+              <a:t>s</a:t>
+            </a:r>
+            <a:r>
+              <a:rPr lang="en-US" dirty="0" err="1"/>
+              <a:t>ensor</a:t>
+            </a:r>
+            <a:r>
+              <a:rPr lang="en-US" dirty="0"/>
+              <a:t>. In between 2 curly brackets, we </a:t>
+            </a:r>
+            <a:r>
+              <a:rPr lang="tr-TR" dirty="0"/>
+              <a:t>see </a:t>
+            </a:r>
+            <a:r>
+              <a:rPr lang="en-US" dirty="0"/>
+              <a:t>the </a:t>
+            </a:r>
+            <a:r>
+              <a:rPr lang="tr-TR" dirty="0"/>
+              <a:t>name</a:t>
+            </a:r>
+            <a:r>
+              <a:rPr lang="en-US" dirty="0"/>
+              <a:t> and value pairs</a:t>
+            </a:r>
+            <a:r>
+              <a:rPr lang="tr-TR" dirty="0"/>
+              <a:t> that show the data structure and the data itself sent by the sensor.</a:t>
+            </a:r>
+            <a:endParaRPr lang="en-US" dirty="0"/>
           </a:p>
         </p:txBody>
       </p:sp>
@@ -4967,7 +5074,7 @@
     </p:spTree>
     <p:extLst>
       <p:ext uri="{BB962C8B-B14F-4D97-AF65-F5344CB8AC3E}">
-        <p14:creationId xmlns:p14="http://schemas.microsoft.com/office/powerpoint/2010/main" val="961180397"/>
+        <p14:creationId xmlns:p14="http://schemas.microsoft.com/office/powerpoint/2010/main" val="2458386455"/>
       </p:ext>
     </p:extLst>
   </p:cSld>
@@ -5062,7 +5169,7 @@
     </p:spTree>
     <p:extLst>
       <p:ext uri="{BB962C8B-B14F-4D97-AF65-F5344CB8AC3E}">
-        <p14:creationId xmlns:p14="http://schemas.microsoft.com/office/powerpoint/2010/main" val="2075885425"/>
+        <p14:creationId xmlns:p14="http://schemas.microsoft.com/office/powerpoint/2010/main" val="2192075170"/>
       </p:ext>
     </p:extLst>
   </p:cSld>
@@ -5157,7 +5264,7 @@
     </p:spTree>
     <p:extLst>
       <p:ext uri="{BB962C8B-B14F-4D97-AF65-F5344CB8AC3E}">
-        <p14:creationId xmlns:p14="http://schemas.microsoft.com/office/powerpoint/2010/main" val="3938915008"/>
+        <p14:creationId xmlns:p14="http://schemas.microsoft.com/office/powerpoint/2010/main" val="961180397"/>
       </p:ext>
     </p:extLst>
   </p:cSld>
@@ -5213,85 +5320,16 @@
           <a:p>
             <a:r>
               <a:rPr lang="en-US" dirty="0"/>
-              <a:t>Lets look at an example, in between 2 square brackets we list 2 JSON objects</a:t>
+              <a:t>We showed that </a:t>
             </a:r>
             <a:r>
               <a:rPr lang="tr-TR" dirty="0"/>
-              <a:t>. </a:t>
-            </a:r>
-            <a:r>
-              <a:rPr lang="tr-TR" dirty="0" err="1"/>
-              <a:t>The</a:t>
-            </a:r>
-            <a:r>
-              <a:rPr lang="tr-TR" dirty="0"/>
-              <a:t> data in </a:t>
-            </a:r>
-            <a:r>
-              <a:rPr lang="tr-TR" dirty="0" err="1"/>
-              <a:t>the</a:t>
-            </a:r>
-            <a:r>
-              <a:rPr lang="tr-TR" dirty="0"/>
-              <a:t> </a:t>
-            </a:r>
-            <a:r>
-              <a:rPr lang="tr-TR" dirty="0" err="1"/>
-              <a:t>array</a:t>
-            </a:r>
-            <a:r>
-              <a:rPr lang="tr-TR" dirty="0"/>
-              <a:t> is </a:t>
-            </a:r>
-            <a:r>
-              <a:rPr lang="tr-TR" dirty="0" err="1"/>
-              <a:t>aggregated</a:t>
-            </a:r>
-            <a:r>
-              <a:rPr lang="tr-TR" dirty="0"/>
-              <a:t> sensor </a:t>
-            </a:r>
-            <a:r>
-              <a:rPr lang="tr-TR" dirty="0" err="1"/>
-              <a:t>values</a:t>
-            </a:r>
-            <a:r>
-              <a:rPr lang="tr-TR" dirty="0"/>
-              <a:t> </a:t>
-            </a:r>
-            <a:r>
-              <a:rPr lang="tr-TR" dirty="0" err="1"/>
-              <a:t>from</a:t>
-            </a:r>
-            <a:r>
-              <a:rPr lang="tr-TR" dirty="0"/>
-              <a:t> </a:t>
-            </a:r>
-            <a:r>
-              <a:rPr lang="tr-TR" dirty="0" err="1"/>
-              <a:t>the</a:t>
-            </a:r>
-            <a:r>
-              <a:rPr lang="tr-TR" dirty="0"/>
-              <a:t> </a:t>
-            </a:r>
-            <a:r>
-              <a:rPr lang="tr-TR" dirty="0" err="1"/>
-              <a:t>different</a:t>
-            </a:r>
-            <a:r>
-              <a:rPr lang="tr-TR" dirty="0"/>
-              <a:t> </a:t>
-            </a:r>
-            <a:r>
-              <a:rPr lang="tr-TR" dirty="0" err="1"/>
-              <a:t>sensors</a:t>
-            </a:r>
-            <a:r>
-              <a:rPr lang="tr-TR" dirty="0"/>
-              <a:t>.</a:t>
-            </a:r>
-            <a:endParaRPr lang="en-US" dirty="0"/>
+              <a:t>JSON</a:t>
+            </a:r>
+            <a:r>
+              <a:rPr lang="en-US" dirty="0"/>
+              <a:t> Arrays can consist of different primitive types before. With JSON arrays it is also possible to list objects in it too. </a:t>
+            </a:r>
           </a:p>
         </p:txBody>
       </p:sp>
@@ -5321,7 +5359,7 @@
     </p:spTree>
     <p:extLst>
       <p:ext uri="{BB962C8B-B14F-4D97-AF65-F5344CB8AC3E}">
-        <p14:creationId xmlns:p14="http://schemas.microsoft.com/office/powerpoint/2010/main" val="344342256"/>
+        <p14:creationId xmlns:p14="http://schemas.microsoft.com/office/powerpoint/2010/main" val="2075885425"/>
       </p:ext>
     </p:extLst>
   </p:cSld>
@@ -5376,62 +5414,17 @@
           <a:lstStyle/>
           <a:p>
             <a:r>
-              <a:rPr lang="tr-TR" dirty="0" err="1"/>
-              <a:t>In</a:t>
+              <a:rPr lang="en-US" dirty="0"/>
+              <a:t>We showed that </a:t>
             </a:r>
             <a:r>
               <a:rPr lang="tr-TR" dirty="0"/>
-              <a:t> </a:t>
-            </a:r>
-            <a:r>
-              <a:rPr lang="tr-TR" dirty="0" err="1"/>
-              <a:t>this</a:t>
-            </a:r>
-            <a:r>
-              <a:rPr lang="tr-TR" dirty="0"/>
-              <a:t> video </a:t>
-            </a:r>
-            <a:r>
-              <a:rPr lang="tr-TR" dirty="0" err="1"/>
-              <a:t>we</a:t>
-            </a:r>
-            <a:r>
-              <a:rPr lang="tr-TR" dirty="0"/>
-              <a:t> </a:t>
-            </a:r>
-            <a:r>
-              <a:rPr lang="tr-TR" dirty="0" err="1"/>
-              <a:t>made</a:t>
-            </a:r>
-            <a:r>
-              <a:rPr lang="tr-TR" dirty="0"/>
-              <a:t> </a:t>
-            </a:r>
-            <a:r>
-              <a:rPr lang="tr-TR" dirty="0" err="1"/>
-              <a:t>the</a:t>
-            </a:r>
-            <a:r>
-              <a:rPr lang="tr-TR" dirty="0"/>
-              <a:t> </a:t>
-            </a:r>
-            <a:r>
-              <a:rPr lang="tr-TR" dirty="0" err="1"/>
-              <a:t>introduction</a:t>
-            </a:r>
-            <a:r>
-              <a:rPr lang="tr-TR" dirty="0"/>
-              <a:t> </a:t>
-            </a:r>
-            <a:r>
-              <a:rPr lang="tr-TR" dirty="0" err="1"/>
-              <a:t>to</a:t>
-            </a:r>
-            <a:r>
-              <a:rPr lang="tr-TR" dirty="0"/>
-              <a:t> JSON.</a:t>
-            </a:r>
-            <a:endParaRPr lang="en-US" dirty="0"/>
+              <a:t>JSON</a:t>
+            </a:r>
+            <a:r>
+              <a:rPr lang="en-US" dirty="0"/>
+              <a:t> Arrays can consist of different primitive types before. With JSON arrays it is also possible to list objects in it too. </a:t>
+            </a:r>
           </a:p>
         </p:txBody>
       </p:sp>
@@ -5461,7 +5454,7 @@
     </p:spTree>
     <p:extLst>
       <p:ext uri="{BB962C8B-B14F-4D97-AF65-F5344CB8AC3E}">
-        <p14:creationId xmlns:p14="http://schemas.microsoft.com/office/powerpoint/2010/main" val="546010124"/>
+        <p14:creationId xmlns:p14="http://schemas.microsoft.com/office/powerpoint/2010/main" val="3938915008"/>
       </p:ext>
     </p:extLst>
   </p:cSld>
@@ -5516,8 +5509,84 @@
           <a:lstStyle/>
           <a:p>
             <a:r>
+              <a:rPr lang="en-US" dirty="0"/>
+              <a:t>Lets look at an example, in between 2 square brackets we list 2 JSON objects</a:t>
+            </a:r>
+            <a:r>
               <a:rPr lang="tr-TR" dirty="0"/>
-              <a:t>In the next video, we will explain JSON types in detail and show the usage of JSON in practice.</a:t>
+              <a:t>. </a:t>
+            </a:r>
+            <a:r>
+              <a:rPr lang="tr-TR" dirty="0" err="1"/>
+              <a:t>The</a:t>
+            </a:r>
+            <a:r>
+              <a:rPr lang="tr-TR" dirty="0"/>
+              <a:t> data in </a:t>
+            </a:r>
+            <a:r>
+              <a:rPr lang="tr-TR" dirty="0" err="1"/>
+              <a:t>the</a:t>
+            </a:r>
+            <a:r>
+              <a:rPr lang="tr-TR" dirty="0"/>
+              <a:t> </a:t>
+            </a:r>
+            <a:r>
+              <a:rPr lang="tr-TR" dirty="0" err="1"/>
+              <a:t>array</a:t>
+            </a:r>
+            <a:r>
+              <a:rPr lang="tr-TR" dirty="0"/>
+              <a:t> is </a:t>
+            </a:r>
+            <a:r>
+              <a:rPr lang="tr-TR" dirty="0" err="1"/>
+              <a:t>aggregated</a:t>
+            </a:r>
+            <a:r>
+              <a:rPr lang="tr-TR" dirty="0"/>
+              <a:t> sensor </a:t>
+            </a:r>
+            <a:r>
+              <a:rPr lang="tr-TR" dirty="0" err="1"/>
+              <a:t>values</a:t>
+            </a:r>
+            <a:r>
+              <a:rPr lang="tr-TR" dirty="0"/>
+              <a:t> </a:t>
+            </a:r>
+            <a:r>
+              <a:rPr lang="tr-TR" dirty="0" err="1"/>
+              <a:t>from</a:t>
+            </a:r>
+            <a:r>
+              <a:rPr lang="tr-TR" dirty="0"/>
+              <a:t> </a:t>
+            </a:r>
+            <a:r>
+              <a:rPr lang="tr-TR" dirty="0" err="1"/>
+              <a:t>the</a:t>
+            </a:r>
+            <a:r>
+              <a:rPr lang="tr-TR" dirty="0"/>
+              <a:t> </a:t>
+            </a:r>
+            <a:r>
+              <a:rPr lang="tr-TR" dirty="0" err="1"/>
+              <a:t>different</a:t>
+            </a:r>
+            <a:r>
+              <a:rPr lang="tr-TR" dirty="0"/>
+              <a:t> </a:t>
+            </a:r>
+            <a:r>
+              <a:rPr lang="tr-TR" dirty="0" err="1"/>
+              <a:t>sensors</a:t>
+            </a:r>
+            <a:r>
+              <a:rPr lang="tr-TR" dirty="0"/>
+              <a:t>.</a:t>
             </a:r>
             <a:endParaRPr lang="en-US" dirty="0"/>
           </a:p>
@@ -5538,19 +5607,18 @@
           <a:bodyPr/>
           <a:lstStyle/>
           <a:p>
-            <a:fld id="{838D45EA-097A-449E-8E80-C10F8140ABDB}" type="slidenum">
+            <a:fld id="{4D7C4380-5DCF-4E50-AEDE-018F4CAF13FD}" type="slidenum">
               <a:rPr lang="en-US" smtClean="0"/>
-              <a:pPr/>
               <a:t>48</a:t>
             </a:fld>
-            <a:endParaRPr lang="en-US" dirty="0"/>
+            <a:endParaRPr lang="en-US"/>
           </a:p>
         </p:txBody>
       </p:sp>
     </p:spTree>
     <p:extLst>
       <p:ext uri="{BB962C8B-B14F-4D97-AF65-F5344CB8AC3E}">
-        <p14:creationId xmlns:p14="http://schemas.microsoft.com/office/powerpoint/2010/main" val="3359729754"/>
+        <p14:creationId xmlns:p14="http://schemas.microsoft.com/office/powerpoint/2010/main" val="344342256"/>
       </p:ext>
     </p:extLst>
   </p:cSld>
@@ -5604,7 +5672,63 @@
           <a:bodyPr/>
           <a:lstStyle/>
           <a:p>
-            <a:endParaRPr lang="tr-TR" dirty="0"/>
+            <a:r>
+              <a:rPr lang="tr-TR" dirty="0" err="1"/>
+              <a:t>In</a:t>
+            </a:r>
+            <a:r>
+              <a:rPr lang="tr-TR" dirty="0"/>
+              <a:t> </a:t>
+            </a:r>
+            <a:r>
+              <a:rPr lang="tr-TR" dirty="0" err="1"/>
+              <a:t>this</a:t>
+            </a:r>
+            <a:r>
+              <a:rPr lang="tr-TR" dirty="0"/>
+              <a:t> video </a:t>
+            </a:r>
+            <a:r>
+              <a:rPr lang="tr-TR" dirty="0" err="1"/>
+              <a:t>we</a:t>
+            </a:r>
+            <a:r>
+              <a:rPr lang="tr-TR" dirty="0"/>
+              <a:t> </a:t>
+            </a:r>
+            <a:r>
+              <a:rPr lang="tr-TR" dirty="0" err="1"/>
+              <a:t>made</a:t>
+            </a:r>
+            <a:r>
+              <a:rPr lang="tr-TR" dirty="0"/>
+              <a:t> </a:t>
+            </a:r>
+            <a:r>
+              <a:rPr lang="tr-TR" dirty="0" err="1"/>
+              <a:t>the</a:t>
+            </a:r>
+            <a:r>
+              <a:rPr lang="tr-TR" dirty="0"/>
+              <a:t> </a:t>
+            </a:r>
+            <a:r>
+              <a:rPr lang="tr-TR" dirty="0" err="1"/>
+              <a:t>introduction</a:t>
+            </a:r>
+            <a:r>
+              <a:rPr lang="tr-TR" dirty="0"/>
+              <a:t> </a:t>
+            </a:r>
+            <a:r>
+              <a:rPr lang="tr-TR" dirty="0" err="1"/>
+              <a:t>to</a:t>
+            </a:r>
+            <a:r>
+              <a:rPr lang="tr-TR" dirty="0"/>
+              <a:t> JSON.</a:t>
+            </a:r>
+            <a:endParaRPr lang="en-US" dirty="0"/>
           </a:p>
         </p:txBody>
       </p:sp>
@@ -5623,9 +5747,9 @@
           <a:bodyPr/>
           <a:lstStyle/>
           <a:p>
-            <a:fld id="{838D45EA-097A-449E-8E80-C10F8140ABDB}" type="slidenum">
+            <a:fld id="{4D7C4380-5DCF-4E50-AEDE-018F4CAF13FD}" type="slidenum">
               <a:rPr lang="en-US" smtClean="0"/>
-              <a:t>50</a:t>
+              <a:t>49</a:t>
             </a:fld>
             <a:endParaRPr lang="en-US"/>
           </a:p>
@@ -5634,7 +5758,7 @@
     </p:spTree>
     <p:extLst>
       <p:ext uri="{BB962C8B-B14F-4D97-AF65-F5344CB8AC3E}">
-        <p14:creationId xmlns:p14="http://schemas.microsoft.com/office/powerpoint/2010/main" val="1820635812"/>
+        <p14:creationId xmlns:p14="http://schemas.microsoft.com/office/powerpoint/2010/main" val="546010124"/>
       </p:ext>
     </p:extLst>
   </p:cSld>
@@ -5722,6 +5846,179 @@
     <p:extLst>
       <p:ext uri="{BB962C8B-B14F-4D97-AF65-F5344CB8AC3E}">
         <p14:creationId xmlns:p14="http://schemas.microsoft.com/office/powerpoint/2010/main" val="2652320530"/>
+      </p:ext>
+    </p:extLst>
+  </p:cSld>
+  <p:clrMapOvr>
+    <a:masterClrMapping/>
+  </p:clrMapOvr>
+</p:notes>
+</file>
+
+<file path=ppt/notesSlides/notesSlide50.xml><?xml version="1.0" encoding="utf-8"?>
+<p:notes xmlns:a="http://schemas.openxmlformats.org/drawingml/2006/main" xmlns:r="http://schemas.openxmlformats.org/officeDocument/2006/relationships" xmlns:p="http://schemas.openxmlformats.org/presentationml/2006/main">
+  <p:cSld>
+    <p:spTree>
+      <p:nvGrpSpPr>
+        <p:cNvPr id="1" name=""/>
+        <p:cNvGrpSpPr/>
+        <p:nvPr/>
+      </p:nvGrpSpPr>
+      <p:grpSpPr>
+        <a:xfrm>
+          <a:off x="0" y="0"/>
+          <a:ext cx="0" cy="0"/>
+          <a:chOff x="0" y="0"/>
+          <a:chExt cx="0" cy="0"/>
+        </a:xfrm>
+      </p:grpSpPr>
+      <p:sp>
+        <p:nvSpPr>
+          <p:cNvPr id="2" name="Slide Image Placeholder 1"/>
+          <p:cNvSpPr>
+            <a:spLocks noGrp="1" noRot="1" noChangeAspect="1"/>
+          </p:cNvSpPr>
+          <p:nvPr>
+            <p:ph type="sldImg"/>
+          </p:nvPr>
+        </p:nvSpPr>
+        <p:spPr/>
+      </p:sp>
+      <p:sp>
+        <p:nvSpPr>
+          <p:cNvPr id="3" name="Notes Placeholder 2"/>
+          <p:cNvSpPr>
+            <a:spLocks noGrp="1"/>
+          </p:cNvSpPr>
+          <p:nvPr>
+            <p:ph type="body" idx="1"/>
+          </p:nvPr>
+        </p:nvSpPr>
+        <p:spPr/>
+        <p:txBody>
+          <a:bodyPr/>
+          <a:lstStyle/>
+          <a:p>
+            <a:r>
+              <a:rPr lang="tr-TR" dirty="0"/>
+              <a:t>In the next video, we will explain JSON types in detail and show the usage of JSON in practice.</a:t>
+            </a:r>
+            <a:endParaRPr lang="en-US" dirty="0"/>
+          </a:p>
+        </p:txBody>
+      </p:sp>
+      <p:sp>
+        <p:nvSpPr>
+          <p:cNvPr id="4" name="Slide Number Placeholder 3"/>
+          <p:cNvSpPr>
+            <a:spLocks noGrp="1"/>
+          </p:cNvSpPr>
+          <p:nvPr>
+            <p:ph type="sldNum" sz="quarter" idx="5"/>
+          </p:nvPr>
+        </p:nvSpPr>
+        <p:spPr/>
+        <p:txBody>
+          <a:bodyPr/>
+          <a:lstStyle/>
+          <a:p>
+            <a:fld id="{838D45EA-097A-449E-8E80-C10F8140ABDB}" type="slidenum">
+              <a:rPr lang="en-US" smtClean="0"/>
+              <a:pPr/>
+              <a:t>50</a:t>
+            </a:fld>
+            <a:endParaRPr lang="en-US" dirty="0"/>
+          </a:p>
+        </p:txBody>
+      </p:sp>
+    </p:spTree>
+    <p:extLst>
+      <p:ext uri="{BB962C8B-B14F-4D97-AF65-F5344CB8AC3E}">
+        <p14:creationId xmlns:p14="http://schemas.microsoft.com/office/powerpoint/2010/main" val="3359729754"/>
+      </p:ext>
+    </p:extLst>
+  </p:cSld>
+  <p:clrMapOvr>
+    <a:masterClrMapping/>
+  </p:clrMapOvr>
+</p:notes>
+</file>
+
+<file path=ppt/notesSlides/notesSlide51.xml><?xml version="1.0" encoding="utf-8"?>
+<p:notes xmlns:a="http://schemas.openxmlformats.org/drawingml/2006/main" xmlns:r="http://schemas.openxmlformats.org/officeDocument/2006/relationships" xmlns:p="http://schemas.openxmlformats.org/presentationml/2006/main">
+  <p:cSld>
+    <p:spTree>
+      <p:nvGrpSpPr>
+        <p:cNvPr id="1" name=""/>
+        <p:cNvGrpSpPr/>
+        <p:nvPr/>
+      </p:nvGrpSpPr>
+      <p:grpSpPr>
+        <a:xfrm>
+          <a:off x="0" y="0"/>
+          <a:ext cx="0" cy="0"/>
+          <a:chOff x="0" y="0"/>
+          <a:chExt cx="0" cy="0"/>
+        </a:xfrm>
+      </p:grpSpPr>
+      <p:sp>
+        <p:nvSpPr>
+          <p:cNvPr id="2" name="Slide Image Placeholder 1"/>
+          <p:cNvSpPr>
+            <a:spLocks noGrp="1" noRot="1" noChangeAspect="1"/>
+          </p:cNvSpPr>
+          <p:nvPr>
+            <p:ph type="sldImg"/>
+          </p:nvPr>
+        </p:nvSpPr>
+        <p:spPr/>
+      </p:sp>
+      <p:sp>
+        <p:nvSpPr>
+          <p:cNvPr id="3" name="Notes Placeholder 2"/>
+          <p:cNvSpPr>
+            <a:spLocks noGrp="1"/>
+          </p:cNvSpPr>
+          <p:nvPr>
+            <p:ph type="body" idx="1"/>
+          </p:nvPr>
+        </p:nvSpPr>
+        <p:spPr/>
+        <p:txBody>
+          <a:bodyPr/>
+          <a:lstStyle/>
+          <a:p>
+            <a:endParaRPr lang="tr-TR" dirty="0"/>
+          </a:p>
+        </p:txBody>
+      </p:sp>
+      <p:sp>
+        <p:nvSpPr>
+          <p:cNvPr id="4" name="Slide Number Placeholder 3"/>
+          <p:cNvSpPr>
+            <a:spLocks noGrp="1"/>
+          </p:cNvSpPr>
+          <p:nvPr>
+            <p:ph type="sldNum" sz="quarter" idx="5"/>
+          </p:nvPr>
+        </p:nvSpPr>
+        <p:spPr/>
+        <p:txBody>
+          <a:bodyPr/>
+          <a:lstStyle/>
+          <a:p>
+            <a:fld id="{838D45EA-097A-449E-8E80-C10F8140ABDB}" type="slidenum">
+              <a:rPr lang="en-US" smtClean="0"/>
+              <a:t>52</a:t>
+            </a:fld>
+            <a:endParaRPr lang="en-US"/>
+          </a:p>
+        </p:txBody>
+      </p:sp>
+    </p:spTree>
+    <p:extLst>
+      <p:ext uri="{BB962C8B-B14F-4D97-AF65-F5344CB8AC3E}">
+        <p14:creationId xmlns:p14="http://schemas.microsoft.com/office/powerpoint/2010/main" val="1820635812"/>
       </p:ext>
     </p:extLst>
   </p:cSld>
@@ -6226,7 +6523,7 @@
           <a:p>
             <a:fld id="{CB90B191-8485-4720-BA99-41544628E0E9}" type="datetimeFigureOut">
               <a:rPr lang="en-US" smtClean="0"/>
-              <a:t>11/21/23</a:t>
+              <a:t>5/10/24</a:t>
             </a:fld>
             <a:endParaRPr lang="en-US"/>
           </a:p>
@@ -6424,7 +6721,7 @@
           <a:p>
             <a:fld id="{CB90B191-8485-4720-BA99-41544628E0E9}" type="datetimeFigureOut">
               <a:rPr lang="en-US" smtClean="0"/>
-              <a:t>11/21/23</a:t>
+              <a:t>5/10/24</a:t>
             </a:fld>
             <a:endParaRPr lang="en-US"/>
           </a:p>
@@ -6632,7 +6929,7 @@
           <a:p>
             <a:fld id="{CB90B191-8485-4720-BA99-41544628E0E9}" type="datetimeFigureOut">
               <a:rPr lang="en-US" smtClean="0"/>
-              <a:t>11/21/23</a:t>
+              <a:t>5/10/24</a:t>
             </a:fld>
             <a:endParaRPr lang="en-US"/>
           </a:p>
@@ -6830,7 +7127,7 @@
           <a:p>
             <a:fld id="{CB90B191-8485-4720-BA99-41544628E0E9}" type="datetimeFigureOut">
               <a:rPr lang="en-US" smtClean="0"/>
-              <a:t>11/21/23</a:t>
+              <a:t>5/10/24</a:t>
             </a:fld>
             <a:endParaRPr lang="en-US"/>
           </a:p>
@@ -7105,7 +7402,7 @@
           <a:p>
             <a:fld id="{CB90B191-8485-4720-BA99-41544628E0E9}" type="datetimeFigureOut">
               <a:rPr lang="en-US" smtClean="0"/>
-              <a:t>11/21/23</a:t>
+              <a:t>5/10/24</a:t>
             </a:fld>
             <a:endParaRPr lang="en-US"/>
           </a:p>
@@ -7370,7 +7667,7 @@
           <a:p>
             <a:fld id="{CB90B191-8485-4720-BA99-41544628E0E9}" type="datetimeFigureOut">
               <a:rPr lang="en-US" smtClean="0"/>
-              <a:t>11/21/23</a:t>
+              <a:t>5/10/24</a:t>
             </a:fld>
             <a:endParaRPr lang="en-US"/>
           </a:p>
@@ -7782,7 +8079,7 @@
           <a:p>
             <a:fld id="{CB90B191-8485-4720-BA99-41544628E0E9}" type="datetimeFigureOut">
               <a:rPr lang="en-US" smtClean="0"/>
-              <a:t>11/21/23</a:t>
+              <a:t>5/10/24</a:t>
             </a:fld>
             <a:endParaRPr lang="en-US"/>
           </a:p>
@@ -7923,7 +8220,7 @@
           <a:p>
             <a:fld id="{CB90B191-8485-4720-BA99-41544628E0E9}" type="datetimeFigureOut">
               <a:rPr lang="en-US" smtClean="0"/>
-              <a:t>11/21/23</a:t>
+              <a:t>5/10/24</a:t>
             </a:fld>
             <a:endParaRPr lang="en-US"/>
           </a:p>
@@ -8036,7 +8333,7 @@
           <a:p>
             <a:fld id="{CB90B191-8485-4720-BA99-41544628E0E9}" type="datetimeFigureOut">
               <a:rPr lang="en-US" smtClean="0"/>
-              <a:t>11/21/23</a:t>
+              <a:t>5/10/24</a:t>
             </a:fld>
             <a:endParaRPr lang="en-US"/>
           </a:p>
@@ -8347,7 +8644,7 @@
           <a:p>
             <a:fld id="{CB90B191-8485-4720-BA99-41544628E0E9}" type="datetimeFigureOut">
               <a:rPr lang="en-US" smtClean="0"/>
-              <a:t>11/21/23</a:t>
+              <a:t>5/10/24</a:t>
             </a:fld>
             <a:endParaRPr lang="en-US"/>
           </a:p>
@@ -8635,7 +8932,7 @@
           <a:p>
             <a:fld id="{CB90B191-8485-4720-BA99-41544628E0E9}" type="datetimeFigureOut">
               <a:rPr lang="en-US" smtClean="0"/>
-              <a:t>11/21/23</a:t>
+              <a:t>5/10/24</a:t>
             </a:fld>
             <a:endParaRPr lang="en-US"/>
           </a:p>
@@ -8881,7 +9178,7 @@
           <a:p>
             <a:fld id="{CB90B191-8485-4720-BA99-41544628E0E9}" type="datetimeFigureOut">
               <a:rPr lang="en-US" smtClean="0"/>
-              <a:t>11/21/23</a:t>
+              <a:t>5/10/24</a:t>
             </a:fld>
             <a:endParaRPr lang="en-US"/>
           </a:p>
@@ -24525,7 +24822,7 @@
                   </a:solidFill>
                   <a:latin typeface="Century Gothic" panose="020B0502020202020204" pitchFamily="34" charset="0"/>
                 </a:rPr>
-                <a:t>3000</a:t>
+                <a:t>21.7</a:t>
               </a:r>
               <a:endParaRPr lang="en-US" sz="2800" dirty="0">
                 <a:solidFill>
@@ -24844,7 +25141,7 @@
                   </a:solidFill>
                   <a:latin typeface="Century Gothic" panose="020B0502020202020204" pitchFamily="34" charset="0"/>
                 </a:rPr>
-                <a:t>3000</a:t>
+                <a:t>21.7</a:t>
               </a:r>
               <a:endParaRPr lang="en-US" sz="2800" dirty="0">
                 <a:solidFill>
@@ -25091,6 +25388,559 @@
       </p:grpSp>
       <p:grpSp>
         <p:nvGrpSpPr>
+          <p:cNvPr id="25" name="Group 24">
+            <a:extLst>
+              <a:ext uri="{FF2B5EF4-FFF2-40B4-BE49-F238E27FC236}">
+                <a16:creationId xmlns:a16="http://schemas.microsoft.com/office/drawing/2014/main" id="{AFF78375-28F1-85CC-076B-AD595168CB65}"/>
+              </a:ext>
+            </a:extLst>
+          </p:cNvPr>
+          <p:cNvGrpSpPr/>
+          <p:nvPr/>
+        </p:nvGrpSpPr>
+        <p:grpSpPr>
+          <a:xfrm>
+            <a:off x="12845040" y="2405348"/>
+            <a:ext cx="3812146" cy="1253252"/>
+            <a:chOff x="4189927" y="2395615"/>
+            <a:chExt cx="3812146" cy="1253252"/>
+          </a:xfrm>
+        </p:grpSpPr>
+        <p:grpSp>
+          <p:nvGrpSpPr>
+            <p:cNvPr id="26" name="Group 25">
+              <a:extLst>
+                <a:ext uri="{FF2B5EF4-FFF2-40B4-BE49-F238E27FC236}">
+                  <a16:creationId xmlns:a16="http://schemas.microsoft.com/office/drawing/2014/main" id="{5D8A7EAE-D751-A7EC-5E20-20FEF3D7F1D4}"/>
+                </a:ext>
+              </a:extLst>
+            </p:cNvPr>
+            <p:cNvGrpSpPr/>
+            <p:nvPr/>
+          </p:nvGrpSpPr>
+          <p:grpSpPr>
+            <a:xfrm>
+              <a:off x="4189927" y="2395615"/>
+              <a:ext cx="3812146" cy="1253252"/>
+              <a:chOff x="3711176" y="2395615"/>
+              <a:chExt cx="3812146" cy="1253252"/>
+            </a:xfrm>
+          </p:grpSpPr>
+          <p:sp>
+            <p:nvSpPr>
+              <p:cNvPr id="31" name="Rectangle 30">
+                <a:extLst>
+                  <a:ext uri="{FF2B5EF4-FFF2-40B4-BE49-F238E27FC236}">
+                    <a16:creationId xmlns:a16="http://schemas.microsoft.com/office/drawing/2014/main" id="{F656A5EE-A492-8412-FE11-29E2519A9C6E}"/>
+                  </a:ext>
+                </a:extLst>
+              </p:cNvPr>
+              <p:cNvSpPr/>
+              <p:nvPr/>
+            </p:nvSpPr>
+            <p:spPr>
+              <a:xfrm>
+                <a:off x="3711176" y="2395615"/>
+                <a:ext cx="3812146" cy="1253252"/>
+              </a:xfrm>
+              <a:prstGeom prst="rect">
+                <a:avLst/>
+              </a:prstGeom>
+              <a:noFill/>
+              <a:ln w="38100">
+                <a:solidFill>
+                  <a:schemeClr val="accent6">
+                    <a:lumMod val="75000"/>
+                  </a:schemeClr>
+                </a:solidFill>
+              </a:ln>
+            </p:spPr>
+            <p:style>
+              <a:lnRef idx="2">
+                <a:schemeClr val="accent1">
+                  <a:shade val="15000"/>
+                </a:schemeClr>
+              </a:lnRef>
+              <a:fillRef idx="1">
+                <a:schemeClr val="accent1"/>
+              </a:fillRef>
+              <a:effectRef idx="0">
+                <a:schemeClr val="accent1"/>
+              </a:effectRef>
+              <a:fontRef idx="minor">
+                <a:schemeClr val="lt1"/>
+              </a:fontRef>
+            </p:style>
+            <p:txBody>
+              <a:bodyPr rtlCol="0" anchor="ctr"/>
+              <a:lstStyle/>
+              <a:p>
+                <a:pPr algn="ctr"/>
+                <a:endParaRPr lang="en-US"/>
+              </a:p>
+            </p:txBody>
+          </p:sp>
+          <p:cxnSp>
+            <p:nvCxnSpPr>
+              <p:cNvPr id="32" name="Straight Connector 31">
+                <a:extLst>
+                  <a:ext uri="{FF2B5EF4-FFF2-40B4-BE49-F238E27FC236}">
+                    <a16:creationId xmlns:a16="http://schemas.microsoft.com/office/drawing/2014/main" id="{9F64A6CC-B031-C729-949E-AB71E7B4A3E5}"/>
+                  </a:ext>
+                </a:extLst>
+              </p:cNvPr>
+              <p:cNvCxnSpPr>
+                <a:stCxn id="31" idx="0"/>
+                <a:endCxn id="31" idx="2"/>
+              </p:cNvCxnSpPr>
+              <p:nvPr/>
+            </p:nvCxnSpPr>
+            <p:spPr>
+              <a:xfrm>
+                <a:off x="5617249" y="2395615"/>
+                <a:ext cx="0" cy="1253252"/>
+              </a:xfrm>
+              <a:prstGeom prst="line">
+                <a:avLst/>
+              </a:prstGeom>
+              <a:ln w="38100">
+                <a:solidFill>
+                  <a:schemeClr val="accent6">
+                    <a:lumMod val="75000"/>
+                  </a:schemeClr>
+                </a:solidFill>
+              </a:ln>
+            </p:spPr>
+            <p:style>
+              <a:lnRef idx="1">
+                <a:schemeClr val="accent1"/>
+              </a:lnRef>
+              <a:fillRef idx="0">
+                <a:schemeClr val="accent1"/>
+              </a:fillRef>
+              <a:effectRef idx="0">
+                <a:schemeClr val="accent1"/>
+              </a:effectRef>
+              <a:fontRef idx="minor">
+                <a:schemeClr val="tx1"/>
+              </a:fontRef>
+            </p:style>
+          </p:cxnSp>
+        </p:grpSp>
+        <p:sp>
+          <p:nvSpPr>
+            <p:cNvPr id="27" name="TextBox 26">
+              <a:extLst>
+                <a:ext uri="{FF2B5EF4-FFF2-40B4-BE49-F238E27FC236}">
+                  <a16:creationId xmlns:a16="http://schemas.microsoft.com/office/drawing/2014/main" id="{3B66763E-A03F-3772-ECB7-106EB6A2CEC5}"/>
+                </a:ext>
+              </a:extLst>
+            </p:cNvPr>
+            <p:cNvSpPr txBox="1"/>
+            <p:nvPr/>
+          </p:nvSpPr>
+          <p:spPr>
+            <a:xfrm>
+              <a:off x="4463611" y="2760631"/>
+              <a:ext cx="1425390" cy="523220"/>
+            </a:xfrm>
+            <a:prstGeom prst="rect">
+              <a:avLst/>
+            </a:prstGeom>
+            <a:noFill/>
+          </p:spPr>
+          <p:txBody>
+            <a:bodyPr wrap="none" rtlCol="0">
+              <a:spAutoFit/>
+            </a:bodyPr>
+            <a:lstStyle/>
+            <a:p>
+              <a:r>
+                <a:rPr lang="tr-TR" sz="2800" dirty="0" err="1">
+                  <a:solidFill>
+                    <a:schemeClr val="accent1"/>
+                  </a:solidFill>
+                  <a:latin typeface="Century Gothic" panose="020B0502020202020204" pitchFamily="34" charset="0"/>
+                </a:rPr>
+                <a:t>Integer</a:t>
+              </a:r>
+              <a:endParaRPr lang="en-US" sz="2800" dirty="0">
+                <a:solidFill>
+                  <a:schemeClr val="accent1"/>
+                </a:solidFill>
+                <a:latin typeface="Century Gothic" panose="020B0502020202020204" pitchFamily="34" charset="0"/>
+              </a:endParaRPr>
+            </a:p>
+          </p:txBody>
+        </p:sp>
+        <p:sp>
+          <p:nvSpPr>
+            <p:cNvPr id="28" name="TextBox 27">
+              <a:extLst>
+                <a:ext uri="{FF2B5EF4-FFF2-40B4-BE49-F238E27FC236}">
+                  <a16:creationId xmlns:a16="http://schemas.microsoft.com/office/drawing/2014/main" id="{0FC338C5-00F7-68E8-3FDA-3EC45B99E86D}"/>
+                </a:ext>
+              </a:extLst>
+            </p:cNvPr>
+            <p:cNvSpPr txBox="1"/>
+            <p:nvPr/>
+          </p:nvSpPr>
+          <p:spPr>
+            <a:xfrm>
+              <a:off x="6531076" y="2760631"/>
+              <a:ext cx="1035922" cy="523220"/>
+            </a:xfrm>
+            <a:prstGeom prst="rect">
+              <a:avLst/>
+            </a:prstGeom>
+            <a:noFill/>
+          </p:spPr>
+          <p:txBody>
+            <a:bodyPr wrap="square" rtlCol="0">
+              <a:spAutoFit/>
+            </a:bodyPr>
+            <a:lstStyle/>
+            <a:p>
+              <a:r>
+                <a:rPr lang="tr-TR" sz="2800" dirty="0">
+                  <a:solidFill>
+                    <a:schemeClr val="accent6"/>
+                  </a:solidFill>
+                  <a:latin typeface="Century Gothic" panose="020B0502020202020204" pitchFamily="34" charset="0"/>
+                </a:rPr>
+                <a:t>3000</a:t>
+              </a:r>
+              <a:endParaRPr lang="en-US" sz="2800" dirty="0">
+                <a:solidFill>
+                  <a:schemeClr val="accent6"/>
+                </a:solidFill>
+                <a:latin typeface="Century Gothic" panose="020B0502020202020204" pitchFamily="34" charset="0"/>
+              </a:endParaRPr>
+            </a:p>
+          </p:txBody>
+        </p:sp>
+      </p:grpSp>
+    </p:spTree>
+    <p:extLst>
+      <p:ext uri="{BB962C8B-B14F-4D97-AF65-F5344CB8AC3E}">
+        <p14:creationId xmlns:p14="http://schemas.microsoft.com/office/powerpoint/2010/main" val="3681791812"/>
+      </p:ext>
+    </p:extLst>
+  </p:cSld>
+  <p:clrMapOvr>
+    <a:masterClrMapping/>
+  </p:clrMapOvr>
+  <mc:AlternateContent xmlns:mc="http://schemas.openxmlformats.org/markup-compatibility/2006" xmlns:p159="http://schemas.microsoft.com/office/powerpoint/2015/09/main">
+    <mc:Choice Requires="p159">
+      <p:transition xmlns:p14="http://schemas.microsoft.com/office/powerpoint/2010/main" spd="slow" p14:dur="2000" advClick="0" advTm="500">
+        <p159:morph option="byObject"/>
+      </p:transition>
+    </mc:Choice>
+    <mc:Fallback xmlns="">
+      <p:transition spd="slow" advClick="0" advTm="500">
+        <p:fade/>
+      </p:transition>
+    </mc:Fallback>
+  </mc:AlternateContent>
+</p:sld>
+</file>
+
+<file path=ppt/slides/slide34.xml><?xml version="1.0" encoding="utf-8"?>
+<p:sld xmlns:a="http://schemas.openxmlformats.org/drawingml/2006/main" xmlns:r="http://schemas.openxmlformats.org/officeDocument/2006/relationships" xmlns:p="http://schemas.openxmlformats.org/presentationml/2006/main">
+  <p:cSld>
+    <p:spTree>
+      <p:nvGrpSpPr>
+        <p:cNvPr id="1" name=""/>
+        <p:cNvGrpSpPr/>
+        <p:nvPr/>
+      </p:nvGrpSpPr>
+      <p:grpSpPr>
+        <a:xfrm>
+          <a:off x="0" y="0"/>
+          <a:ext cx="0" cy="0"/>
+          <a:chOff x="0" y="0"/>
+          <a:chExt cx="0" cy="0"/>
+        </a:xfrm>
+      </p:grpSpPr>
+      <p:sp>
+        <p:nvSpPr>
+          <p:cNvPr id="6" name="TextBox 5">
+            <a:extLst>
+              <a:ext uri="{FF2B5EF4-FFF2-40B4-BE49-F238E27FC236}">
+                <a16:creationId xmlns:a16="http://schemas.microsoft.com/office/drawing/2014/main" id="{27B4F4C4-E8EF-5DBF-1AB1-17812DDF85A9}"/>
+              </a:ext>
+            </a:extLst>
+          </p:cNvPr>
+          <p:cNvSpPr txBox="1"/>
+          <p:nvPr/>
+        </p:nvSpPr>
+        <p:spPr>
+          <a:xfrm>
+            <a:off x="4158154" y="5542118"/>
+            <a:ext cx="3875693" cy="707886"/>
+          </a:xfrm>
+          <a:prstGeom prst="rect">
+            <a:avLst/>
+          </a:prstGeom>
+          <a:noFill/>
+        </p:spPr>
+        <p:txBody>
+          <a:bodyPr wrap="square" rtlCol="0">
+            <a:spAutoFit/>
+          </a:bodyPr>
+          <a:lstStyle/>
+          <a:p>
+            <a:r>
+              <a:rPr lang="en-US" sz="4000" dirty="0">
+                <a:solidFill>
+                  <a:schemeClr val="accent6">
+                    <a:lumMod val="60000"/>
+                    <a:lumOff val="40000"/>
+                  </a:schemeClr>
+                </a:solidFill>
+                <a:latin typeface="Century Gothic" panose="020B0502020202020204" pitchFamily="34" charset="0"/>
+              </a:rPr>
+              <a:t>Primitive Types</a:t>
+            </a:r>
+          </a:p>
+        </p:txBody>
+      </p:sp>
+      <p:grpSp>
+        <p:nvGrpSpPr>
+          <p:cNvPr id="29" name="Group 28">
+            <a:extLst>
+              <a:ext uri="{FF2B5EF4-FFF2-40B4-BE49-F238E27FC236}">
+                <a16:creationId xmlns:a16="http://schemas.microsoft.com/office/drawing/2014/main" id="{9CB5E6F5-B6AE-833F-70F6-2D32D4070498}"/>
+              </a:ext>
+            </a:extLst>
+          </p:cNvPr>
+          <p:cNvGrpSpPr/>
+          <p:nvPr/>
+        </p:nvGrpSpPr>
+        <p:grpSpPr>
+          <a:xfrm>
+            <a:off x="4189927" y="2395615"/>
+            <a:ext cx="3812146" cy="1253252"/>
+            <a:chOff x="4189927" y="2395615"/>
+            <a:chExt cx="3812146" cy="1253252"/>
+          </a:xfrm>
+        </p:grpSpPr>
+        <p:grpSp>
+          <p:nvGrpSpPr>
+            <p:cNvPr id="15" name="Group 14">
+              <a:extLst>
+                <a:ext uri="{FF2B5EF4-FFF2-40B4-BE49-F238E27FC236}">
+                  <a16:creationId xmlns:a16="http://schemas.microsoft.com/office/drawing/2014/main" id="{DAB4665C-124A-41A6-ABA0-5C416F7D3BEA}"/>
+                </a:ext>
+              </a:extLst>
+            </p:cNvPr>
+            <p:cNvGrpSpPr/>
+            <p:nvPr/>
+          </p:nvGrpSpPr>
+          <p:grpSpPr>
+            <a:xfrm>
+              <a:off x="4189927" y="2395615"/>
+              <a:ext cx="3812146" cy="1253252"/>
+              <a:chOff x="3711176" y="2395615"/>
+              <a:chExt cx="3812146" cy="1253252"/>
+            </a:xfrm>
+          </p:grpSpPr>
+          <p:sp>
+            <p:nvSpPr>
+              <p:cNvPr id="12" name="Rectangle 11">
+                <a:extLst>
+                  <a:ext uri="{FF2B5EF4-FFF2-40B4-BE49-F238E27FC236}">
+                    <a16:creationId xmlns:a16="http://schemas.microsoft.com/office/drawing/2014/main" id="{44715498-4234-607F-8255-B14682D0E68F}"/>
+                  </a:ext>
+                </a:extLst>
+              </p:cNvPr>
+              <p:cNvSpPr/>
+              <p:nvPr/>
+            </p:nvSpPr>
+            <p:spPr>
+              <a:xfrm>
+                <a:off x="3711176" y="2395615"/>
+                <a:ext cx="3812146" cy="1253252"/>
+              </a:xfrm>
+              <a:prstGeom prst="rect">
+                <a:avLst/>
+              </a:prstGeom>
+              <a:noFill/>
+              <a:ln w="38100">
+                <a:solidFill>
+                  <a:schemeClr val="accent6">
+                    <a:lumMod val="75000"/>
+                  </a:schemeClr>
+                </a:solidFill>
+              </a:ln>
+            </p:spPr>
+            <p:style>
+              <a:lnRef idx="2">
+                <a:schemeClr val="accent1">
+                  <a:shade val="15000"/>
+                </a:schemeClr>
+              </a:lnRef>
+              <a:fillRef idx="1">
+                <a:schemeClr val="accent1"/>
+              </a:fillRef>
+              <a:effectRef idx="0">
+                <a:schemeClr val="accent1"/>
+              </a:effectRef>
+              <a:fontRef idx="minor">
+                <a:schemeClr val="lt1"/>
+              </a:fontRef>
+            </p:style>
+            <p:txBody>
+              <a:bodyPr rtlCol="0" anchor="ctr"/>
+              <a:lstStyle/>
+              <a:p>
+                <a:pPr algn="ctr"/>
+                <a:endParaRPr lang="en-US"/>
+              </a:p>
+            </p:txBody>
+          </p:sp>
+          <p:cxnSp>
+            <p:nvCxnSpPr>
+              <p:cNvPr id="14" name="Straight Connector 13">
+                <a:extLst>
+                  <a:ext uri="{FF2B5EF4-FFF2-40B4-BE49-F238E27FC236}">
+                    <a16:creationId xmlns:a16="http://schemas.microsoft.com/office/drawing/2014/main" id="{71231010-FCF6-16C4-073C-3FEBE98E1416}"/>
+                  </a:ext>
+                </a:extLst>
+              </p:cNvPr>
+              <p:cNvCxnSpPr>
+                <a:stCxn id="12" idx="0"/>
+                <a:endCxn id="12" idx="2"/>
+              </p:cNvCxnSpPr>
+              <p:nvPr/>
+            </p:nvCxnSpPr>
+            <p:spPr>
+              <a:xfrm>
+                <a:off x="5617249" y="2395615"/>
+                <a:ext cx="0" cy="1253252"/>
+              </a:xfrm>
+              <a:prstGeom prst="line">
+                <a:avLst/>
+              </a:prstGeom>
+              <a:ln w="38100">
+                <a:solidFill>
+                  <a:schemeClr val="accent6">
+                    <a:lumMod val="75000"/>
+                  </a:schemeClr>
+                </a:solidFill>
+              </a:ln>
+            </p:spPr>
+            <p:style>
+              <a:lnRef idx="1">
+                <a:schemeClr val="accent1"/>
+              </a:lnRef>
+              <a:fillRef idx="0">
+                <a:schemeClr val="accent1"/>
+              </a:fillRef>
+              <a:effectRef idx="0">
+                <a:schemeClr val="accent1"/>
+              </a:effectRef>
+              <a:fontRef idx="minor">
+                <a:schemeClr val="tx1"/>
+              </a:fontRef>
+            </p:style>
+          </p:cxnSp>
+        </p:grpSp>
+        <p:sp>
+          <p:nvSpPr>
+            <p:cNvPr id="5" name="TextBox 4">
+              <a:extLst>
+                <a:ext uri="{FF2B5EF4-FFF2-40B4-BE49-F238E27FC236}">
+                  <a16:creationId xmlns:a16="http://schemas.microsoft.com/office/drawing/2014/main" id="{03C60846-3676-FC05-4634-E50FF073200D}"/>
+                </a:ext>
+              </a:extLst>
+            </p:cNvPr>
+            <p:cNvSpPr txBox="1"/>
+            <p:nvPr/>
+          </p:nvSpPr>
+          <p:spPr>
+            <a:xfrm>
+              <a:off x="4463611" y="2760631"/>
+              <a:ext cx="1425390" cy="523220"/>
+            </a:xfrm>
+            <a:prstGeom prst="rect">
+              <a:avLst/>
+            </a:prstGeom>
+            <a:noFill/>
+          </p:spPr>
+          <p:txBody>
+            <a:bodyPr wrap="none" rtlCol="0">
+              <a:spAutoFit/>
+            </a:bodyPr>
+            <a:lstStyle/>
+            <a:p>
+              <a:r>
+                <a:rPr lang="tr-TR" sz="2800" dirty="0" err="1">
+                  <a:solidFill>
+                    <a:schemeClr val="accent1"/>
+                  </a:solidFill>
+                  <a:latin typeface="Century Gothic" panose="020B0502020202020204" pitchFamily="34" charset="0"/>
+                </a:rPr>
+                <a:t>Integer</a:t>
+              </a:r>
+              <a:endParaRPr lang="en-US" sz="2800" dirty="0">
+                <a:solidFill>
+                  <a:schemeClr val="accent1"/>
+                </a:solidFill>
+                <a:latin typeface="Century Gothic" panose="020B0502020202020204" pitchFamily="34" charset="0"/>
+              </a:endParaRPr>
+            </a:p>
+          </p:txBody>
+        </p:sp>
+        <p:sp>
+          <p:nvSpPr>
+            <p:cNvPr id="7" name="TextBox 6">
+              <a:extLst>
+                <a:ext uri="{FF2B5EF4-FFF2-40B4-BE49-F238E27FC236}">
+                  <a16:creationId xmlns:a16="http://schemas.microsoft.com/office/drawing/2014/main" id="{B317C835-2AD3-212E-AB4F-B4E89FFFB9F4}"/>
+                </a:ext>
+              </a:extLst>
+            </p:cNvPr>
+            <p:cNvSpPr txBox="1"/>
+            <p:nvPr/>
+          </p:nvSpPr>
+          <p:spPr>
+            <a:xfrm>
+              <a:off x="6531076" y="2760631"/>
+              <a:ext cx="1035922" cy="523220"/>
+            </a:xfrm>
+            <a:prstGeom prst="rect">
+              <a:avLst/>
+            </a:prstGeom>
+            <a:noFill/>
+          </p:spPr>
+          <p:txBody>
+            <a:bodyPr wrap="square" rtlCol="0">
+              <a:spAutoFit/>
+            </a:bodyPr>
+            <a:lstStyle/>
+            <a:p>
+              <a:r>
+                <a:rPr lang="tr-TR" sz="2800" dirty="0">
+                  <a:solidFill>
+                    <a:schemeClr val="accent6"/>
+                  </a:solidFill>
+                  <a:latin typeface="Century Gothic" panose="020B0502020202020204" pitchFamily="34" charset="0"/>
+                </a:rPr>
+                <a:t>3000</a:t>
+              </a:r>
+              <a:endParaRPr lang="en-US" sz="2800" dirty="0">
+                <a:solidFill>
+                  <a:schemeClr val="accent6"/>
+                </a:solidFill>
+                <a:latin typeface="Century Gothic" panose="020B0502020202020204" pitchFamily="34" charset="0"/>
+              </a:endParaRPr>
+            </a:p>
+          </p:txBody>
+        </p:sp>
+      </p:grpSp>
+      <p:grpSp>
+        <p:nvGrpSpPr>
           <p:cNvPr id="2" name="Group 1">
             <a:extLst>
               <a:ext uri="{FF2B5EF4-FFF2-40B4-BE49-F238E27FC236}">
@@ -25318,23 +26168,257 @@
           </p:txBody>
         </p:sp>
       </p:grpSp>
+      <p:grpSp>
+        <p:nvGrpSpPr>
+          <p:cNvPr id="11" name="Group 10">
+            <a:extLst>
+              <a:ext uri="{FF2B5EF4-FFF2-40B4-BE49-F238E27FC236}">
+                <a16:creationId xmlns:a16="http://schemas.microsoft.com/office/drawing/2014/main" id="{BD407C09-92A5-1765-59A7-575717647760}"/>
+              </a:ext>
+            </a:extLst>
+          </p:cNvPr>
+          <p:cNvGrpSpPr/>
+          <p:nvPr/>
+        </p:nvGrpSpPr>
+        <p:grpSpPr>
+          <a:xfrm>
+            <a:off x="-4351930" y="2395615"/>
+            <a:ext cx="3812146" cy="1253252"/>
+            <a:chOff x="4189927" y="2395615"/>
+            <a:chExt cx="3812146" cy="1253252"/>
+          </a:xfrm>
+        </p:grpSpPr>
+        <p:grpSp>
+          <p:nvGrpSpPr>
+            <p:cNvPr id="13" name="Group 12">
+              <a:extLst>
+                <a:ext uri="{FF2B5EF4-FFF2-40B4-BE49-F238E27FC236}">
+                  <a16:creationId xmlns:a16="http://schemas.microsoft.com/office/drawing/2014/main" id="{AA1C4A30-9EF3-C32B-0373-EE1AB7D344A6}"/>
+                </a:ext>
+              </a:extLst>
+            </p:cNvPr>
+            <p:cNvGrpSpPr/>
+            <p:nvPr/>
+          </p:nvGrpSpPr>
+          <p:grpSpPr>
+            <a:xfrm>
+              <a:off x="4189927" y="2395615"/>
+              <a:ext cx="3812146" cy="1253252"/>
+              <a:chOff x="3711176" y="2395615"/>
+              <a:chExt cx="3812146" cy="1253252"/>
+            </a:xfrm>
+          </p:grpSpPr>
+          <p:sp>
+            <p:nvSpPr>
+              <p:cNvPr id="18" name="Rectangle 17">
+                <a:extLst>
+                  <a:ext uri="{FF2B5EF4-FFF2-40B4-BE49-F238E27FC236}">
+                    <a16:creationId xmlns:a16="http://schemas.microsoft.com/office/drawing/2014/main" id="{FA631960-16F1-8865-C0F5-0CF0E5746E47}"/>
+                  </a:ext>
+                </a:extLst>
+              </p:cNvPr>
+              <p:cNvSpPr/>
+              <p:nvPr/>
+            </p:nvSpPr>
+            <p:spPr>
+              <a:xfrm>
+                <a:off x="3711176" y="2395615"/>
+                <a:ext cx="3812146" cy="1253252"/>
+              </a:xfrm>
+              <a:prstGeom prst="rect">
+                <a:avLst/>
+              </a:prstGeom>
+              <a:noFill/>
+              <a:ln w="38100">
+                <a:solidFill>
+                  <a:schemeClr val="accent6">
+                    <a:lumMod val="75000"/>
+                  </a:schemeClr>
+                </a:solidFill>
+              </a:ln>
+            </p:spPr>
+            <p:style>
+              <a:lnRef idx="2">
+                <a:schemeClr val="accent1">
+                  <a:shade val="15000"/>
+                </a:schemeClr>
+              </a:lnRef>
+              <a:fillRef idx="1">
+                <a:schemeClr val="accent1"/>
+              </a:fillRef>
+              <a:effectRef idx="0">
+                <a:schemeClr val="accent1"/>
+              </a:effectRef>
+              <a:fontRef idx="minor">
+                <a:schemeClr val="lt1"/>
+              </a:fontRef>
+            </p:style>
+            <p:txBody>
+              <a:bodyPr rtlCol="0" anchor="ctr"/>
+              <a:lstStyle/>
+              <a:p>
+                <a:pPr algn="ctr"/>
+                <a:endParaRPr lang="en-US"/>
+              </a:p>
+            </p:txBody>
+          </p:sp>
+          <p:cxnSp>
+            <p:nvCxnSpPr>
+              <p:cNvPr id="24" name="Straight Connector 23">
+                <a:extLst>
+                  <a:ext uri="{FF2B5EF4-FFF2-40B4-BE49-F238E27FC236}">
+                    <a16:creationId xmlns:a16="http://schemas.microsoft.com/office/drawing/2014/main" id="{C07C55D5-07F2-41FA-22ED-4921600C0567}"/>
+                  </a:ext>
+                </a:extLst>
+              </p:cNvPr>
+              <p:cNvCxnSpPr>
+                <a:stCxn id="18" idx="0"/>
+                <a:endCxn id="18" idx="2"/>
+              </p:cNvCxnSpPr>
+              <p:nvPr/>
+            </p:nvCxnSpPr>
+            <p:spPr>
+              <a:xfrm>
+                <a:off x="5617249" y="2395615"/>
+                <a:ext cx="0" cy="1253252"/>
+              </a:xfrm>
+              <a:prstGeom prst="line">
+                <a:avLst/>
+              </a:prstGeom>
+              <a:ln w="38100">
+                <a:solidFill>
+                  <a:schemeClr val="accent6">
+                    <a:lumMod val="75000"/>
+                  </a:schemeClr>
+                </a:solidFill>
+              </a:ln>
+            </p:spPr>
+            <p:style>
+              <a:lnRef idx="1">
+                <a:schemeClr val="accent1"/>
+              </a:lnRef>
+              <a:fillRef idx="0">
+                <a:schemeClr val="accent1"/>
+              </a:fillRef>
+              <a:effectRef idx="0">
+                <a:schemeClr val="accent1"/>
+              </a:effectRef>
+              <a:fontRef idx="minor">
+                <a:schemeClr val="tx1"/>
+              </a:fontRef>
+            </p:style>
+          </p:cxnSp>
+        </p:grpSp>
+        <p:sp>
+          <p:nvSpPr>
+            <p:cNvPr id="16" name="TextBox 15">
+              <a:extLst>
+                <a:ext uri="{FF2B5EF4-FFF2-40B4-BE49-F238E27FC236}">
+                  <a16:creationId xmlns:a16="http://schemas.microsoft.com/office/drawing/2014/main" id="{91AAE91C-7779-3533-F372-659EE477190C}"/>
+                </a:ext>
+              </a:extLst>
+            </p:cNvPr>
+            <p:cNvSpPr txBox="1"/>
+            <p:nvPr/>
+          </p:nvSpPr>
+          <p:spPr>
+            <a:xfrm>
+              <a:off x="4344861" y="2760631"/>
+              <a:ext cx="1592103" cy="523220"/>
+            </a:xfrm>
+            <a:prstGeom prst="rect">
+              <a:avLst/>
+            </a:prstGeom>
+            <a:noFill/>
+          </p:spPr>
+          <p:txBody>
+            <a:bodyPr wrap="none" rtlCol="0">
+              <a:spAutoFit/>
+            </a:bodyPr>
+            <a:lstStyle/>
+            <a:p>
+              <a:r>
+                <a:rPr lang="tr-TR" sz="2800" dirty="0">
+                  <a:solidFill>
+                    <a:schemeClr val="accent1"/>
+                  </a:solidFill>
+                  <a:latin typeface="Century Gothic" panose="020B0502020202020204" pitchFamily="34" charset="0"/>
+                </a:rPr>
+                <a:t>Number</a:t>
+              </a:r>
+              <a:endParaRPr lang="en-US" sz="2800" dirty="0">
+                <a:solidFill>
+                  <a:schemeClr val="accent1"/>
+                </a:solidFill>
+                <a:latin typeface="Century Gothic" panose="020B0502020202020204" pitchFamily="34" charset="0"/>
+              </a:endParaRPr>
+            </a:p>
+          </p:txBody>
+        </p:sp>
+        <p:sp>
+          <p:nvSpPr>
+            <p:cNvPr id="17" name="TextBox 16">
+              <a:extLst>
+                <a:ext uri="{FF2B5EF4-FFF2-40B4-BE49-F238E27FC236}">
+                  <a16:creationId xmlns:a16="http://schemas.microsoft.com/office/drawing/2014/main" id="{881A5C4A-8345-BAEF-23BC-DE7B8A712F03}"/>
+                </a:ext>
+              </a:extLst>
+            </p:cNvPr>
+            <p:cNvSpPr txBox="1"/>
+            <p:nvPr/>
+          </p:nvSpPr>
+          <p:spPr>
+            <a:xfrm>
+              <a:off x="6531076" y="2760631"/>
+              <a:ext cx="1035922" cy="523220"/>
+            </a:xfrm>
+            <a:prstGeom prst="rect">
+              <a:avLst/>
+            </a:prstGeom>
+            <a:noFill/>
+          </p:spPr>
+          <p:txBody>
+            <a:bodyPr wrap="square" rtlCol="0">
+              <a:spAutoFit/>
+            </a:bodyPr>
+            <a:lstStyle/>
+            <a:p>
+              <a:r>
+                <a:rPr lang="tr-TR" sz="2800" dirty="0">
+                  <a:solidFill>
+                    <a:schemeClr val="accent6"/>
+                  </a:solidFill>
+                  <a:latin typeface="Century Gothic" panose="020B0502020202020204" pitchFamily="34" charset="0"/>
+                </a:rPr>
+                <a:t>21.7</a:t>
+              </a:r>
+              <a:endParaRPr lang="en-US" sz="2800" dirty="0">
+                <a:solidFill>
+                  <a:schemeClr val="accent6"/>
+                </a:solidFill>
+                <a:latin typeface="Century Gothic" panose="020B0502020202020204" pitchFamily="34" charset="0"/>
+              </a:endParaRPr>
+            </a:p>
+          </p:txBody>
+        </p:sp>
+      </p:grpSp>
     </p:spTree>
     <p:extLst>
       <p:ext uri="{BB962C8B-B14F-4D97-AF65-F5344CB8AC3E}">
-        <p14:creationId xmlns:p14="http://schemas.microsoft.com/office/powerpoint/2010/main" val="3681791812"/>
+        <p14:creationId xmlns:p14="http://schemas.microsoft.com/office/powerpoint/2010/main" val="1004206653"/>
       </p:ext>
     </p:extLst>
   </p:cSld>
   <p:clrMapOvr>
     <a:masterClrMapping/>
   </p:clrMapOvr>
-  <mc:AlternateContent xmlns:mc="http://schemas.openxmlformats.org/markup-compatibility/2006" xmlns:p159="http://schemas.microsoft.com/office/powerpoint/2015/09/main">
-    <mc:Choice Requires="p159">
+  <mc:AlternateContent xmlns:mc="http://schemas.openxmlformats.org/markup-compatibility/2006">
+    <mc:Choice xmlns:p159="http://schemas.microsoft.com/office/powerpoint/2015/09/main" Requires="p159">
       <p:transition xmlns:p14="http://schemas.microsoft.com/office/powerpoint/2010/main" spd="slow" p14:dur="2000" advClick="0" advTm="500">
         <p159:morph option="byObject"/>
       </p:transition>
     </mc:Choice>
-    <mc:Fallback xmlns="">
+    <mc:Fallback>
       <p:transition spd="slow" advClick="0" advTm="500">
         <p:fade/>
       </p:transition>
@@ -25343,7 +26427,7 @@
 </p:sld>
 </file>
 
-<file path=ppt/slides/slide34.xml><?xml version="1.0" encoding="utf-8"?>
+<file path=ppt/slides/slide35.xml><?xml version="1.0" encoding="utf-8"?>
 <p:sld xmlns:a="http://schemas.openxmlformats.org/drawingml/2006/main" xmlns:r="http://schemas.openxmlformats.org/officeDocument/2006/relationships" xmlns:p="http://schemas.openxmlformats.org/presentationml/2006/main">
   <p:cSld>
     <p:spTree>
@@ -25625,240 +26709,6 @@
               <a:endParaRPr lang="en-US" sz="2800" dirty="0">
                 <a:solidFill>
                   <a:schemeClr val="accent5"/>
-                </a:solidFill>
-                <a:latin typeface="Century Gothic" panose="020B0502020202020204" pitchFamily="34" charset="0"/>
-              </a:endParaRPr>
-            </a:p>
-          </p:txBody>
-        </p:sp>
-      </p:grpSp>
-      <p:grpSp>
-        <p:nvGrpSpPr>
-          <p:cNvPr id="29" name="Group 28">
-            <a:extLst>
-              <a:ext uri="{FF2B5EF4-FFF2-40B4-BE49-F238E27FC236}">
-                <a16:creationId xmlns:a16="http://schemas.microsoft.com/office/drawing/2014/main" id="{D64FFC0D-C0A8-DD64-E4C0-AC5C18A2146B}"/>
-              </a:ext>
-            </a:extLst>
-          </p:cNvPr>
-          <p:cNvGrpSpPr/>
-          <p:nvPr/>
-        </p:nvGrpSpPr>
-        <p:grpSpPr>
-          <a:xfrm>
-            <a:off x="-4258627" y="2395615"/>
-            <a:ext cx="3812146" cy="1253252"/>
-            <a:chOff x="-4258627" y="2395615"/>
-            <a:chExt cx="3812146" cy="1253252"/>
-          </a:xfrm>
-        </p:grpSpPr>
-        <p:grpSp>
-          <p:nvGrpSpPr>
-            <p:cNvPr id="11" name="Group 10">
-              <a:extLst>
-                <a:ext uri="{FF2B5EF4-FFF2-40B4-BE49-F238E27FC236}">
-                  <a16:creationId xmlns:a16="http://schemas.microsoft.com/office/drawing/2014/main" id="{B25EAC26-8D2B-F12A-401F-8E50C014E7B2}"/>
-                </a:ext>
-              </a:extLst>
-            </p:cNvPr>
-            <p:cNvGrpSpPr/>
-            <p:nvPr/>
-          </p:nvGrpSpPr>
-          <p:grpSpPr>
-            <a:xfrm>
-              <a:off x="-4258627" y="2395615"/>
-              <a:ext cx="3812146" cy="1253252"/>
-              <a:chOff x="3711176" y="2395615"/>
-              <a:chExt cx="3812146" cy="1253252"/>
-            </a:xfrm>
-          </p:grpSpPr>
-          <p:sp>
-            <p:nvSpPr>
-              <p:cNvPr id="13" name="Rectangle 12">
-                <a:extLst>
-                  <a:ext uri="{FF2B5EF4-FFF2-40B4-BE49-F238E27FC236}">
-                    <a16:creationId xmlns:a16="http://schemas.microsoft.com/office/drawing/2014/main" id="{52005E51-6E98-4749-76CD-914C9222A973}"/>
-                  </a:ext>
-                </a:extLst>
-              </p:cNvPr>
-              <p:cNvSpPr/>
-              <p:nvPr/>
-            </p:nvSpPr>
-            <p:spPr>
-              <a:xfrm>
-                <a:off x="3711176" y="2395615"/>
-                <a:ext cx="3812146" cy="1253252"/>
-              </a:xfrm>
-              <a:prstGeom prst="rect">
-                <a:avLst/>
-              </a:prstGeom>
-              <a:noFill/>
-              <a:ln w="38100">
-                <a:solidFill>
-                  <a:schemeClr val="accent6">
-                    <a:lumMod val="75000"/>
-                  </a:schemeClr>
-                </a:solidFill>
-              </a:ln>
-            </p:spPr>
-            <p:style>
-              <a:lnRef idx="2">
-                <a:schemeClr val="accent1">
-                  <a:shade val="15000"/>
-                </a:schemeClr>
-              </a:lnRef>
-              <a:fillRef idx="1">
-                <a:schemeClr val="accent1"/>
-              </a:fillRef>
-              <a:effectRef idx="0">
-                <a:schemeClr val="accent1"/>
-              </a:effectRef>
-              <a:fontRef idx="minor">
-                <a:schemeClr val="lt1"/>
-              </a:fontRef>
-            </p:style>
-            <p:txBody>
-              <a:bodyPr rtlCol="0" anchor="ctr"/>
-              <a:lstStyle/>
-              <a:p>
-                <a:pPr algn="ctr"/>
-                <a:endParaRPr lang="en-US"/>
-              </a:p>
-            </p:txBody>
-          </p:sp>
-          <p:cxnSp>
-            <p:nvCxnSpPr>
-              <p:cNvPr id="16" name="Straight Connector 15">
-                <a:extLst>
-                  <a:ext uri="{FF2B5EF4-FFF2-40B4-BE49-F238E27FC236}">
-                    <a16:creationId xmlns:a16="http://schemas.microsoft.com/office/drawing/2014/main" id="{7F95A1D0-035B-067C-809D-D385FC6C9A3E}"/>
-                  </a:ext>
-                </a:extLst>
-              </p:cNvPr>
-              <p:cNvCxnSpPr>
-                <a:stCxn id="13" idx="0"/>
-                <a:endCxn id="13" idx="2"/>
-              </p:cNvCxnSpPr>
-              <p:nvPr/>
-            </p:nvCxnSpPr>
-            <p:spPr>
-              <a:xfrm>
-                <a:off x="5617249" y="2395615"/>
-                <a:ext cx="0" cy="1253252"/>
-              </a:xfrm>
-              <a:prstGeom prst="line">
-                <a:avLst/>
-              </a:prstGeom>
-              <a:ln w="38100">
-                <a:solidFill>
-                  <a:schemeClr val="accent6">
-                    <a:lumMod val="75000"/>
-                  </a:schemeClr>
-                </a:solidFill>
-              </a:ln>
-            </p:spPr>
-            <p:style>
-              <a:lnRef idx="1">
-                <a:schemeClr val="accent1"/>
-              </a:lnRef>
-              <a:fillRef idx="0">
-                <a:schemeClr val="accent1"/>
-              </a:fillRef>
-              <a:effectRef idx="0">
-                <a:schemeClr val="accent1"/>
-              </a:effectRef>
-              <a:fontRef idx="minor">
-                <a:schemeClr val="tx1"/>
-              </a:fontRef>
-            </p:style>
-          </p:cxnSp>
-        </p:grpSp>
-        <p:sp>
-          <p:nvSpPr>
-            <p:cNvPr id="17" name="TextBox 16">
-              <a:extLst>
-                <a:ext uri="{FF2B5EF4-FFF2-40B4-BE49-F238E27FC236}">
-                  <a16:creationId xmlns:a16="http://schemas.microsoft.com/office/drawing/2014/main" id="{2E78C197-55B3-9ADF-24CC-D4262CEA58ED}"/>
-                </a:ext>
-              </a:extLst>
-            </p:cNvPr>
-            <p:cNvSpPr txBox="1"/>
-            <p:nvPr/>
-          </p:nvSpPr>
-          <p:spPr>
-            <a:xfrm>
-              <a:off x="-4103693" y="2760631"/>
-              <a:ext cx="1592103" cy="523220"/>
-            </a:xfrm>
-            <a:prstGeom prst="rect">
-              <a:avLst/>
-            </a:prstGeom>
-            <a:noFill/>
-          </p:spPr>
-          <p:txBody>
-            <a:bodyPr wrap="none" rtlCol="0">
-              <a:spAutoFit/>
-            </a:bodyPr>
-            <a:lstStyle/>
-            <a:p>
-              <a:r>
-                <a:rPr lang="tr-TR" sz="2800" dirty="0">
-                  <a:solidFill>
-                    <a:schemeClr val="accent1"/>
-                  </a:solidFill>
-                  <a:latin typeface="Century Gothic" panose="020B0502020202020204" pitchFamily="34" charset="0"/>
-                </a:rPr>
-                <a:t>Number</a:t>
-              </a:r>
-              <a:endParaRPr lang="en-US" sz="2800" dirty="0">
-                <a:solidFill>
-                  <a:schemeClr val="accent1"/>
-                </a:solidFill>
-                <a:latin typeface="Century Gothic" panose="020B0502020202020204" pitchFamily="34" charset="0"/>
-              </a:endParaRPr>
-            </a:p>
-          </p:txBody>
-        </p:sp>
-        <p:sp>
-          <p:nvSpPr>
-            <p:cNvPr id="18" name="TextBox 17">
-              <a:extLst>
-                <a:ext uri="{FF2B5EF4-FFF2-40B4-BE49-F238E27FC236}">
-                  <a16:creationId xmlns:a16="http://schemas.microsoft.com/office/drawing/2014/main" id="{50BBE842-C201-6882-ED63-B2B97130190C}"/>
-                </a:ext>
-              </a:extLst>
-            </p:cNvPr>
-            <p:cNvSpPr txBox="1"/>
-            <p:nvPr/>
-          </p:nvSpPr>
-          <p:spPr>
-            <a:xfrm>
-              <a:off x="-1917478" y="2760631"/>
-              <a:ext cx="1035922" cy="523220"/>
-            </a:xfrm>
-            <a:prstGeom prst="rect">
-              <a:avLst/>
-            </a:prstGeom>
-            <a:noFill/>
-          </p:spPr>
-          <p:txBody>
-            <a:bodyPr wrap="square" rtlCol="0">
-              <a:spAutoFit/>
-            </a:bodyPr>
-            <a:lstStyle/>
-            <a:p>
-              <a:r>
-                <a:rPr lang="tr-TR" sz="2800" dirty="0">
-                  <a:solidFill>
-                    <a:schemeClr val="accent6"/>
-                  </a:solidFill>
-                  <a:latin typeface="Century Gothic" panose="020B0502020202020204" pitchFamily="34" charset="0"/>
-                </a:rPr>
-                <a:t>3000</a:t>
-              </a:r>
-              <a:endParaRPr lang="en-US" sz="2800" dirty="0">
-                <a:solidFill>
-                  <a:schemeClr val="accent6"/>
                 </a:solidFill>
                 <a:latin typeface="Century Gothic" panose="020B0502020202020204" pitchFamily="34" charset="0"/>
               </a:endParaRPr>
@@ -26090,6 +26940,240 @@
           </p:txBody>
         </p:sp>
       </p:grpSp>
+      <p:grpSp>
+        <p:nvGrpSpPr>
+          <p:cNvPr id="8" name="Group 7">
+            <a:extLst>
+              <a:ext uri="{FF2B5EF4-FFF2-40B4-BE49-F238E27FC236}">
+                <a16:creationId xmlns:a16="http://schemas.microsoft.com/office/drawing/2014/main" id="{AC533B6E-4530-41EB-00F6-18A51EAF48F0}"/>
+              </a:ext>
+            </a:extLst>
+          </p:cNvPr>
+          <p:cNvGrpSpPr/>
+          <p:nvPr/>
+        </p:nvGrpSpPr>
+        <p:grpSpPr>
+          <a:xfrm>
+            <a:off x="-5345946" y="2395615"/>
+            <a:ext cx="3812146" cy="1253252"/>
+            <a:chOff x="4189927" y="2395615"/>
+            <a:chExt cx="3812146" cy="1253252"/>
+          </a:xfrm>
+        </p:grpSpPr>
+        <p:grpSp>
+          <p:nvGrpSpPr>
+            <p:cNvPr id="19" name="Group 18">
+              <a:extLst>
+                <a:ext uri="{FF2B5EF4-FFF2-40B4-BE49-F238E27FC236}">
+                  <a16:creationId xmlns:a16="http://schemas.microsoft.com/office/drawing/2014/main" id="{7276B157-B703-A7AB-8D91-59DDB1E09B48}"/>
+                </a:ext>
+              </a:extLst>
+            </p:cNvPr>
+            <p:cNvGrpSpPr/>
+            <p:nvPr/>
+          </p:nvGrpSpPr>
+          <p:grpSpPr>
+            <a:xfrm>
+              <a:off x="4189927" y="2395615"/>
+              <a:ext cx="3812146" cy="1253252"/>
+              <a:chOff x="3711176" y="2395615"/>
+              <a:chExt cx="3812146" cy="1253252"/>
+            </a:xfrm>
+          </p:grpSpPr>
+          <p:sp>
+            <p:nvSpPr>
+              <p:cNvPr id="22" name="Rectangle 21">
+                <a:extLst>
+                  <a:ext uri="{FF2B5EF4-FFF2-40B4-BE49-F238E27FC236}">
+                    <a16:creationId xmlns:a16="http://schemas.microsoft.com/office/drawing/2014/main" id="{E5A97CF4-EA29-BB1B-D3F7-CD47E6C41B75}"/>
+                  </a:ext>
+                </a:extLst>
+              </p:cNvPr>
+              <p:cNvSpPr/>
+              <p:nvPr/>
+            </p:nvSpPr>
+            <p:spPr>
+              <a:xfrm>
+                <a:off x="3711176" y="2395615"/>
+                <a:ext cx="3812146" cy="1253252"/>
+              </a:xfrm>
+              <a:prstGeom prst="rect">
+                <a:avLst/>
+              </a:prstGeom>
+              <a:noFill/>
+              <a:ln w="38100">
+                <a:solidFill>
+                  <a:schemeClr val="accent6">
+                    <a:lumMod val="75000"/>
+                  </a:schemeClr>
+                </a:solidFill>
+              </a:ln>
+            </p:spPr>
+            <p:style>
+              <a:lnRef idx="2">
+                <a:schemeClr val="accent1">
+                  <a:shade val="15000"/>
+                </a:schemeClr>
+              </a:lnRef>
+              <a:fillRef idx="1">
+                <a:schemeClr val="accent1"/>
+              </a:fillRef>
+              <a:effectRef idx="0">
+                <a:schemeClr val="accent1"/>
+              </a:effectRef>
+              <a:fontRef idx="minor">
+                <a:schemeClr val="lt1"/>
+              </a:fontRef>
+            </p:style>
+            <p:txBody>
+              <a:bodyPr rtlCol="0" anchor="ctr"/>
+              <a:lstStyle/>
+              <a:p>
+                <a:pPr algn="ctr"/>
+                <a:endParaRPr lang="en-US"/>
+              </a:p>
+            </p:txBody>
+          </p:sp>
+          <p:cxnSp>
+            <p:nvCxnSpPr>
+              <p:cNvPr id="23" name="Straight Connector 22">
+                <a:extLst>
+                  <a:ext uri="{FF2B5EF4-FFF2-40B4-BE49-F238E27FC236}">
+                    <a16:creationId xmlns:a16="http://schemas.microsoft.com/office/drawing/2014/main" id="{B7C60AEC-18CD-E0CE-1657-E53BC17FB6DE}"/>
+                  </a:ext>
+                </a:extLst>
+              </p:cNvPr>
+              <p:cNvCxnSpPr>
+                <a:stCxn id="22" idx="0"/>
+                <a:endCxn id="22" idx="2"/>
+              </p:cNvCxnSpPr>
+              <p:nvPr/>
+            </p:nvCxnSpPr>
+            <p:spPr>
+              <a:xfrm>
+                <a:off x="5617249" y="2395615"/>
+                <a:ext cx="0" cy="1253252"/>
+              </a:xfrm>
+              <a:prstGeom prst="line">
+                <a:avLst/>
+              </a:prstGeom>
+              <a:ln w="38100">
+                <a:solidFill>
+                  <a:schemeClr val="accent6">
+                    <a:lumMod val="75000"/>
+                  </a:schemeClr>
+                </a:solidFill>
+              </a:ln>
+            </p:spPr>
+            <p:style>
+              <a:lnRef idx="1">
+                <a:schemeClr val="accent1"/>
+              </a:lnRef>
+              <a:fillRef idx="0">
+                <a:schemeClr val="accent1"/>
+              </a:fillRef>
+              <a:effectRef idx="0">
+                <a:schemeClr val="accent1"/>
+              </a:effectRef>
+              <a:fontRef idx="minor">
+                <a:schemeClr val="tx1"/>
+              </a:fontRef>
+            </p:style>
+          </p:cxnSp>
+        </p:grpSp>
+        <p:sp>
+          <p:nvSpPr>
+            <p:cNvPr id="20" name="TextBox 19">
+              <a:extLst>
+                <a:ext uri="{FF2B5EF4-FFF2-40B4-BE49-F238E27FC236}">
+                  <a16:creationId xmlns:a16="http://schemas.microsoft.com/office/drawing/2014/main" id="{C601E8EA-B321-429B-92CC-7121BDC5427E}"/>
+                </a:ext>
+              </a:extLst>
+            </p:cNvPr>
+            <p:cNvSpPr txBox="1"/>
+            <p:nvPr/>
+          </p:nvSpPr>
+          <p:spPr>
+            <a:xfrm>
+              <a:off x="4463611" y="2760631"/>
+              <a:ext cx="1425390" cy="523220"/>
+            </a:xfrm>
+            <a:prstGeom prst="rect">
+              <a:avLst/>
+            </a:prstGeom>
+            <a:noFill/>
+          </p:spPr>
+          <p:txBody>
+            <a:bodyPr wrap="none" rtlCol="0">
+              <a:spAutoFit/>
+            </a:bodyPr>
+            <a:lstStyle/>
+            <a:p>
+              <a:r>
+                <a:rPr lang="tr-TR" sz="2800" dirty="0" err="1">
+                  <a:solidFill>
+                    <a:schemeClr val="accent1"/>
+                  </a:solidFill>
+                  <a:latin typeface="Century Gothic" panose="020B0502020202020204" pitchFamily="34" charset="0"/>
+                </a:rPr>
+                <a:t>Integer</a:t>
+              </a:r>
+              <a:endParaRPr lang="en-US" sz="2800" dirty="0">
+                <a:solidFill>
+                  <a:schemeClr val="accent1"/>
+                </a:solidFill>
+                <a:latin typeface="Century Gothic" panose="020B0502020202020204" pitchFamily="34" charset="0"/>
+              </a:endParaRPr>
+            </a:p>
+          </p:txBody>
+        </p:sp>
+        <p:sp>
+          <p:nvSpPr>
+            <p:cNvPr id="21" name="TextBox 20">
+              <a:extLst>
+                <a:ext uri="{FF2B5EF4-FFF2-40B4-BE49-F238E27FC236}">
+                  <a16:creationId xmlns:a16="http://schemas.microsoft.com/office/drawing/2014/main" id="{776676E6-B9BF-7497-957D-2B6C260A85ED}"/>
+                </a:ext>
+              </a:extLst>
+            </p:cNvPr>
+            <p:cNvSpPr txBox="1"/>
+            <p:nvPr/>
+          </p:nvSpPr>
+          <p:spPr>
+            <a:xfrm>
+              <a:off x="6531076" y="2760631"/>
+              <a:ext cx="1035922" cy="523220"/>
+            </a:xfrm>
+            <a:prstGeom prst="rect">
+              <a:avLst/>
+            </a:prstGeom>
+            <a:noFill/>
+          </p:spPr>
+          <p:txBody>
+            <a:bodyPr wrap="square" rtlCol="0">
+              <a:spAutoFit/>
+            </a:bodyPr>
+            <a:lstStyle/>
+            <a:p>
+              <a:r>
+                <a:rPr lang="tr-TR" sz="2800" dirty="0">
+                  <a:solidFill>
+                    <a:schemeClr val="accent6"/>
+                  </a:solidFill>
+                  <a:latin typeface="Century Gothic" panose="020B0502020202020204" pitchFamily="34" charset="0"/>
+                </a:rPr>
+                <a:t>3000</a:t>
+              </a:r>
+              <a:endParaRPr lang="en-US" sz="2800" dirty="0">
+                <a:solidFill>
+                  <a:schemeClr val="accent6"/>
+                </a:solidFill>
+                <a:latin typeface="Century Gothic" panose="020B0502020202020204" pitchFamily="34" charset="0"/>
+              </a:endParaRPr>
+            </a:p>
+          </p:txBody>
+        </p:sp>
+      </p:grpSp>
     </p:spTree>
     <p:extLst>
       <p:ext uri="{BB962C8B-B14F-4D97-AF65-F5344CB8AC3E}">
@@ -26115,7 +27199,7 @@
 </p:sld>
 </file>
 
-<file path=ppt/slides/slide35.xml><?xml version="1.0" encoding="utf-8"?>
+<file path=ppt/slides/slide36.xml><?xml version="1.0" encoding="utf-8"?>
 <p:sld xmlns:a="http://schemas.openxmlformats.org/drawingml/2006/main" xmlns:r="http://schemas.openxmlformats.org/officeDocument/2006/relationships" xmlns:p="http://schemas.openxmlformats.org/presentationml/2006/main" show="0">
   <p:cSld>
     <p:spTree>
@@ -26882,7 +27966,7 @@
 </p:sld>
 </file>
 
-<file path=ppt/slides/slide36.xml><?xml version="1.0" encoding="utf-8"?>
+<file path=ppt/slides/slide37.xml><?xml version="1.0" encoding="utf-8"?>
 <p:sld xmlns:a="http://schemas.openxmlformats.org/drawingml/2006/main" xmlns:r="http://schemas.openxmlformats.org/officeDocument/2006/relationships" xmlns:p="http://schemas.openxmlformats.org/presentationml/2006/main">
   <p:cSld>
     <p:spTree>
@@ -27420,7 +28504,7 @@
 </p:sld>
 </file>
 
-<file path=ppt/slides/slide37.xml><?xml version="1.0" encoding="utf-8"?>
+<file path=ppt/slides/slide38.xml><?xml version="1.0" encoding="utf-8"?>
 <p:sld xmlns:a="http://schemas.openxmlformats.org/drawingml/2006/main" xmlns:r="http://schemas.openxmlformats.org/officeDocument/2006/relationships" xmlns:p="http://schemas.openxmlformats.org/presentationml/2006/main">
   <p:cSld>
     <p:spTree>
@@ -27524,8 +28608,3120 @@
 </p:sld>
 </file>
 
-<file path=ppt/slides/slide38.xml><?xml version="1.0" encoding="utf-8"?>
+<file path=ppt/slides/slide39.xml><?xml version="1.0" encoding="utf-8"?>
 <p:sld xmlns:a="http://schemas.openxmlformats.org/drawingml/2006/main" xmlns:r="http://schemas.openxmlformats.org/officeDocument/2006/relationships" xmlns:p="http://schemas.openxmlformats.org/presentationml/2006/main">
+  <p:cSld>
+    <p:spTree>
+      <p:nvGrpSpPr>
+        <p:cNvPr id="1" name=""/>
+        <p:cNvGrpSpPr/>
+        <p:nvPr/>
+      </p:nvGrpSpPr>
+      <p:grpSpPr>
+        <a:xfrm>
+          <a:off x="0" y="0"/>
+          <a:ext cx="0" cy="0"/>
+          <a:chOff x="0" y="0"/>
+          <a:chExt cx="0" cy="0"/>
+        </a:xfrm>
+      </p:grpSpPr>
+      <p:sp>
+        <p:nvSpPr>
+          <p:cNvPr id="2" name="Title 1">
+            <a:extLst>
+              <a:ext uri="{FF2B5EF4-FFF2-40B4-BE49-F238E27FC236}">
+                <a16:creationId xmlns:a16="http://schemas.microsoft.com/office/drawing/2014/main" id="{C14591D3-B5A8-B539-6BCF-C3EA5235BAF8}"/>
+              </a:ext>
+            </a:extLst>
+          </p:cNvPr>
+          <p:cNvSpPr>
+            <a:spLocks noGrp="1"/>
+          </p:cNvSpPr>
+          <p:nvPr>
+            <p:ph type="title"/>
+          </p:nvPr>
+        </p:nvSpPr>
+        <p:spPr>
+          <a:xfrm>
+            <a:off x="1922165" y="701702"/>
+            <a:ext cx="8347669" cy="1378980"/>
+          </a:xfrm>
+        </p:spPr>
+        <p:txBody>
+          <a:bodyPr>
+            <a:normAutofit/>
+          </a:bodyPr>
+          <a:lstStyle/>
+          <a:p>
+            <a:pPr algn="ctr"/>
+            <a:r>
+              <a:rPr lang="en-US" sz="3600" dirty="0">
+                <a:solidFill>
+                  <a:schemeClr val="accent1"/>
+                </a:solidFill>
+                <a:latin typeface="Century Gothic" panose="020B0502020202020204" pitchFamily="34" charset="0"/>
+              </a:rPr>
+              <a:t>Structured JSON </a:t>
+            </a:r>
+            <a:r>
+              <a:rPr lang="tr-TR" sz="3600" dirty="0">
+                <a:solidFill>
+                  <a:schemeClr val="accent1"/>
+                </a:solidFill>
+                <a:latin typeface="Century Gothic" panose="020B0502020202020204" pitchFamily="34" charset="0"/>
+              </a:rPr>
+              <a:t>i</a:t>
+            </a:r>
+            <a:r>
+              <a:rPr lang="en-US" sz="3600" dirty="0">
+                <a:solidFill>
+                  <a:schemeClr val="accent1"/>
+                </a:solidFill>
+                <a:latin typeface="Century Gothic" panose="020B0502020202020204" pitchFamily="34" charset="0"/>
+              </a:rPr>
+              <a:t>s split into 2</a:t>
+            </a:r>
+            <a:endParaRPr lang="en-US" sz="3600" dirty="0">
+              <a:latin typeface="Century Gothic" panose="020B0502020202020204" pitchFamily="34" charset="0"/>
+            </a:endParaRPr>
+          </a:p>
+        </p:txBody>
+      </p:sp>
+      <p:cxnSp>
+        <p:nvCxnSpPr>
+          <p:cNvPr id="4" name="Straight Connector 3">
+            <a:extLst>
+              <a:ext uri="{FF2B5EF4-FFF2-40B4-BE49-F238E27FC236}">
+                <a16:creationId xmlns:a16="http://schemas.microsoft.com/office/drawing/2014/main" id="{113ABCD1-C36E-7287-7462-BF2407365804}"/>
+              </a:ext>
+            </a:extLst>
+          </p:cNvPr>
+          <p:cNvCxnSpPr>
+            <a:cxnSpLocks/>
+          </p:cNvCxnSpPr>
+          <p:nvPr/>
+        </p:nvCxnSpPr>
+        <p:spPr>
+          <a:xfrm>
+            <a:off x="6095999" y="1799831"/>
+            <a:ext cx="0" cy="1008683"/>
+          </a:xfrm>
+          <a:prstGeom prst="line">
+            <a:avLst/>
+          </a:prstGeom>
+          <a:ln w="28575">
+            <a:solidFill>
+              <a:schemeClr val="bg2">
+                <a:lumMod val="75000"/>
+              </a:schemeClr>
+            </a:solidFill>
+            <a:prstDash val="dash"/>
+          </a:ln>
+        </p:spPr>
+        <p:style>
+          <a:lnRef idx="1">
+            <a:schemeClr val="accent1"/>
+          </a:lnRef>
+          <a:fillRef idx="0">
+            <a:schemeClr val="accent1"/>
+          </a:fillRef>
+          <a:effectRef idx="0">
+            <a:schemeClr val="accent1"/>
+          </a:effectRef>
+          <a:fontRef idx="minor">
+            <a:schemeClr val="tx1"/>
+          </a:fontRef>
+        </p:style>
+      </p:cxnSp>
+      <p:cxnSp>
+        <p:nvCxnSpPr>
+          <p:cNvPr id="6" name="Straight Connector 5">
+            <a:extLst>
+              <a:ext uri="{FF2B5EF4-FFF2-40B4-BE49-F238E27FC236}">
+                <a16:creationId xmlns:a16="http://schemas.microsoft.com/office/drawing/2014/main" id="{FC494B9C-8D1A-F119-CC6F-8E8E0A56A716}"/>
+              </a:ext>
+            </a:extLst>
+          </p:cNvPr>
+          <p:cNvCxnSpPr>
+            <a:cxnSpLocks/>
+          </p:cNvCxnSpPr>
+          <p:nvPr/>
+        </p:nvCxnSpPr>
+        <p:spPr>
+          <a:xfrm>
+            <a:off x="3082837" y="2794029"/>
+            <a:ext cx="3013162" cy="0"/>
+          </a:xfrm>
+          <a:prstGeom prst="line">
+            <a:avLst/>
+          </a:prstGeom>
+          <a:ln w="28575">
+            <a:solidFill>
+              <a:schemeClr val="bg2">
+                <a:lumMod val="75000"/>
+              </a:schemeClr>
+            </a:solidFill>
+            <a:prstDash val="dash"/>
+          </a:ln>
+        </p:spPr>
+        <p:style>
+          <a:lnRef idx="1">
+            <a:schemeClr val="accent1"/>
+          </a:lnRef>
+          <a:fillRef idx="0">
+            <a:schemeClr val="accent1"/>
+          </a:fillRef>
+          <a:effectRef idx="0">
+            <a:schemeClr val="accent1"/>
+          </a:effectRef>
+          <a:fontRef idx="minor">
+            <a:schemeClr val="tx1"/>
+          </a:fontRef>
+        </p:style>
+      </p:cxnSp>
+      <p:cxnSp>
+        <p:nvCxnSpPr>
+          <p:cNvPr id="8" name="Straight Connector 7">
+            <a:extLst>
+              <a:ext uri="{FF2B5EF4-FFF2-40B4-BE49-F238E27FC236}">
+                <a16:creationId xmlns:a16="http://schemas.microsoft.com/office/drawing/2014/main" id="{F5C8283C-9B83-FEAC-8D51-53268CBCE652}"/>
+              </a:ext>
+            </a:extLst>
+          </p:cNvPr>
+          <p:cNvCxnSpPr>
+            <a:cxnSpLocks/>
+          </p:cNvCxnSpPr>
+          <p:nvPr/>
+        </p:nvCxnSpPr>
+        <p:spPr>
+          <a:xfrm>
+            <a:off x="3091542" y="2818734"/>
+            <a:ext cx="0" cy="610266"/>
+          </a:xfrm>
+          <a:prstGeom prst="line">
+            <a:avLst/>
+          </a:prstGeom>
+          <a:ln w="28575">
+            <a:solidFill>
+              <a:schemeClr val="bg2">
+                <a:lumMod val="75000"/>
+              </a:schemeClr>
+            </a:solidFill>
+            <a:prstDash val="dash"/>
+          </a:ln>
+        </p:spPr>
+        <p:style>
+          <a:lnRef idx="1">
+            <a:schemeClr val="accent1"/>
+          </a:lnRef>
+          <a:fillRef idx="0">
+            <a:schemeClr val="accent1"/>
+          </a:fillRef>
+          <a:effectRef idx="0">
+            <a:schemeClr val="accent1"/>
+          </a:effectRef>
+          <a:fontRef idx="minor">
+            <a:schemeClr val="tx1"/>
+          </a:fontRef>
+        </p:style>
+      </p:cxnSp>
+      <p:cxnSp>
+        <p:nvCxnSpPr>
+          <p:cNvPr id="10" name="Straight Connector 9">
+            <a:extLst>
+              <a:ext uri="{FF2B5EF4-FFF2-40B4-BE49-F238E27FC236}">
+                <a16:creationId xmlns:a16="http://schemas.microsoft.com/office/drawing/2014/main" id="{2526CBDB-0E8B-127A-0D05-6A737BC54A89}"/>
+              </a:ext>
+            </a:extLst>
+          </p:cNvPr>
+          <p:cNvCxnSpPr>
+            <a:cxnSpLocks/>
+          </p:cNvCxnSpPr>
+          <p:nvPr/>
+        </p:nvCxnSpPr>
+        <p:spPr>
+          <a:xfrm>
+            <a:off x="6152608" y="2794029"/>
+            <a:ext cx="3013162" cy="0"/>
+          </a:xfrm>
+          <a:prstGeom prst="line">
+            <a:avLst/>
+          </a:prstGeom>
+          <a:ln w="28575">
+            <a:solidFill>
+              <a:schemeClr val="bg2">
+                <a:lumMod val="75000"/>
+              </a:schemeClr>
+            </a:solidFill>
+            <a:prstDash val="dash"/>
+          </a:ln>
+        </p:spPr>
+        <p:style>
+          <a:lnRef idx="1">
+            <a:schemeClr val="accent1"/>
+          </a:lnRef>
+          <a:fillRef idx="0">
+            <a:schemeClr val="accent1"/>
+          </a:fillRef>
+          <a:effectRef idx="0">
+            <a:schemeClr val="accent1"/>
+          </a:effectRef>
+          <a:fontRef idx="minor">
+            <a:schemeClr val="tx1"/>
+          </a:fontRef>
+        </p:style>
+      </p:cxnSp>
+      <p:cxnSp>
+        <p:nvCxnSpPr>
+          <p:cNvPr id="12" name="Straight Connector 11">
+            <a:extLst>
+              <a:ext uri="{FF2B5EF4-FFF2-40B4-BE49-F238E27FC236}">
+                <a16:creationId xmlns:a16="http://schemas.microsoft.com/office/drawing/2014/main" id="{9BC847CC-5896-9F1A-401C-3616964F3EE8}"/>
+              </a:ext>
+            </a:extLst>
+          </p:cNvPr>
+          <p:cNvCxnSpPr>
+            <a:cxnSpLocks/>
+          </p:cNvCxnSpPr>
+          <p:nvPr/>
+        </p:nvCxnSpPr>
+        <p:spPr>
+          <a:xfrm>
+            <a:off x="9152708" y="2779545"/>
+            <a:ext cx="0" cy="610266"/>
+          </a:xfrm>
+          <a:prstGeom prst="line">
+            <a:avLst/>
+          </a:prstGeom>
+          <a:ln w="28575">
+            <a:solidFill>
+              <a:schemeClr val="bg2">
+                <a:lumMod val="75000"/>
+              </a:schemeClr>
+            </a:solidFill>
+            <a:prstDash val="dash"/>
+          </a:ln>
+        </p:spPr>
+        <p:style>
+          <a:lnRef idx="1">
+            <a:schemeClr val="accent1"/>
+          </a:lnRef>
+          <a:fillRef idx="0">
+            <a:schemeClr val="accent1"/>
+          </a:fillRef>
+          <a:effectRef idx="0">
+            <a:schemeClr val="accent1"/>
+          </a:effectRef>
+          <a:fontRef idx="minor">
+            <a:schemeClr val="tx1"/>
+          </a:fontRef>
+        </p:style>
+      </p:cxnSp>
+      <p:sp>
+        <p:nvSpPr>
+          <p:cNvPr id="13" name="Content Placeholder 2">
+            <a:extLst>
+              <a:ext uri="{FF2B5EF4-FFF2-40B4-BE49-F238E27FC236}">
+                <a16:creationId xmlns:a16="http://schemas.microsoft.com/office/drawing/2014/main" id="{E5B3EB96-389E-DCB2-B17C-15233B8D40EC}"/>
+              </a:ext>
+            </a:extLst>
+          </p:cNvPr>
+          <p:cNvSpPr>
+            <a:spLocks noGrp="1"/>
+          </p:cNvSpPr>
+          <p:nvPr>
+            <p:ph idx="1"/>
+          </p:nvPr>
+        </p:nvSpPr>
+        <p:spPr>
+          <a:xfrm>
+            <a:off x="1576976" y="3489693"/>
+            <a:ext cx="3410659" cy="799755"/>
+          </a:xfrm>
+        </p:spPr>
+        <p:txBody>
+          <a:bodyPr>
+            <a:noAutofit/>
+          </a:bodyPr>
+          <a:lstStyle/>
+          <a:p>
+            <a:pPr marL="0" indent="0">
+              <a:buNone/>
+            </a:pPr>
+            <a:r>
+              <a:rPr lang="tr-TR" sz="2400" dirty="0">
+                <a:solidFill>
+                  <a:schemeClr val="accent1"/>
+                </a:solidFill>
+                <a:latin typeface="Century Gothic" panose="020B0502020202020204" pitchFamily="34" charset="0"/>
+              </a:rPr>
+              <a:t>	Objects</a:t>
+            </a:r>
+          </a:p>
+          <a:p>
+            <a:pPr marL="0" indent="0">
+              <a:buNone/>
+            </a:pPr>
+            <a:r>
+              <a:rPr lang="tr-TR" sz="2400" dirty="0">
+                <a:solidFill>
+                  <a:schemeClr val="accent1"/>
+                </a:solidFill>
+                <a:latin typeface="Century Gothic" panose="020B0502020202020204" pitchFamily="34" charset="0"/>
+              </a:rPr>
+              <a:t>(Name / Value </a:t>
+            </a:r>
+            <a:r>
+              <a:rPr lang="tr-TR" sz="2400" dirty="0" err="1">
+                <a:solidFill>
+                  <a:schemeClr val="accent1"/>
+                </a:solidFill>
+                <a:latin typeface="Century Gothic" panose="020B0502020202020204" pitchFamily="34" charset="0"/>
+              </a:rPr>
+              <a:t>Pairs</a:t>
+            </a:r>
+            <a:r>
+              <a:rPr lang="tr-TR" sz="2400" dirty="0">
+                <a:solidFill>
+                  <a:schemeClr val="accent1"/>
+                </a:solidFill>
+                <a:latin typeface="Century Gothic" panose="020B0502020202020204" pitchFamily="34" charset="0"/>
+              </a:rPr>
+              <a:t>)</a:t>
+            </a:r>
+            <a:endParaRPr lang="en-US" sz="2400" dirty="0">
+              <a:solidFill>
+                <a:schemeClr val="accent1"/>
+              </a:solidFill>
+              <a:latin typeface="Century Gothic" panose="020B0502020202020204" pitchFamily="34" charset="0"/>
+            </a:endParaRPr>
+          </a:p>
+          <a:p>
+            <a:pPr marL="0" indent="0">
+              <a:buNone/>
+            </a:pPr>
+            <a:endParaRPr lang="en-US" sz="2400" dirty="0">
+              <a:solidFill>
+                <a:schemeClr val="accent1"/>
+              </a:solidFill>
+              <a:latin typeface="Century Gothic" panose="020B0502020202020204" pitchFamily="34" charset="0"/>
+            </a:endParaRPr>
+          </a:p>
+        </p:txBody>
+      </p:sp>
+      <p:sp>
+        <p:nvSpPr>
+          <p:cNvPr id="14" name="Content Placeholder 2">
+            <a:extLst>
+              <a:ext uri="{FF2B5EF4-FFF2-40B4-BE49-F238E27FC236}">
+                <a16:creationId xmlns:a16="http://schemas.microsoft.com/office/drawing/2014/main" id="{84892AAB-5F96-72B3-A7FD-B1C8A0853678}"/>
+              </a:ext>
+            </a:extLst>
+          </p:cNvPr>
+          <p:cNvSpPr txBox="1">
+            <a:spLocks/>
+          </p:cNvSpPr>
+          <p:nvPr/>
+        </p:nvSpPr>
+        <p:spPr>
+          <a:xfrm>
+            <a:off x="7359471" y="3493907"/>
+            <a:ext cx="3687509" cy="799753"/>
+          </a:xfrm>
+          <a:prstGeom prst="rect">
+            <a:avLst/>
+          </a:prstGeom>
+        </p:spPr>
+        <p:txBody>
+          <a:bodyPr vert="horz" lIns="91440" tIns="45720" rIns="91440" bIns="45720" rtlCol="0">
+            <a:noAutofit/>
+          </a:bodyPr>
+          <a:lstStyle>
+            <a:lvl1pPr marL="228600" indent="-228600" algn="l" defTabSz="914400" rtl="0" eaLnBrk="1" latinLnBrk="0" hangingPunct="1">
+              <a:lnSpc>
+                <a:spcPct val="90000"/>
+              </a:lnSpc>
+              <a:spcBef>
+                <a:spcPts val="1000"/>
+              </a:spcBef>
+              <a:buFont typeface="Arial" panose="020B0604020202020204" pitchFamily="34" charset="0"/>
+              <a:buChar char="•"/>
+              <a:defRPr sz="2800" kern="1200">
+                <a:solidFill>
+                  <a:schemeClr val="tx1"/>
+                </a:solidFill>
+                <a:latin typeface="+mn-lt"/>
+                <a:ea typeface="+mn-ea"/>
+                <a:cs typeface="+mn-cs"/>
+              </a:defRPr>
+            </a:lvl1pPr>
+            <a:lvl2pPr marL="685800" indent="-228600" algn="l" defTabSz="914400" rtl="0" eaLnBrk="1" latinLnBrk="0" hangingPunct="1">
+              <a:lnSpc>
+                <a:spcPct val="90000"/>
+              </a:lnSpc>
+              <a:spcBef>
+                <a:spcPts val="500"/>
+              </a:spcBef>
+              <a:buFont typeface="Arial" panose="020B0604020202020204" pitchFamily="34" charset="0"/>
+              <a:buChar char="•"/>
+              <a:defRPr sz="2400" kern="1200">
+                <a:solidFill>
+                  <a:schemeClr val="tx1"/>
+                </a:solidFill>
+                <a:latin typeface="+mn-lt"/>
+                <a:ea typeface="+mn-ea"/>
+                <a:cs typeface="+mn-cs"/>
+              </a:defRPr>
+            </a:lvl2pPr>
+            <a:lvl3pPr marL="1143000" indent="-228600" algn="l" defTabSz="914400" rtl="0" eaLnBrk="1" latinLnBrk="0" hangingPunct="1">
+              <a:lnSpc>
+                <a:spcPct val="90000"/>
+              </a:lnSpc>
+              <a:spcBef>
+                <a:spcPts val="500"/>
+              </a:spcBef>
+              <a:buFont typeface="Arial" panose="020B0604020202020204" pitchFamily="34" charset="0"/>
+              <a:buChar char="•"/>
+              <a:defRPr sz="2000" kern="1200">
+                <a:solidFill>
+                  <a:schemeClr val="tx1"/>
+                </a:solidFill>
+                <a:latin typeface="+mn-lt"/>
+                <a:ea typeface="+mn-ea"/>
+                <a:cs typeface="+mn-cs"/>
+              </a:defRPr>
+            </a:lvl3pPr>
+            <a:lvl4pPr marL="1600200" indent="-228600" algn="l" defTabSz="914400" rtl="0" eaLnBrk="1" latinLnBrk="0" hangingPunct="1">
+              <a:lnSpc>
+                <a:spcPct val="90000"/>
+              </a:lnSpc>
+              <a:spcBef>
+                <a:spcPts val="500"/>
+              </a:spcBef>
+              <a:buFont typeface="Arial" panose="020B0604020202020204" pitchFamily="34" charset="0"/>
+              <a:buChar char="•"/>
+              <a:defRPr sz="1800" kern="1200">
+                <a:solidFill>
+                  <a:schemeClr val="tx1"/>
+                </a:solidFill>
+                <a:latin typeface="+mn-lt"/>
+                <a:ea typeface="+mn-ea"/>
+                <a:cs typeface="+mn-cs"/>
+              </a:defRPr>
+            </a:lvl4pPr>
+            <a:lvl5pPr marL="2057400" indent="-228600" algn="l" defTabSz="914400" rtl="0" eaLnBrk="1" latinLnBrk="0" hangingPunct="1">
+              <a:lnSpc>
+                <a:spcPct val="90000"/>
+              </a:lnSpc>
+              <a:spcBef>
+                <a:spcPts val="500"/>
+              </a:spcBef>
+              <a:buFont typeface="Arial" panose="020B0604020202020204" pitchFamily="34" charset="0"/>
+              <a:buChar char="•"/>
+              <a:defRPr sz="1800" kern="1200">
+                <a:solidFill>
+                  <a:schemeClr val="tx1"/>
+                </a:solidFill>
+                <a:latin typeface="+mn-lt"/>
+                <a:ea typeface="+mn-ea"/>
+                <a:cs typeface="+mn-cs"/>
+              </a:defRPr>
+            </a:lvl5pPr>
+            <a:lvl6pPr marL="2514600" indent="-228600" algn="l" defTabSz="914400" rtl="0" eaLnBrk="1" latinLnBrk="0" hangingPunct="1">
+              <a:lnSpc>
+                <a:spcPct val="90000"/>
+              </a:lnSpc>
+              <a:spcBef>
+                <a:spcPts val="500"/>
+              </a:spcBef>
+              <a:buFont typeface="Arial" panose="020B0604020202020204" pitchFamily="34" charset="0"/>
+              <a:buChar char="•"/>
+              <a:defRPr sz="1800" kern="1200">
+                <a:solidFill>
+                  <a:schemeClr val="tx1"/>
+                </a:solidFill>
+                <a:latin typeface="+mn-lt"/>
+                <a:ea typeface="+mn-ea"/>
+                <a:cs typeface="+mn-cs"/>
+              </a:defRPr>
+            </a:lvl6pPr>
+            <a:lvl7pPr marL="2971800" indent="-228600" algn="l" defTabSz="914400" rtl="0" eaLnBrk="1" latinLnBrk="0" hangingPunct="1">
+              <a:lnSpc>
+                <a:spcPct val="90000"/>
+              </a:lnSpc>
+              <a:spcBef>
+                <a:spcPts val="500"/>
+              </a:spcBef>
+              <a:buFont typeface="Arial" panose="020B0604020202020204" pitchFamily="34" charset="0"/>
+              <a:buChar char="•"/>
+              <a:defRPr sz="1800" kern="1200">
+                <a:solidFill>
+                  <a:schemeClr val="tx1"/>
+                </a:solidFill>
+                <a:latin typeface="+mn-lt"/>
+                <a:ea typeface="+mn-ea"/>
+                <a:cs typeface="+mn-cs"/>
+              </a:defRPr>
+            </a:lvl7pPr>
+            <a:lvl8pPr marL="3429000" indent="-228600" algn="l" defTabSz="914400" rtl="0" eaLnBrk="1" latinLnBrk="0" hangingPunct="1">
+              <a:lnSpc>
+                <a:spcPct val="90000"/>
+              </a:lnSpc>
+              <a:spcBef>
+                <a:spcPts val="500"/>
+              </a:spcBef>
+              <a:buFont typeface="Arial" panose="020B0604020202020204" pitchFamily="34" charset="0"/>
+              <a:buChar char="•"/>
+              <a:defRPr sz="1800" kern="1200">
+                <a:solidFill>
+                  <a:schemeClr val="tx1"/>
+                </a:solidFill>
+                <a:latin typeface="+mn-lt"/>
+                <a:ea typeface="+mn-ea"/>
+                <a:cs typeface="+mn-cs"/>
+              </a:defRPr>
+            </a:lvl8pPr>
+            <a:lvl9pPr marL="3886200" indent="-228600" algn="l" defTabSz="914400" rtl="0" eaLnBrk="1" latinLnBrk="0" hangingPunct="1">
+              <a:lnSpc>
+                <a:spcPct val="90000"/>
+              </a:lnSpc>
+              <a:spcBef>
+                <a:spcPts val="500"/>
+              </a:spcBef>
+              <a:buFont typeface="Arial" panose="020B0604020202020204" pitchFamily="34" charset="0"/>
+              <a:buChar char="•"/>
+              <a:defRPr sz="1800" kern="1200">
+                <a:solidFill>
+                  <a:schemeClr val="tx1"/>
+                </a:solidFill>
+                <a:latin typeface="+mn-lt"/>
+                <a:ea typeface="+mn-ea"/>
+                <a:cs typeface="+mn-cs"/>
+              </a:defRPr>
+            </a:lvl9pPr>
+          </a:lstStyle>
+          <a:p>
+            <a:pPr marL="0" indent="0">
+              <a:buNone/>
+            </a:pPr>
+            <a:r>
+              <a:rPr lang="tr-TR" sz="2400" dirty="0">
+                <a:solidFill>
+                  <a:schemeClr val="accent1"/>
+                </a:solidFill>
+                <a:latin typeface="Century Gothic" panose="020B0502020202020204" pitchFamily="34" charset="0"/>
+              </a:rPr>
+              <a:t>	   </a:t>
+            </a:r>
+            <a:r>
+              <a:rPr lang="tr-TR" sz="2400" dirty="0" err="1">
+                <a:solidFill>
+                  <a:schemeClr val="accent1"/>
+                </a:solidFill>
+                <a:latin typeface="Century Gothic" panose="020B0502020202020204" pitchFamily="34" charset="0"/>
+              </a:rPr>
+              <a:t>Arrays</a:t>
+            </a:r>
+            <a:endParaRPr lang="tr-TR" sz="2400" dirty="0">
+              <a:solidFill>
+                <a:schemeClr val="accent1"/>
+              </a:solidFill>
+              <a:latin typeface="Century Gothic" panose="020B0502020202020204" pitchFamily="34" charset="0"/>
+            </a:endParaRPr>
+          </a:p>
+          <a:p>
+            <a:pPr marL="0" indent="0">
+              <a:buNone/>
+            </a:pPr>
+            <a:r>
+              <a:rPr lang="tr-TR" sz="2400" dirty="0">
+                <a:solidFill>
+                  <a:schemeClr val="accent1"/>
+                </a:solidFill>
+                <a:latin typeface="Century Gothic" panose="020B0502020202020204" pitchFamily="34" charset="0"/>
+              </a:rPr>
+              <a:t>(O</a:t>
+            </a:r>
+            <a:r>
+              <a:rPr lang="en-US" sz="2400" dirty="0" err="1">
+                <a:solidFill>
+                  <a:schemeClr val="accent1"/>
+                </a:solidFill>
+                <a:latin typeface="Century Gothic" panose="020B0502020202020204" pitchFamily="34" charset="0"/>
+              </a:rPr>
+              <a:t>rdered</a:t>
+            </a:r>
+            <a:r>
+              <a:rPr lang="en-US" sz="2400" dirty="0">
+                <a:solidFill>
+                  <a:schemeClr val="accent1"/>
+                </a:solidFill>
+                <a:latin typeface="Century Gothic" panose="020B0502020202020204" pitchFamily="34" charset="0"/>
+              </a:rPr>
+              <a:t> List of Values)</a:t>
+            </a:r>
+            <a:endParaRPr lang="en-US" sz="2400" dirty="0">
+              <a:latin typeface="Century Gothic" panose="020B0502020202020204" pitchFamily="34" charset="0"/>
+            </a:endParaRPr>
+          </a:p>
+        </p:txBody>
+      </p:sp>
+      <p:sp>
+        <p:nvSpPr>
+          <p:cNvPr id="15" name="TextBox 14">
+            <a:extLst>
+              <a:ext uri="{FF2B5EF4-FFF2-40B4-BE49-F238E27FC236}">
+                <a16:creationId xmlns:a16="http://schemas.microsoft.com/office/drawing/2014/main" id="{95DC25EE-4EBD-658E-9CDF-EF1C6706B4EC}"/>
+              </a:ext>
+            </a:extLst>
+          </p:cNvPr>
+          <p:cNvSpPr txBox="1"/>
+          <p:nvPr/>
+        </p:nvSpPr>
+        <p:spPr>
+          <a:xfrm>
+            <a:off x="803471" y="4589168"/>
+            <a:ext cx="4558732" cy="461665"/>
+          </a:xfrm>
+          <a:prstGeom prst="rect">
+            <a:avLst/>
+          </a:prstGeom>
+          <a:noFill/>
+        </p:spPr>
+        <p:txBody>
+          <a:bodyPr wrap="square">
+            <a:spAutoFit/>
+          </a:bodyPr>
+          <a:lstStyle/>
+          <a:p>
+            <a:r>
+              <a:rPr lang="en-US" sz="2400" dirty="0">
+                <a:solidFill>
+                  <a:schemeClr val="accent1"/>
+                </a:solidFill>
+                <a:latin typeface="Consolas" panose="020B0609020204030204" pitchFamily="49" charset="0"/>
+              </a:rPr>
+              <a:t>{ </a:t>
+            </a:r>
+            <a:r>
+              <a:rPr lang="en-US" sz="2400" dirty="0">
+                <a:solidFill>
+                  <a:schemeClr val="accent1">
+                    <a:lumMod val="60000"/>
+                    <a:lumOff val="40000"/>
+                  </a:schemeClr>
+                </a:solidFill>
+                <a:latin typeface="Consolas" panose="020B0609020204030204" pitchFamily="49" charset="0"/>
+              </a:rPr>
+              <a:t>"</a:t>
+            </a:r>
+            <a:r>
+              <a:rPr lang="tr-TR" sz="2400" dirty="0">
+                <a:solidFill>
+                  <a:schemeClr val="accent1">
+                    <a:lumMod val="60000"/>
+                    <a:lumOff val="40000"/>
+                  </a:schemeClr>
+                </a:solidFill>
+                <a:latin typeface="Consolas" panose="020B0609020204030204" pitchFamily="49" charset="0"/>
+              </a:rPr>
+              <a:t>foo</a:t>
+            </a:r>
+            <a:r>
+              <a:rPr lang="en-US" sz="2400" b="0" i="0" dirty="0">
+                <a:solidFill>
+                  <a:schemeClr val="accent1">
+                    <a:lumMod val="60000"/>
+                    <a:lumOff val="40000"/>
+                  </a:schemeClr>
+                </a:solidFill>
+                <a:effectLst/>
+                <a:latin typeface="Consolas" panose="020B0609020204030204" pitchFamily="49" charset="0"/>
+              </a:rPr>
+              <a:t>"</a:t>
+            </a:r>
+            <a:r>
+              <a:rPr lang="en-US" sz="2400" b="0" i="0" dirty="0">
+                <a:solidFill>
+                  <a:schemeClr val="accent1"/>
+                </a:solidFill>
+                <a:effectLst/>
+                <a:latin typeface="Consolas" panose="020B0609020204030204" pitchFamily="49" charset="0"/>
+              </a:rPr>
+              <a:t>:</a:t>
+            </a:r>
+            <a:r>
+              <a:rPr lang="en-US" sz="2400" b="0" i="0" dirty="0">
+                <a:solidFill>
+                  <a:schemeClr val="accent2"/>
+                </a:solidFill>
+                <a:effectLst/>
+                <a:latin typeface="Consolas" panose="020B0609020204030204" pitchFamily="49" charset="0"/>
+              </a:rPr>
+              <a:t> "</a:t>
+            </a:r>
+            <a:r>
+              <a:rPr lang="tr-TR" sz="2400" dirty="0">
+                <a:solidFill>
+                  <a:schemeClr val="accent2"/>
+                </a:solidFill>
+                <a:latin typeface="Consolas" panose="020B0609020204030204" pitchFamily="49" charset="0"/>
+              </a:rPr>
+              <a:t>Web of </a:t>
+            </a:r>
+            <a:r>
+              <a:rPr lang="tr-TR" sz="2400" dirty="0" err="1">
+                <a:solidFill>
+                  <a:schemeClr val="accent2"/>
+                </a:solidFill>
+                <a:latin typeface="Consolas" panose="020B0609020204030204" pitchFamily="49" charset="0"/>
+              </a:rPr>
+              <a:t>Things</a:t>
+            </a:r>
+            <a:r>
+              <a:rPr lang="en-US" sz="2400" dirty="0">
+                <a:solidFill>
+                  <a:schemeClr val="accent2"/>
+                </a:solidFill>
+                <a:latin typeface="Consolas" panose="020B0609020204030204" pitchFamily="49" charset="0"/>
+              </a:rPr>
+              <a:t>" </a:t>
+            </a:r>
+            <a:r>
+              <a:rPr lang="en-US" sz="2400" b="0" i="0" dirty="0">
+                <a:solidFill>
+                  <a:schemeClr val="accent1"/>
+                </a:solidFill>
+                <a:effectLst/>
+                <a:latin typeface="Consolas" panose="020B0609020204030204" pitchFamily="49" charset="0"/>
+              </a:rPr>
+              <a:t>}</a:t>
+            </a:r>
+            <a:endParaRPr lang="en-US" sz="2400" dirty="0">
+              <a:solidFill>
+                <a:schemeClr val="accent1"/>
+              </a:solidFill>
+            </a:endParaRPr>
+          </a:p>
+        </p:txBody>
+      </p:sp>
+      <p:sp>
+        <p:nvSpPr>
+          <p:cNvPr id="16" name="TextBox 15">
+            <a:extLst>
+              <a:ext uri="{FF2B5EF4-FFF2-40B4-BE49-F238E27FC236}">
+                <a16:creationId xmlns:a16="http://schemas.microsoft.com/office/drawing/2014/main" id="{1D681C6F-6481-C3A2-5386-53B3E2696F0E}"/>
+              </a:ext>
+            </a:extLst>
+          </p:cNvPr>
+          <p:cNvSpPr txBox="1"/>
+          <p:nvPr/>
+        </p:nvSpPr>
+        <p:spPr>
+          <a:xfrm>
+            <a:off x="6653040" y="4589168"/>
+            <a:ext cx="5100373" cy="461665"/>
+          </a:xfrm>
+          <a:prstGeom prst="rect">
+            <a:avLst/>
+          </a:prstGeom>
+          <a:noFill/>
+        </p:spPr>
+        <p:txBody>
+          <a:bodyPr wrap="square">
+            <a:spAutoFit/>
+          </a:bodyPr>
+          <a:lstStyle/>
+          <a:p>
+            <a:r>
+              <a:rPr lang="tr-TR" sz="2400" dirty="0">
+                <a:solidFill>
+                  <a:schemeClr val="accent1"/>
+                </a:solidFill>
+                <a:latin typeface="Consolas" panose="020B0609020204030204" pitchFamily="49" charset="0"/>
+              </a:rPr>
+              <a:t>[ </a:t>
+            </a:r>
+            <a:r>
+              <a:rPr lang="tr-TR" sz="2400" dirty="0">
+                <a:solidFill>
+                  <a:schemeClr val="accent6"/>
+                </a:solidFill>
+                <a:latin typeface="Consolas" panose="020B0609020204030204" pitchFamily="49" charset="0"/>
+              </a:rPr>
+              <a:t>28</a:t>
+            </a:r>
+            <a:r>
+              <a:rPr lang="tr-TR" sz="2400" dirty="0">
+                <a:solidFill>
+                  <a:schemeClr val="accent1"/>
+                </a:solidFill>
+                <a:latin typeface="Consolas" panose="020B0609020204030204" pitchFamily="49" charset="0"/>
+              </a:rPr>
+              <a:t>, </a:t>
+            </a:r>
+            <a:r>
+              <a:rPr lang="en-US" sz="2400" b="0" i="0" dirty="0">
+                <a:solidFill>
+                  <a:schemeClr val="accent2"/>
+                </a:solidFill>
+                <a:effectLst/>
+                <a:latin typeface="Consolas" panose="020B0609020204030204" pitchFamily="49" charset="0"/>
+              </a:rPr>
+              <a:t>"</a:t>
+            </a:r>
+            <a:r>
+              <a:rPr lang="tr-TR" sz="2400" dirty="0">
+                <a:solidFill>
+                  <a:schemeClr val="accent2"/>
+                </a:solidFill>
+                <a:latin typeface="Consolas" panose="020B0609020204030204" pitchFamily="49" charset="0"/>
+              </a:rPr>
+              <a:t>Web of Things</a:t>
+            </a:r>
+            <a:r>
+              <a:rPr lang="en-US" sz="2400" b="0" i="0" dirty="0">
+                <a:solidFill>
+                  <a:schemeClr val="accent2"/>
+                </a:solidFill>
+                <a:effectLst/>
+                <a:latin typeface="Consolas" panose="020B0609020204030204" pitchFamily="49" charset="0"/>
+              </a:rPr>
+              <a:t>"</a:t>
+            </a:r>
+            <a:r>
+              <a:rPr lang="tr-TR" sz="2400" dirty="0">
+                <a:solidFill>
+                  <a:schemeClr val="accent1"/>
+                </a:solidFill>
+                <a:latin typeface="Consolas" panose="020B0609020204030204" pitchFamily="49" charset="0"/>
+              </a:rPr>
+              <a:t>, </a:t>
+            </a:r>
+            <a:r>
+              <a:rPr lang="tr-TR" sz="2400" dirty="0" err="1">
+                <a:solidFill>
+                  <a:schemeClr val="accent1"/>
+                </a:solidFill>
+                <a:latin typeface="Consolas" panose="020B0609020204030204" pitchFamily="49" charset="0"/>
+              </a:rPr>
+              <a:t>true</a:t>
+            </a:r>
+            <a:r>
+              <a:rPr lang="tr-TR" sz="2400" dirty="0">
+                <a:solidFill>
+                  <a:schemeClr val="accent1"/>
+                </a:solidFill>
+                <a:latin typeface="Consolas" panose="020B0609020204030204" pitchFamily="49" charset="0"/>
+              </a:rPr>
+              <a:t> ]</a:t>
+            </a:r>
+            <a:endParaRPr lang="en-US" sz="2400" dirty="0">
+              <a:solidFill>
+                <a:schemeClr val="accent1"/>
+              </a:solidFill>
+              <a:latin typeface="Consolas" panose="020B0609020204030204" pitchFamily="49" charset="0"/>
+            </a:endParaRPr>
+          </a:p>
+        </p:txBody>
+      </p:sp>
+      <p:sp>
+        <p:nvSpPr>
+          <p:cNvPr id="3" name="Content Placeholder 2">
+            <a:extLst>
+              <a:ext uri="{FF2B5EF4-FFF2-40B4-BE49-F238E27FC236}">
+                <a16:creationId xmlns:a16="http://schemas.microsoft.com/office/drawing/2014/main" id="{0459736A-887A-A881-D906-B70BE11D6D9E}"/>
+              </a:ext>
+            </a:extLst>
+          </p:cNvPr>
+          <p:cNvSpPr txBox="1">
+            <a:spLocks/>
+          </p:cNvSpPr>
+          <p:nvPr/>
+        </p:nvSpPr>
+        <p:spPr>
+          <a:xfrm>
+            <a:off x="2509243" y="3409405"/>
+            <a:ext cx="3106722" cy="359426"/>
+          </a:xfrm>
+          <a:prstGeom prst="rect">
+            <a:avLst/>
+          </a:prstGeom>
+        </p:spPr>
+        <p:txBody>
+          <a:bodyPr vert="horz" lIns="91440" tIns="45720" rIns="91440" bIns="45720" rtlCol="0">
+            <a:noAutofit/>
+          </a:bodyPr>
+          <a:lstStyle>
+            <a:lvl1pPr marL="228600" indent="-228600" algn="l" defTabSz="914400" rtl="0" eaLnBrk="1" latinLnBrk="0" hangingPunct="1">
+              <a:lnSpc>
+                <a:spcPct val="90000"/>
+              </a:lnSpc>
+              <a:spcBef>
+                <a:spcPts val="1000"/>
+              </a:spcBef>
+              <a:buFont typeface="Arial" panose="020B0604020202020204" pitchFamily="34" charset="0"/>
+              <a:buChar char="•"/>
+              <a:defRPr sz="2800" kern="1200">
+                <a:solidFill>
+                  <a:schemeClr val="tx1"/>
+                </a:solidFill>
+                <a:latin typeface="+mn-lt"/>
+                <a:ea typeface="+mn-ea"/>
+                <a:cs typeface="+mn-cs"/>
+              </a:defRPr>
+            </a:lvl1pPr>
+            <a:lvl2pPr marL="685800" indent="-228600" algn="l" defTabSz="914400" rtl="0" eaLnBrk="1" latinLnBrk="0" hangingPunct="1">
+              <a:lnSpc>
+                <a:spcPct val="90000"/>
+              </a:lnSpc>
+              <a:spcBef>
+                <a:spcPts val="500"/>
+              </a:spcBef>
+              <a:buFont typeface="Arial" panose="020B0604020202020204" pitchFamily="34" charset="0"/>
+              <a:buChar char="•"/>
+              <a:defRPr sz="2400" kern="1200">
+                <a:solidFill>
+                  <a:schemeClr val="tx1"/>
+                </a:solidFill>
+                <a:latin typeface="+mn-lt"/>
+                <a:ea typeface="+mn-ea"/>
+                <a:cs typeface="+mn-cs"/>
+              </a:defRPr>
+            </a:lvl2pPr>
+            <a:lvl3pPr marL="1143000" indent="-228600" algn="l" defTabSz="914400" rtl="0" eaLnBrk="1" latinLnBrk="0" hangingPunct="1">
+              <a:lnSpc>
+                <a:spcPct val="90000"/>
+              </a:lnSpc>
+              <a:spcBef>
+                <a:spcPts val="500"/>
+              </a:spcBef>
+              <a:buFont typeface="Arial" panose="020B0604020202020204" pitchFamily="34" charset="0"/>
+              <a:buChar char="•"/>
+              <a:defRPr sz="2000" kern="1200">
+                <a:solidFill>
+                  <a:schemeClr val="tx1"/>
+                </a:solidFill>
+                <a:latin typeface="+mn-lt"/>
+                <a:ea typeface="+mn-ea"/>
+                <a:cs typeface="+mn-cs"/>
+              </a:defRPr>
+            </a:lvl3pPr>
+            <a:lvl4pPr marL="1600200" indent="-228600" algn="l" defTabSz="914400" rtl="0" eaLnBrk="1" latinLnBrk="0" hangingPunct="1">
+              <a:lnSpc>
+                <a:spcPct val="90000"/>
+              </a:lnSpc>
+              <a:spcBef>
+                <a:spcPts val="500"/>
+              </a:spcBef>
+              <a:buFont typeface="Arial" panose="020B0604020202020204" pitchFamily="34" charset="0"/>
+              <a:buChar char="•"/>
+              <a:defRPr sz="1800" kern="1200">
+                <a:solidFill>
+                  <a:schemeClr val="tx1"/>
+                </a:solidFill>
+                <a:latin typeface="+mn-lt"/>
+                <a:ea typeface="+mn-ea"/>
+                <a:cs typeface="+mn-cs"/>
+              </a:defRPr>
+            </a:lvl4pPr>
+            <a:lvl5pPr marL="2057400" indent="-228600" algn="l" defTabSz="914400" rtl="0" eaLnBrk="1" latinLnBrk="0" hangingPunct="1">
+              <a:lnSpc>
+                <a:spcPct val="90000"/>
+              </a:lnSpc>
+              <a:spcBef>
+                <a:spcPts val="500"/>
+              </a:spcBef>
+              <a:buFont typeface="Arial" panose="020B0604020202020204" pitchFamily="34" charset="0"/>
+              <a:buChar char="•"/>
+              <a:defRPr sz="1800" kern="1200">
+                <a:solidFill>
+                  <a:schemeClr val="tx1"/>
+                </a:solidFill>
+                <a:latin typeface="+mn-lt"/>
+                <a:ea typeface="+mn-ea"/>
+                <a:cs typeface="+mn-cs"/>
+              </a:defRPr>
+            </a:lvl5pPr>
+            <a:lvl6pPr marL="2514600" indent="-228600" algn="l" defTabSz="914400" rtl="0" eaLnBrk="1" latinLnBrk="0" hangingPunct="1">
+              <a:lnSpc>
+                <a:spcPct val="90000"/>
+              </a:lnSpc>
+              <a:spcBef>
+                <a:spcPts val="500"/>
+              </a:spcBef>
+              <a:buFont typeface="Arial" panose="020B0604020202020204" pitchFamily="34" charset="0"/>
+              <a:buChar char="•"/>
+              <a:defRPr sz="1800" kern="1200">
+                <a:solidFill>
+                  <a:schemeClr val="tx1"/>
+                </a:solidFill>
+                <a:latin typeface="+mn-lt"/>
+                <a:ea typeface="+mn-ea"/>
+                <a:cs typeface="+mn-cs"/>
+              </a:defRPr>
+            </a:lvl6pPr>
+            <a:lvl7pPr marL="2971800" indent="-228600" algn="l" defTabSz="914400" rtl="0" eaLnBrk="1" latinLnBrk="0" hangingPunct="1">
+              <a:lnSpc>
+                <a:spcPct val="90000"/>
+              </a:lnSpc>
+              <a:spcBef>
+                <a:spcPts val="500"/>
+              </a:spcBef>
+              <a:buFont typeface="Arial" panose="020B0604020202020204" pitchFamily="34" charset="0"/>
+              <a:buChar char="•"/>
+              <a:defRPr sz="1800" kern="1200">
+                <a:solidFill>
+                  <a:schemeClr val="tx1"/>
+                </a:solidFill>
+                <a:latin typeface="+mn-lt"/>
+                <a:ea typeface="+mn-ea"/>
+                <a:cs typeface="+mn-cs"/>
+              </a:defRPr>
+            </a:lvl7pPr>
+            <a:lvl8pPr marL="3429000" indent="-228600" algn="l" defTabSz="914400" rtl="0" eaLnBrk="1" latinLnBrk="0" hangingPunct="1">
+              <a:lnSpc>
+                <a:spcPct val="90000"/>
+              </a:lnSpc>
+              <a:spcBef>
+                <a:spcPts val="500"/>
+              </a:spcBef>
+              <a:buFont typeface="Arial" panose="020B0604020202020204" pitchFamily="34" charset="0"/>
+              <a:buChar char="•"/>
+              <a:defRPr sz="1800" kern="1200">
+                <a:solidFill>
+                  <a:schemeClr val="tx1"/>
+                </a:solidFill>
+                <a:latin typeface="+mn-lt"/>
+                <a:ea typeface="+mn-ea"/>
+                <a:cs typeface="+mn-cs"/>
+              </a:defRPr>
+            </a:lvl8pPr>
+            <a:lvl9pPr marL="3886200" indent="-228600" algn="l" defTabSz="914400" rtl="0" eaLnBrk="1" latinLnBrk="0" hangingPunct="1">
+              <a:lnSpc>
+                <a:spcPct val="90000"/>
+              </a:lnSpc>
+              <a:spcBef>
+                <a:spcPts val="500"/>
+              </a:spcBef>
+              <a:buFont typeface="Arial" panose="020B0604020202020204" pitchFamily="34" charset="0"/>
+              <a:buChar char="•"/>
+              <a:defRPr sz="1800" kern="1200">
+                <a:solidFill>
+                  <a:schemeClr val="tx1"/>
+                </a:solidFill>
+                <a:latin typeface="+mn-lt"/>
+                <a:ea typeface="+mn-ea"/>
+                <a:cs typeface="+mn-cs"/>
+              </a:defRPr>
+            </a:lvl9pPr>
+          </a:lstStyle>
+          <a:p>
+            <a:pPr marL="0" indent="0">
+              <a:buFont typeface="Arial" panose="020B0604020202020204" pitchFamily="34" charset="0"/>
+              <a:buNone/>
+            </a:pPr>
+            <a:endParaRPr lang="en-US" sz="2400" dirty="0">
+              <a:solidFill>
+                <a:schemeClr val="accent1"/>
+              </a:solidFill>
+              <a:latin typeface="Century Gothic" panose="020B0502020202020204" pitchFamily="34" charset="0"/>
+            </a:endParaRPr>
+          </a:p>
+        </p:txBody>
+      </p:sp>
+      <p:sp>
+        <p:nvSpPr>
+          <p:cNvPr id="5" name="Oval 4">
+            <a:extLst>
+              <a:ext uri="{FF2B5EF4-FFF2-40B4-BE49-F238E27FC236}">
+                <a16:creationId xmlns:a16="http://schemas.microsoft.com/office/drawing/2014/main" id="{669FB2CB-EEB0-87BE-86D4-9B7A9FC7085C}"/>
+              </a:ext>
+            </a:extLst>
+          </p:cNvPr>
+          <p:cNvSpPr/>
+          <p:nvPr/>
+        </p:nvSpPr>
+        <p:spPr>
+          <a:xfrm>
+            <a:off x="6040988" y="2742534"/>
+            <a:ext cx="98552" cy="96982"/>
+          </a:xfrm>
+          <a:prstGeom prst="ellipse">
+            <a:avLst/>
+          </a:prstGeom>
+          <a:ln>
+            <a:solidFill>
+              <a:schemeClr val="accent1"/>
+            </a:solidFill>
+          </a:ln>
+        </p:spPr>
+        <p:style>
+          <a:lnRef idx="2">
+            <a:schemeClr val="accent1">
+              <a:shade val="15000"/>
+            </a:schemeClr>
+          </a:lnRef>
+          <a:fillRef idx="1">
+            <a:schemeClr val="accent1"/>
+          </a:fillRef>
+          <a:effectRef idx="0">
+            <a:schemeClr val="accent1"/>
+          </a:effectRef>
+          <a:fontRef idx="minor">
+            <a:schemeClr val="lt1"/>
+          </a:fontRef>
+        </p:style>
+        <p:txBody>
+          <a:bodyPr rtlCol="0" anchor="ctr"/>
+          <a:lstStyle/>
+          <a:p>
+            <a:pPr algn="ctr"/>
+            <a:endParaRPr lang="en-US"/>
+          </a:p>
+        </p:txBody>
+      </p:sp>
+      <p:sp>
+        <p:nvSpPr>
+          <p:cNvPr id="7" name="Oval 6">
+            <a:extLst>
+              <a:ext uri="{FF2B5EF4-FFF2-40B4-BE49-F238E27FC236}">
+                <a16:creationId xmlns:a16="http://schemas.microsoft.com/office/drawing/2014/main" id="{F47FFDE2-DD19-56EC-CC63-926D96A59460}"/>
+              </a:ext>
+            </a:extLst>
+          </p:cNvPr>
+          <p:cNvSpPr/>
+          <p:nvPr/>
+        </p:nvSpPr>
+        <p:spPr>
+          <a:xfrm>
+            <a:off x="3048001" y="2756389"/>
+            <a:ext cx="98552" cy="96982"/>
+          </a:xfrm>
+          <a:prstGeom prst="ellipse">
+            <a:avLst/>
+          </a:prstGeom>
+          <a:ln>
+            <a:solidFill>
+              <a:schemeClr val="accent1"/>
+            </a:solidFill>
+          </a:ln>
+        </p:spPr>
+        <p:style>
+          <a:lnRef idx="2">
+            <a:schemeClr val="accent1">
+              <a:shade val="15000"/>
+            </a:schemeClr>
+          </a:lnRef>
+          <a:fillRef idx="1">
+            <a:schemeClr val="accent1"/>
+          </a:fillRef>
+          <a:effectRef idx="0">
+            <a:schemeClr val="accent1"/>
+          </a:effectRef>
+          <a:fontRef idx="minor">
+            <a:schemeClr val="lt1"/>
+          </a:fontRef>
+        </p:style>
+        <p:txBody>
+          <a:bodyPr rtlCol="0" anchor="ctr"/>
+          <a:lstStyle/>
+          <a:p>
+            <a:pPr algn="ctr"/>
+            <a:endParaRPr lang="en-US"/>
+          </a:p>
+        </p:txBody>
+      </p:sp>
+      <p:sp>
+        <p:nvSpPr>
+          <p:cNvPr id="9" name="Oval 8">
+            <a:extLst>
+              <a:ext uri="{FF2B5EF4-FFF2-40B4-BE49-F238E27FC236}">
+                <a16:creationId xmlns:a16="http://schemas.microsoft.com/office/drawing/2014/main" id="{4B597E50-A92A-6AEE-9C98-59FC8B865929}"/>
+              </a:ext>
+            </a:extLst>
+          </p:cNvPr>
+          <p:cNvSpPr/>
+          <p:nvPr/>
+        </p:nvSpPr>
+        <p:spPr>
+          <a:xfrm>
+            <a:off x="9104675" y="2740288"/>
+            <a:ext cx="98552" cy="96982"/>
+          </a:xfrm>
+          <a:prstGeom prst="ellipse">
+            <a:avLst/>
+          </a:prstGeom>
+          <a:ln>
+            <a:solidFill>
+              <a:schemeClr val="accent1"/>
+            </a:solidFill>
+          </a:ln>
+        </p:spPr>
+        <p:style>
+          <a:lnRef idx="2">
+            <a:schemeClr val="accent1">
+              <a:shade val="15000"/>
+            </a:schemeClr>
+          </a:lnRef>
+          <a:fillRef idx="1">
+            <a:schemeClr val="accent1"/>
+          </a:fillRef>
+          <a:effectRef idx="0">
+            <a:schemeClr val="accent1"/>
+          </a:effectRef>
+          <a:fontRef idx="minor">
+            <a:schemeClr val="lt1"/>
+          </a:fontRef>
+        </p:style>
+        <p:txBody>
+          <a:bodyPr rtlCol="0" anchor="ctr"/>
+          <a:lstStyle/>
+          <a:p>
+            <a:pPr algn="ctr"/>
+            <a:endParaRPr lang="en-US"/>
+          </a:p>
+        </p:txBody>
+      </p:sp>
+      <p:sp>
+        <p:nvSpPr>
+          <p:cNvPr id="11" name="Oval 10">
+            <a:extLst>
+              <a:ext uri="{FF2B5EF4-FFF2-40B4-BE49-F238E27FC236}">
+                <a16:creationId xmlns:a16="http://schemas.microsoft.com/office/drawing/2014/main" id="{ADAD4385-018B-13F0-A299-C78E9097D84E}"/>
+              </a:ext>
+            </a:extLst>
+          </p:cNvPr>
+          <p:cNvSpPr/>
+          <p:nvPr/>
+        </p:nvSpPr>
+        <p:spPr>
+          <a:xfrm>
+            <a:off x="9104675" y="3338059"/>
+            <a:ext cx="98552" cy="96982"/>
+          </a:xfrm>
+          <a:prstGeom prst="ellipse">
+            <a:avLst/>
+          </a:prstGeom>
+          <a:ln>
+            <a:solidFill>
+              <a:schemeClr val="accent1"/>
+            </a:solidFill>
+          </a:ln>
+        </p:spPr>
+        <p:style>
+          <a:lnRef idx="2">
+            <a:schemeClr val="accent1">
+              <a:shade val="15000"/>
+            </a:schemeClr>
+          </a:lnRef>
+          <a:fillRef idx="1">
+            <a:schemeClr val="accent1"/>
+          </a:fillRef>
+          <a:effectRef idx="0">
+            <a:schemeClr val="accent1"/>
+          </a:effectRef>
+          <a:fontRef idx="minor">
+            <a:schemeClr val="lt1"/>
+          </a:fontRef>
+        </p:style>
+        <p:txBody>
+          <a:bodyPr rtlCol="0" anchor="ctr"/>
+          <a:lstStyle/>
+          <a:p>
+            <a:pPr algn="ctr"/>
+            <a:endParaRPr lang="en-US"/>
+          </a:p>
+        </p:txBody>
+      </p:sp>
+      <p:sp>
+        <p:nvSpPr>
+          <p:cNvPr id="17" name="Oval 16">
+            <a:extLst>
+              <a:ext uri="{FF2B5EF4-FFF2-40B4-BE49-F238E27FC236}">
+                <a16:creationId xmlns:a16="http://schemas.microsoft.com/office/drawing/2014/main" id="{3E9B0659-C295-7E87-E414-E39C1796C1CC}"/>
+              </a:ext>
+            </a:extLst>
+          </p:cNvPr>
+          <p:cNvSpPr/>
+          <p:nvPr/>
+        </p:nvSpPr>
+        <p:spPr>
+          <a:xfrm>
+            <a:off x="3048001" y="3338059"/>
+            <a:ext cx="98552" cy="96982"/>
+          </a:xfrm>
+          <a:prstGeom prst="ellipse">
+            <a:avLst/>
+          </a:prstGeom>
+          <a:ln>
+            <a:solidFill>
+              <a:schemeClr val="accent1"/>
+            </a:solidFill>
+          </a:ln>
+        </p:spPr>
+        <p:style>
+          <a:lnRef idx="2">
+            <a:schemeClr val="accent1">
+              <a:shade val="15000"/>
+            </a:schemeClr>
+          </a:lnRef>
+          <a:fillRef idx="1">
+            <a:schemeClr val="accent1"/>
+          </a:fillRef>
+          <a:effectRef idx="0">
+            <a:schemeClr val="accent1"/>
+          </a:effectRef>
+          <a:fontRef idx="minor">
+            <a:schemeClr val="lt1"/>
+          </a:fontRef>
+        </p:style>
+        <p:txBody>
+          <a:bodyPr rtlCol="0" anchor="ctr"/>
+          <a:lstStyle/>
+          <a:p>
+            <a:pPr algn="ctr"/>
+            <a:endParaRPr lang="en-US"/>
+          </a:p>
+        </p:txBody>
+      </p:sp>
+      <p:sp>
+        <p:nvSpPr>
+          <p:cNvPr id="18" name="Oval 17">
+            <a:extLst>
+              <a:ext uri="{FF2B5EF4-FFF2-40B4-BE49-F238E27FC236}">
+                <a16:creationId xmlns:a16="http://schemas.microsoft.com/office/drawing/2014/main" id="{3E2945A0-7D20-A082-6952-33E5B3811BCD}"/>
+              </a:ext>
+            </a:extLst>
+          </p:cNvPr>
+          <p:cNvSpPr/>
+          <p:nvPr/>
+        </p:nvSpPr>
+        <p:spPr>
+          <a:xfrm>
+            <a:off x="6053688" y="1802734"/>
+            <a:ext cx="98552" cy="96982"/>
+          </a:xfrm>
+          <a:prstGeom prst="ellipse">
+            <a:avLst/>
+          </a:prstGeom>
+          <a:ln>
+            <a:solidFill>
+              <a:schemeClr val="accent1"/>
+            </a:solidFill>
+          </a:ln>
+        </p:spPr>
+        <p:style>
+          <a:lnRef idx="2">
+            <a:schemeClr val="accent1">
+              <a:shade val="15000"/>
+            </a:schemeClr>
+          </a:lnRef>
+          <a:fillRef idx="1">
+            <a:schemeClr val="accent1"/>
+          </a:fillRef>
+          <a:effectRef idx="0">
+            <a:schemeClr val="accent1"/>
+          </a:effectRef>
+          <a:fontRef idx="minor">
+            <a:schemeClr val="lt1"/>
+          </a:fontRef>
+        </p:style>
+        <p:txBody>
+          <a:bodyPr rtlCol="0" anchor="ctr"/>
+          <a:lstStyle/>
+          <a:p>
+            <a:pPr algn="ctr"/>
+            <a:endParaRPr lang="en-US"/>
+          </a:p>
+        </p:txBody>
+      </p:sp>
+    </p:spTree>
+    <p:extLst>
+      <p:ext uri="{BB962C8B-B14F-4D97-AF65-F5344CB8AC3E}">
+        <p14:creationId xmlns:p14="http://schemas.microsoft.com/office/powerpoint/2010/main" val="1854315531"/>
+      </p:ext>
+    </p:extLst>
+  </p:cSld>
+  <p:clrMapOvr>
+    <a:masterClrMapping/>
+  </p:clrMapOvr>
+  <mc:AlternateContent xmlns:mc="http://schemas.openxmlformats.org/markup-compatibility/2006" xmlns:p159="http://schemas.microsoft.com/office/powerpoint/2015/09/main">
+    <mc:Choice Requires="p159">
+      <p:transition xmlns:p14="http://schemas.microsoft.com/office/powerpoint/2010/main" spd="slow" p14:dur="2000" advClick="0" advTm="24000">
+        <p159:morph option="byObject"/>
+      </p:transition>
+    </mc:Choice>
+    <mc:Fallback xmlns="">
+      <p:transition spd="slow" advClick="0" advTm="24000">
+        <p:fade/>
+      </p:transition>
+    </mc:Fallback>
+  </mc:AlternateContent>
+  <p:timing>
+    <p:tnLst>
+      <p:par>
+        <p:cTn id="1" dur="indefinite" restart="never" nodeType="tmRoot">
+          <p:childTnLst>
+            <p:seq concurrent="1" nextAc="seek">
+              <p:cTn id="2" dur="indefinite" nodeType="mainSeq">
+                <p:childTnLst>
+                  <p:par>
+                    <p:cTn id="3" fill="hold">
+                      <p:stCondLst>
+                        <p:cond delay="indefinite"/>
+                        <p:cond evt="onBegin" delay="0">
+                          <p:tn val="2"/>
+                        </p:cond>
+                      </p:stCondLst>
+                      <p:childTnLst>
+                        <p:par>
+                          <p:cTn id="4" fill="hold">
+                            <p:stCondLst>
+                              <p:cond delay="0"/>
+                            </p:stCondLst>
+                            <p:childTnLst>
+                              <p:par>
+                                <p:cTn id="5" presetID="1" presetClass="entr" presetSubtype="0" fill="hold" grpId="0" nodeType="afterEffect">
+                                  <p:stCondLst>
+                                    <p:cond delay="0"/>
+                                  </p:stCondLst>
+                                  <p:childTnLst>
+                                    <p:set>
+                                      <p:cBhvr>
+                                        <p:cTn id="6" dur="1" fill="hold">
+                                          <p:stCondLst>
+                                            <p:cond delay="0"/>
+                                          </p:stCondLst>
+                                        </p:cTn>
+                                        <p:tgtEl>
+                                          <p:spTgt spid="18"/>
+                                        </p:tgtEl>
+                                        <p:attrNameLst>
+                                          <p:attrName>style.visibility</p:attrName>
+                                        </p:attrNameLst>
+                                      </p:cBhvr>
+                                      <p:to>
+                                        <p:strVal val="visible"/>
+                                      </p:to>
+                                    </p:set>
+                                  </p:childTnLst>
+                                </p:cTn>
+                              </p:par>
+                              <p:par>
+                                <p:cTn id="7" presetID="22" presetClass="entr" presetSubtype="1" fill="hold" nodeType="withEffect">
+                                  <p:stCondLst>
+                                    <p:cond delay="0"/>
+                                  </p:stCondLst>
+                                  <p:childTnLst>
+                                    <p:set>
+                                      <p:cBhvr>
+                                        <p:cTn id="8" dur="1" fill="hold">
+                                          <p:stCondLst>
+                                            <p:cond delay="0"/>
+                                          </p:stCondLst>
+                                        </p:cTn>
+                                        <p:tgtEl>
+                                          <p:spTgt spid="4"/>
+                                        </p:tgtEl>
+                                        <p:attrNameLst>
+                                          <p:attrName>style.visibility</p:attrName>
+                                        </p:attrNameLst>
+                                      </p:cBhvr>
+                                      <p:to>
+                                        <p:strVal val="visible"/>
+                                      </p:to>
+                                    </p:set>
+                                    <p:animEffect transition="in" filter="wipe(up)">
+                                      <p:cBhvr>
+                                        <p:cTn id="9" dur="500"/>
+                                        <p:tgtEl>
+                                          <p:spTgt spid="4"/>
+                                        </p:tgtEl>
+                                      </p:cBhvr>
+                                    </p:animEffect>
+                                  </p:childTnLst>
+                                </p:cTn>
+                              </p:par>
+                            </p:childTnLst>
+                          </p:cTn>
+                        </p:par>
+                        <p:par>
+                          <p:cTn id="10" fill="hold">
+                            <p:stCondLst>
+                              <p:cond delay="500"/>
+                            </p:stCondLst>
+                            <p:childTnLst>
+                              <p:par>
+                                <p:cTn id="11" presetID="1" presetClass="entr" presetSubtype="0" fill="hold" grpId="0" nodeType="afterEffect">
+                                  <p:stCondLst>
+                                    <p:cond delay="0"/>
+                                  </p:stCondLst>
+                                  <p:childTnLst>
+                                    <p:set>
+                                      <p:cBhvr>
+                                        <p:cTn id="12" dur="1" fill="hold">
+                                          <p:stCondLst>
+                                            <p:cond delay="0"/>
+                                          </p:stCondLst>
+                                        </p:cTn>
+                                        <p:tgtEl>
+                                          <p:spTgt spid="5"/>
+                                        </p:tgtEl>
+                                        <p:attrNameLst>
+                                          <p:attrName>style.visibility</p:attrName>
+                                        </p:attrNameLst>
+                                      </p:cBhvr>
+                                      <p:to>
+                                        <p:strVal val="visible"/>
+                                      </p:to>
+                                    </p:set>
+                                  </p:childTnLst>
+                                </p:cTn>
+                              </p:par>
+                            </p:childTnLst>
+                          </p:cTn>
+                        </p:par>
+                        <p:par>
+                          <p:cTn id="13" fill="hold">
+                            <p:stCondLst>
+                              <p:cond delay="500"/>
+                            </p:stCondLst>
+                            <p:childTnLst>
+                              <p:par>
+                                <p:cTn id="14" presetID="22" presetClass="entr" presetSubtype="2" fill="hold" nodeType="afterEffect">
+                                  <p:stCondLst>
+                                    <p:cond delay="0"/>
+                                  </p:stCondLst>
+                                  <p:childTnLst>
+                                    <p:set>
+                                      <p:cBhvr>
+                                        <p:cTn id="15" dur="1" fill="hold">
+                                          <p:stCondLst>
+                                            <p:cond delay="0"/>
+                                          </p:stCondLst>
+                                        </p:cTn>
+                                        <p:tgtEl>
+                                          <p:spTgt spid="6"/>
+                                        </p:tgtEl>
+                                        <p:attrNameLst>
+                                          <p:attrName>style.visibility</p:attrName>
+                                        </p:attrNameLst>
+                                      </p:cBhvr>
+                                      <p:to>
+                                        <p:strVal val="visible"/>
+                                      </p:to>
+                                    </p:set>
+                                    <p:animEffect transition="in" filter="wipe(right)">
+                                      <p:cBhvr>
+                                        <p:cTn id="16" dur="500"/>
+                                        <p:tgtEl>
+                                          <p:spTgt spid="6"/>
+                                        </p:tgtEl>
+                                      </p:cBhvr>
+                                    </p:animEffect>
+                                  </p:childTnLst>
+                                </p:cTn>
+                              </p:par>
+                            </p:childTnLst>
+                          </p:cTn>
+                        </p:par>
+                        <p:par>
+                          <p:cTn id="17" fill="hold">
+                            <p:stCondLst>
+                              <p:cond delay="1000"/>
+                            </p:stCondLst>
+                            <p:childTnLst>
+                              <p:par>
+                                <p:cTn id="18" presetID="1" presetClass="entr" presetSubtype="0" fill="hold" grpId="0" nodeType="afterEffect">
+                                  <p:stCondLst>
+                                    <p:cond delay="0"/>
+                                  </p:stCondLst>
+                                  <p:childTnLst>
+                                    <p:set>
+                                      <p:cBhvr>
+                                        <p:cTn id="19" dur="1" fill="hold">
+                                          <p:stCondLst>
+                                            <p:cond delay="0"/>
+                                          </p:stCondLst>
+                                        </p:cTn>
+                                        <p:tgtEl>
+                                          <p:spTgt spid="7"/>
+                                        </p:tgtEl>
+                                        <p:attrNameLst>
+                                          <p:attrName>style.visibility</p:attrName>
+                                        </p:attrNameLst>
+                                      </p:cBhvr>
+                                      <p:to>
+                                        <p:strVal val="visible"/>
+                                      </p:to>
+                                    </p:set>
+                                  </p:childTnLst>
+                                </p:cTn>
+                              </p:par>
+                            </p:childTnLst>
+                          </p:cTn>
+                        </p:par>
+                        <p:par>
+                          <p:cTn id="20" fill="hold">
+                            <p:stCondLst>
+                              <p:cond delay="1000"/>
+                            </p:stCondLst>
+                            <p:childTnLst>
+                              <p:par>
+                                <p:cTn id="21" presetID="22" presetClass="entr" presetSubtype="1" fill="hold" nodeType="afterEffect">
+                                  <p:stCondLst>
+                                    <p:cond delay="0"/>
+                                  </p:stCondLst>
+                                  <p:childTnLst>
+                                    <p:set>
+                                      <p:cBhvr>
+                                        <p:cTn id="22" dur="1" fill="hold">
+                                          <p:stCondLst>
+                                            <p:cond delay="0"/>
+                                          </p:stCondLst>
+                                        </p:cTn>
+                                        <p:tgtEl>
+                                          <p:spTgt spid="8"/>
+                                        </p:tgtEl>
+                                        <p:attrNameLst>
+                                          <p:attrName>style.visibility</p:attrName>
+                                        </p:attrNameLst>
+                                      </p:cBhvr>
+                                      <p:to>
+                                        <p:strVal val="visible"/>
+                                      </p:to>
+                                    </p:set>
+                                    <p:animEffect transition="in" filter="wipe(up)">
+                                      <p:cBhvr>
+                                        <p:cTn id="23" dur="500"/>
+                                        <p:tgtEl>
+                                          <p:spTgt spid="8"/>
+                                        </p:tgtEl>
+                                      </p:cBhvr>
+                                    </p:animEffect>
+                                  </p:childTnLst>
+                                </p:cTn>
+                              </p:par>
+                            </p:childTnLst>
+                          </p:cTn>
+                        </p:par>
+                        <p:par>
+                          <p:cTn id="24" fill="hold">
+                            <p:stCondLst>
+                              <p:cond delay="1500"/>
+                            </p:stCondLst>
+                            <p:childTnLst>
+                              <p:par>
+                                <p:cTn id="25" presetID="1" presetClass="entr" presetSubtype="0" fill="hold" grpId="0" nodeType="afterEffect">
+                                  <p:stCondLst>
+                                    <p:cond delay="0"/>
+                                  </p:stCondLst>
+                                  <p:childTnLst>
+                                    <p:set>
+                                      <p:cBhvr>
+                                        <p:cTn id="26" dur="1" fill="hold">
+                                          <p:stCondLst>
+                                            <p:cond delay="0"/>
+                                          </p:stCondLst>
+                                        </p:cTn>
+                                        <p:tgtEl>
+                                          <p:spTgt spid="17"/>
+                                        </p:tgtEl>
+                                        <p:attrNameLst>
+                                          <p:attrName>style.visibility</p:attrName>
+                                        </p:attrNameLst>
+                                      </p:cBhvr>
+                                      <p:to>
+                                        <p:strVal val="visible"/>
+                                      </p:to>
+                                    </p:set>
+                                  </p:childTnLst>
+                                </p:cTn>
+                              </p:par>
+                            </p:childTnLst>
+                          </p:cTn>
+                        </p:par>
+                        <p:par>
+                          <p:cTn id="27" fill="hold">
+                            <p:stCondLst>
+                              <p:cond delay="1500"/>
+                            </p:stCondLst>
+                            <p:childTnLst>
+                              <p:par>
+                                <p:cTn id="28" presetID="10" presetClass="entr" presetSubtype="0" fill="hold" grpId="0" nodeType="afterEffect">
+                                  <p:stCondLst>
+                                    <p:cond delay="0"/>
+                                  </p:stCondLst>
+                                  <p:childTnLst>
+                                    <p:set>
+                                      <p:cBhvr>
+                                        <p:cTn id="29" dur="1" fill="hold">
+                                          <p:stCondLst>
+                                            <p:cond delay="0"/>
+                                          </p:stCondLst>
+                                        </p:cTn>
+                                        <p:tgtEl>
+                                          <p:spTgt spid="13">
+                                            <p:txEl>
+                                              <p:pRg st="0" end="0"/>
+                                            </p:txEl>
+                                          </p:spTgt>
+                                        </p:tgtEl>
+                                        <p:attrNameLst>
+                                          <p:attrName>style.visibility</p:attrName>
+                                        </p:attrNameLst>
+                                      </p:cBhvr>
+                                      <p:to>
+                                        <p:strVal val="visible"/>
+                                      </p:to>
+                                    </p:set>
+                                    <p:animEffect transition="in" filter="fade">
+                                      <p:cBhvr>
+                                        <p:cTn id="30" dur="500"/>
+                                        <p:tgtEl>
+                                          <p:spTgt spid="13">
+                                            <p:txEl>
+                                              <p:pRg st="0" end="0"/>
+                                            </p:txEl>
+                                          </p:spTgt>
+                                        </p:tgtEl>
+                                      </p:cBhvr>
+                                    </p:animEffect>
+                                  </p:childTnLst>
+                                </p:cTn>
+                              </p:par>
+                              <p:par>
+                                <p:cTn id="31" presetID="10" presetClass="entr" presetSubtype="0" fill="hold" grpId="0" nodeType="withEffect">
+                                  <p:stCondLst>
+                                    <p:cond delay="0"/>
+                                  </p:stCondLst>
+                                  <p:childTnLst>
+                                    <p:set>
+                                      <p:cBhvr>
+                                        <p:cTn id="32" dur="1" fill="hold">
+                                          <p:stCondLst>
+                                            <p:cond delay="0"/>
+                                          </p:stCondLst>
+                                        </p:cTn>
+                                        <p:tgtEl>
+                                          <p:spTgt spid="13">
+                                            <p:txEl>
+                                              <p:pRg st="1" end="1"/>
+                                            </p:txEl>
+                                          </p:spTgt>
+                                        </p:tgtEl>
+                                        <p:attrNameLst>
+                                          <p:attrName>style.visibility</p:attrName>
+                                        </p:attrNameLst>
+                                      </p:cBhvr>
+                                      <p:to>
+                                        <p:strVal val="visible"/>
+                                      </p:to>
+                                    </p:set>
+                                    <p:animEffect transition="in" filter="fade">
+                                      <p:cBhvr>
+                                        <p:cTn id="33" dur="500"/>
+                                        <p:tgtEl>
+                                          <p:spTgt spid="13">
+                                            <p:txEl>
+                                              <p:pRg st="1" end="1"/>
+                                            </p:txEl>
+                                          </p:spTgt>
+                                        </p:tgtEl>
+                                      </p:cBhvr>
+                                    </p:animEffect>
+                                  </p:childTnLst>
+                                </p:cTn>
+                              </p:par>
+                              <p:par>
+                                <p:cTn id="34" presetID="10" presetClass="entr" presetSubtype="0" fill="hold" grpId="0" nodeType="withEffect" nodePh="1">
+                                  <p:stCondLst>
+                                    <p:cond delay="0"/>
+                                  </p:stCondLst>
+                                  <p:endCondLst>
+                                    <p:cond evt="begin" delay="0">
+                                      <p:tn val="34"/>
+                                    </p:cond>
+                                  </p:endCondLst>
+                                  <p:childTnLst>
+                                    <p:set>
+                                      <p:cBhvr>
+                                        <p:cTn id="35" dur="1" fill="hold">
+                                          <p:stCondLst>
+                                            <p:cond delay="0"/>
+                                          </p:stCondLst>
+                                        </p:cTn>
+                                        <p:tgtEl>
+                                          <p:spTgt spid="3">
+                                            <p:txEl>
+                                              <p:pRg st="0" end="0"/>
+                                            </p:txEl>
+                                          </p:spTgt>
+                                        </p:tgtEl>
+                                        <p:attrNameLst>
+                                          <p:attrName>style.visibility</p:attrName>
+                                        </p:attrNameLst>
+                                      </p:cBhvr>
+                                      <p:to>
+                                        <p:strVal val="visible"/>
+                                      </p:to>
+                                    </p:set>
+                                    <p:animEffect transition="in" filter="fade">
+                                      <p:cBhvr>
+                                        <p:cTn id="36" dur="500"/>
+                                        <p:tgtEl>
+                                          <p:spTgt spid="3">
+                                            <p:txEl>
+                                              <p:pRg st="0" end="0"/>
+                                            </p:txEl>
+                                          </p:spTgt>
+                                        </p:tgtEl>
+                                      </p:cBhvr>
+                                    </p:animEffect>
+                                  </p:childTnLst>
+                                </p:cTn>
+                              </p:par>
+                            </p:childTnLst>
+                          </p:cTn>
+                        </p:par>
+                        <p:par>
+                          <p:cTn id="37" fill="hold">
+                            <p:stCondLst>
+                              <p:cond delay="2000"/>
+                            </p:stCondLst>
+                            <p:childTnLst>
+                              <p:par>
+                                <p:cTn id="38" presetID="1" presetClass="entr" presetSubtype="0" fill="hold" grpId="0" nodeType="afterEffect">
+                                  <p:stCondLst>
+                                    <p:cond delay="0"/>
+                                  </p:stCondLst>
+                                  <p:childTnLst>
+                                    <p:set>
+                                      <p:cBhvr>
+                                        <p:cTn id="39" dur="1" fill="hold">
+                                          <p:stCondLst>
+                                            <p:cond delay="0"/>
+                                          </p:stCondLst>
+                                        </p:cTn>
+                                        <p:tgtEl>
+                                          <p:spTgt spid="15"/>
+                                        </p:tgtEl>
+                                        <p:attrNameLst>
+                                          <p:attrName>style.visibility</p:attrName>
+                                        </p:attrNameLst>
+                                      </p:cBhvr>
+                                      <p:to>
+                                        <p:strVal val="visible"/>
+                                      </p:to>
+                                    </p:set>
+                                  </p:childTnLst>
+                                </p:cTn>
+                              </p:par>
+                            </p:childTnLst>
+                          </p:cTn>
+                        </p:par>
+                        <p:par>
+                          <p:cTn id="40" fill="hold">
+                            <p:stCondLst>
+                              <p:cond delay="2000"/>
+                            </p:stCondLst>
+                            <p:childTnLst>
+                              <p:par>
+                                <p:cTn id="41" presetID="22" presetClass="entr" presetSubtype="8" fill="hold" nodeType="afterEffect">
+                                  <p:stCondLst>
+                                    <p:cond delay="7500"/>
+                                  </p:stCondLst>
+                                  <p:childTnLst>
+                                    <p:set>
+                                      <p:cBhvr>
+                                        <p:cTn id="42" dur="1" fill="hold">
+                                          <p:stCondLst>
+                                            <p:cond delay="0"/>
+                                          </p:stCondLst>
+                                        </p:cTn>
+                                        <p:tgtEl>
+                                          <p:spTgt spid="10"/>
+                                        </p:tgtEl>
+                                        <p:attrNameLst>
+                                          <p:attrName>style.visibility</p:attrName>
+                                        </p:attrNameLst>
+                                      </p:cBhvr>
+                                      <p:to>
+                                        <p:strVal val="visible"/>
+                                      </p:to>
+                                    </p:set>
+                                    <p:animEffect transition="in" filter="wipe(left)">
+                                      <p:cBhvr>
+                                        <p:cTn id="43" dur="500"/>
+                                        <p:tgtEl>
+                                          <p:spTgt spid="10"/>
+                                        </p:tgtEl>
+                                      </p:cBhvr>
+                                    </p:animEffect>
+                                  </p:childTnLst>
+                                </p:cTn>
+                              </p:par>
+                            </p:childTnLst>
+                          </p:cTn>
+                        </p:par>
+                        <p:par>
+                          <p:cTn id="44" fill="hold">
+                            <p:stCondLst>
+                              <p:cond delay="10000"/>
+                            </p:stCondLst>
+                            <p:childTnLst>
+                              <p:par>
+                                <p:cTn id="45" presetID="1" presetClass="entr" presetSubtype="0" fill="hold" grpId="0" nodeType="afterEffect">
+                                  <p:stCondLst>
+                                    <p:cond delay="0"/>
+                                  </p:stCondLst>
+                                  <p:childTnLst>
+                                    <p:set>
+                                      <p:cBhvr>
+                                        <p:cTn id="46" dur="1" fill="hold">
+                                          <p:stCondLst>
+                                            <p:cond delay="0"/>
+                                          </p:stCondLst>
+                                        </p:cTn>
+                                        <p:tgtEl>
+                                          <p:spTgt spid="9"/>
+                                        </p:tgtEl>
+                                        <p:attrNameLst>
+                                          <p:attrName>style.visibility</p:attrName>
+                                        </p:attrNameLst>
+                                      </p:cBhvr>
+                                      <p:to>
+                                        <p:strVal val="visible"/>
+                                      </p:to>
+                                    </p:set>
+                                  </p:childTnLst>
+                                </p:cTn>
+                              </p:par>
+                            </p:childTnLst>
+                          </p:cTn>
+                        </p:par>
+                        <p:par>
+                          <p:cTn id="47" fill="hold">
+                            <p:stCondLst>
+                              <p:cond delay="10000"/>
+                            </p:stCondLst>
+                            <p:childTnLst>
+                              <p:par>
+                                <p:cTn id="48" presetID="22" presetClass="entr" presetSubtype="1" fill="hold" nodeType="afterEffect">
+                                  <p:stCondLst>
+                                    <p:cond delay="0"/>
+                                  </p:stCondLst>
+                                  <p:childTnLst>
+                                    <p:set>
+                                      <p:cBhvr>
+                                        <p:cTn id="49" dur="1" fill="hold">
+                                          <p:stCondLst>
+                                            <p:cond delay="0"/>
+                                          </p:stCondLst>
+                                        </p:cTn>
+                                        <p:tgtEl>
+                                          <p:spTgt spid="12"/>
+                                        </p:tgtEl>
+                                        <p:attrNameLst>
+                                          <p:attrName>style.visibility</p:attrName>
+                                        </p:attrNameLst>
+                                      </p:cBhvr>
+                                      <p:to>
+                                        <p:strVal val="visible"/>
+                                      </p:to>
+                                    </p:set>
+                                    <p:animEffect transition="in" filter="wipe(up)">
+                                      <p:cBhvr>
+                                        <p:cTn id="50" dur="500"/>
+                                        <p:tgtEl>
+                                          <p:spTgt spid="12"/>
+                                        </p:tgtEl>
+                                      </p:cBhvr>
+                                    </p:animEffect>
+                                  </p:childTnLst>
+                                </p:cTn>
+                              </p:par>
+                            </p:childTnLst>
+                          </p:cTn>
+                        </p:par>
+                        <p:par>
+                          <p:cTn id="51" fill="hold">
+                            <p:stCondLst>
+                              <p:cond delay="10500"/>
+                            </p:stCondLst>
+                            <p:childTnLst>
+                              <p:par>
+                                <p:cTn id="52" presetID="1" presetClass="entr" presetSubtype="0" fill="hold" grpId="0" nodeType="afterEffect">
+                                  <p:stCondLst>
+                                    <p:cond delay="0"/>
+                                  </p:stCondLst>
+                                  <p:childTnLst>
+                                    <p:set>
+                                      <p:cBhvr>
+                                        <p:cTn id="53" dur="1" fill="hold">
+                                          <p:stCondLst>
+                                            <p:cond delay="0"/>
+                                          </p:stCondLst>
+                                        </p:cTn>
+                                        <p:tgtEl>
+                                          <p:spTgt spid="11"/>
+                                        </p:tgtEl>
+                                        <p:attrNameLst>
+                                          <p:attrName>style.visibility</p:attrName>
+                                        </p:attrNameLst>
+                                      </p:cBhvr>
+                                      <p:to>
+                                        <p:strVal val="visible"/>
+                                      </p:to>
+                                    </p:set>
+                                  </p:childTnLst>
+                                </p:cTn>
+                              </p:par>
+                            </p:childTnLst>
+                          </p:cTn>
+                        </p:par>
+                        <p:par>
+                          <p:cTn id="54" fill="hold">
+                            <p:stCondLst>
+                              <p:cond delay="10500"/>
+                            </p:stCondLst>
+                            <p:childTnLst>
+                              <p:par>
+                                <p:cTn id="55" presetID="10" presetClass="entr" presetSubtype="0" fill="hold" grpId="0" nodeType="afterEffect">
+                                  <p:stCondLst>
+                                    <p:cond delay="0"/>
+                                  </p:stCondLst>
+                                  <p:childTnLst>
+                                    <p:set>
+                                      <p:cBhvr>
+                                        <p:cTn id="56" dur="1" fill="hold">
+                                          <p:stCondLst>
+                                            <p:cond delay="0"/>
+                                          </p:stCondLst>
+                                        </p:cTn>
+                                        <p:tgtEl>
+                                          <p:spTgt spid="14"/>
+                                        </p:tgtEl>
+                                        <p:attrNameLst>
+                                          <p:attrName>style.visibility</p:attrName>
+                                        </p:attrNameLst>
+                                      </p:cBhvr>
+                                      <p:to>
+                                        <p:strVal val="visible"/>
+                                      </p:to>
+                                    </p:set>
+                                    <p:animEffect transition="in" filter="fade">
+                                      <p:cBhvr>
+                                        <p:cTn id="57" dur="500"/>
+                                        <p:tgtEl>
+                                          <p:spTgt spid="14"/>
+                                        </p:tgtEl>
+                                      </p:cBhvr>
+                                    </p:animEffect>
+                                  </p:childTnLst>
+                                </p:cTn>
+                              </p:par>
+                            </p:childTnLst>
+                          </p:cTn>
+                        </p:par>
+                        <p:par>
+                          <p:cTn id="58" fill="hold">
+                            <p:stCondLst>
+                              <p:cond delay="11000"/>
+                            </p:stCondLst>
+                            <p:childTnLst>
+                              <p:par>
+                                <p:cTn id="59" presetID="1" presetClass="entr" presetSubtype="0" fill="hold" grpId="0" nodeType="afterEffect">
+                                  <p:stCondLst>
+                                    <p:cond delay="0"/>
+                                  </p:stCondLst>
+                                  <p:childTnLst>
+                                    <p:set>
+                                      <p:cBhvr>
+                                        <p:cTn id="60" dur="1" fill="hold">
+                                          <p:stCondLst>
+                                            <p:cond delay="0"/>
+                                          </p:stCondLst>
+                                        </p:cTn>
+                                        <p:tgtEl>
+                                          <p:spTgt spid="16"/>
+                                        </p:tgtEl>
+                                        <p:attrNameLst>
+                                          <p:attrName>style.visibility</p:attrName>
+                                        </p:attrNameLst>
+                                      </p:cBhvr>
+                                      <p:to>
+                                        <p:strVal val="visible"/>
+                                      </p:to>
+                                    </p:set>
+                                  </p:childTnLst>
+                                </p:cTn>
+                              </p:par>
+                            </p:childTnLst>
+                          </p:cTn>
+                        </p:par>
+                      </p:childTnLst>
+                    </p:cTn>
+                  </p:par>
+                </p:childTnLst>
+              </p:cTn>
+              <p:prevCondLst>
+                <p:cond evt="onPrev" delay="0">
+                  <p:tgtEl>
+                    <p:sldTgt/>
+                  </p:tgtEl>
+                </p:cond>
+              </p:prevCondLst>
+              <p:nextCondLst>
+                <p:cond evt="onNext" delay="0">
+                  <p:tgtEl>
+                    <p:sldTgt/>
+                  </p:tgtEl>
+                </p:cond>
+              </p:nextCondLst>
+            </p:seq>
+          </p:childTnLst>
+        </p:cTn>
+      </p:par>
+    </p:tnLst>
+    <p:bldLst>
+      <p:bldP spid="13" grpId="0" uiExpand="1" build="p"/>
+      <p:bldP spid="14" grpId="0"/>
+      <p:bldP spid="15" grpId="0"/>
+      <p:bldP spid="16" grpId="0"/>
+      <p:bldP spid="3" grpId="0" build="p"/>
+      <p:bldP spid="5" grpId="0" animBg="1"/>
+      <p:bldP spid="7" grpId="0" animBg="1"/>
+      <p:bldP spid="9" grpId="0" animBg="1"/>
+      <p:bldP spid="11" grpId="0" animBg="1"/>
+      <p:bldP spid="17" grpId="0" animBg="1"/>
+      <p:bldP spid="18" grpId="0" animBg="1"/>
+    </p:bldLst>
+  </p:timing>
+</p:sld>
+</file>
+
+<file path=ppt/slides/slide4.xml><?xml version="1.0" encoding="utf-8"?>
+<p:sld xmlns:a="http://schemas.openxmlformats.org/drawingml/2006/main" xmlns:r="http://schemas.openxmlformats.org/officeDocument/2006/relationships" xmlns:p="http://schemas.openxmlformats.org/presentationml/2006/main">
+  <p:cSld>
+    <p:spTree>
+      <p:nvGrpSpPr>
+        <p:cNvPr id="1" name=""/>
+        <p:cNvGrpSpPr/>
+        <p:nvPr/>
+      </p:nvGrpSpPr>
+      <p:grpSpPr>
+        <a:xfrm>
+          <a:off x="0" y="0"/>
+          <a:ext cx="0" cy="0"/>
+          <a:chOff x="0" y="0"/>
+          <a:chExt cx="0" cy="0"/>
+        </a:xfrm>
+      </p:grpSpPr>
+      <p:pic>
+        <p:nvPicPr>
+          <p:cNvPr id="15" name="Graphic 14" descr="Feather with solid fill">
+            <a:extLst>
+              <a:ext uri="{FF2B5EF4-FFF2-40B4-BE49-F238E27FC236}">
+                <a16:creationId xmlns:a16="http://schemas.microsoft.com/office/drawing/2014/main" id="{523A7827-658C-1099-4AD9-3BED93211633}"/>
+              </a:ext>
+            </a:extLst>
+          </p:cNvPr>
+          <p:cNvPicPr>
+            <a:picLocks noChangeAspect="1"/>
+          </p:cNvPicPr>
+          <p:nvPr/>
+        </p:nvPicPr>
+        <p:blipFill>
+          <a:blip r:embed="rId3">
+            <a:extLst>
+              <a:ext uri="{28A0092B-C50C-407E-A947-70E740481C1C}">
+                <a14:useLocalDpi xmlns:a14="http://schemas.microsoft.com/office/drawing/2010/main" val="0"/>
+              </a:ext>
+              <a:ext uri="{96DAC541-7B7A-43D3-8B79-37D633B846F1}">
+                <asvg:svgBlip xmlns:asvg="http://schemas.microsoft.com/office/drawing/2016/SVG/main" r:embed="rId4"/>
+              </a:ext>
+            </a:extLst>
+          </a:blip>
+          <a:stretch>
+            <a:fillRect/>
+          </a:stretch>
+        </p:blipFill>
+        <p:spPr>
+          <a:xfrm>
+            <a:off x="3874710" y="3405327"/>
+            <a:ext cx="977314" cy="977314"/>
+          </a:xfrm>
+          <a:prstGeom prst="rect">
+            <a:avLst/>
+          </a:prstGeom>
+        </p:spPr>
+      </p:pic>
+      <p:sp>
+        <p:nvSpPr>
+          <p:cNvPr id="26" name="TextBox 25">
+            <a:extLst>
+              <a:ext uri="{FF2B5EF4-FFF2-40B4-BE49-F238E27FC236}">
+                <a16:creationId xmlns:a16="http://schemas.microsoft.com/office/drawing/2014/main" id="{C746E9D4-A326-0C01-D5FF-60A0641CA108}"/>
+              </a:ext>
+            </a:extLst>
+          </p:cNvPr>
+          <p:cNvSpPr txBox="1"/>
+          <p:nvPr/>
+        </p:nvSpPr>
+        <p:spPr>
+          <a:xfrm>
+            <a:off x="6709863" y="3386153"/>
+            <a:ext cx="2781161" cy="1015663"/>
+          </a:xfrm>
+          <a:prstGeom prst="rect">
+            <a:avLst/>
+          </a:prstGeom>
+          <a:noFill/>
+        </p:spPr>
+        <p:txBody>
+          <a:bodyPr wrap="square" rtlCol="0">
+            <a:spAutoFit/>
+          </a:bodyPr>
+          <a:lstStyle/>
+          <a:p>
+            <a:r>
+              <a:rPr lang="tr-TR" sz="6000" b="1" dirty="0">
+                <a:solidFill>
+                  <a:schemeClr val="accent2"/>
+                </a:solidFill>
+                <a:latin typeface="Century Gothic" panose="020B0502020202020204" pitchFamily="34" charset="0"/>
+              </a:rPr>
+              <a:t>JSON</a:t>
+            </a:r>
+            <a:endParaRPr lang="en-US" sz="6000" b="1" dirty="0">
+              <a:solidFill>
+                <a:schemeClr val="accent2"/>
+              </a:solidFill>
+              <a:latin typeface="Century Gothic" panose="020B0502020202020204" pitchFamily="34" charset="0"/>
+            </a:endParaRPr>
+          </a:p>
+        </p:txBody>
+      </p:sp>
+      <p:sp>
+        <p:nvSpPr>
+          <p:cNvPr id="11" name="Freeform: Shape 10">
+            <a:extLst>
+              <a:ext uri="{FF2B5EF4-FFF2-40B4-BE49-F238E27FC236}">
+                <a16:creationId xmlns:a16="http://schemas.microsoft.com/office/drawing/2014/main" id="{E3FFFF58-AAEF-3D55-A1BC-A363502F4A62}"/>
+              </a:ext>
+            </a:extLst>
+          </p:cNvPr>
+          <p:cNvSpPr/>
+          <p:nvPr/>
+        </p:nvSpPr>
+        <p:spPr>
+          <a:xfrm>
+            <a:off x="3754793" y="4355467"/>
+            <a:ext cx="1445914" cy="361478"/>
+          </a:xfrm>
+          <a:custGeom>
+            <a:avLst/>
+            <a:gdLst>
+              <a:gd name="connsiteX0" fmla="*/ 1445915 w 1445914"/>
+              <a:gd name="connsiteY0" fmla="*/ 0 h 361478"/>
+              <a:gd name="connsiteX1" fmla="*/ 0 w 1445914"/>
+              <a:gd name="connsiteY1" fmla="*/ 0 h 361478"/>
+              <a:gd name="connsiteX2" fmla="*/ 722957 w 1445914"/>
+              <a:gd name="connsiteY2" fmla="*/ 361479 h 361478"/>
+              <a:gd name="connsiteX3" fmla="*/ 1445915 w 1445914"/>
+              <a:gd name="connsiteY3" fmla="*/ 0 h 361478"/>
+            </a:gdLst>
+            <a:ahLst/>
+            <a:cxnLst>
+              <a:cxn ang="0">
+                <a:pos x="connsiteX0" y="connsiteY0"/>
+              </a:cxn>
+              <a:cxn ang="0">
+                <a:pos x="connsiteX1" y="connsiteY1"/>
+              </a:cxn>
+              <a:cxn ang="0">
+                <a:pos x="connsiteX2" y="connsiteY2"/>
+              </a:cxn>
+              <a:cxn ang="0">
+                <a:pos x="connsiteX3" y="connsiteY3"/>
+              </a:cxn>
+            </a:cxnLst>
+            <a:rect l="l" t="t" r="r" b="b"/>
+            <a:pathLst>
+              <a:path w="1445914" h="361478">
+                <a:moveTo>
+                  <a:pt x="1445915" y="0"/>
+                </a:moveTo>
+                <a:lnTo>
+                  <a:pt x="0" y="0"/>
+                </a:lnTo>
+                <a:cubicBezTo>
+                  <a:pt x="0" y="198813"/>
+                  <a:pt x="325331" y="361479"/>
+                  <a:pt x="722957" y="361479"/>
+                </a:cubicBezTo>
+                <a:cubicBezTo>
+                  <a:pt x="1120584" y="361479"/>
+                  <a:pt x="1445915" y="198813"/>
+                  <a:pt x="1445915" y="0"/>
+                </a:cubicBezTo>
+                <a:close/>
+              </a:path>
+            </a:pathLst>
+          </a:custGeom>
+          <a:solidFill>
+            <a:schemeClr val="bg2"/>
+          </a:solidFill>
+          <a:ln w="60226" cap="flat">
+            <a:noFill/>
+            <a:prstDash val="solid"/>
+            <a:miter/>
+          </a:ln>
+        </p:spPr>
+        <p:txBody>
+          <a:bodyPr rtlCol="0" anchor="ctr"/>
+          <a:lstStyle/>
+          <a:p>
+            <a:endParaRPr lang="en-US"/>
+          </a:p>
+        </p:txBody>
+      </p:sp>
+      <p:sp>
+        <p:nvSpPr>
+          <p:cNvPr id="12" name="Freeform: Shape 11">
+            <a:extLst>
+              <a:ext uri="{FF2B5EF4-FFF2-40B4-BE49-F238E27FC236}">
+                <a16:creationId xmlns:a16="http://schemas.microsoft.com/office/drawing/2014/main" id="{6B4534D1-59E1-56A4-4996-6F76134C1EAF}"/>
+              </a:ext>
+            </a:extLst>
+          </p:cNvPr>
+          <p:cNvSpPr/>
+          <p:nvPr/>
+        </p:nvSpPr>
+        <p:spPr>
+          <a:xfrm>
+            <a:off x="7092321" y="4355467"/>
+            <a:ext cx="1445914" cy="361478"/>
+          </a:xfrm>
+          <a:custGeom>
+            <a:avLst/>
+            <a:gdLst>
+              <a:gd name="connsiteX0" fmla="*/ 0 w 1445914"/>
+              <a:gd name="connsiteY0" fmla="*/ 0 h 361478"/>
+              <a:gd name="connsiteX1" fmla="*/ 722957 w 1445914"/>
+              <a:gd name="connsiteY1" fmla="*/ 361479 h 361478"/>
+              <a:gd name="connsiteX2" fmla="*/ 1445915 w 1445914"/>
+              <a:gd name="connsiteY2" fmla="*/ 0 h 361478"/>
+              <a:gd name="connsiteX3" fmla="*/ 0 w 1445914"/>
+              <a:gd name="connsiteY3" fmla="*/ 0 h 361478"/>
+            </a:gdLst>
+            <a:ahLst/>
+            <a:cxnLst>
+              <a:cxn ang="0">
+                <a:pos x="connsiteX0" y="connsiteY0"/>
+              </a:cxn>
+              <a:cxn ang="0">
+                <a:pos x="connsiteX1" y="connsiteY1"/>
+              </a:cxn>
+              <a:cxn ang="0">
+                <a:pos x="connsiteX2" y="connsiteY2"/>
+              </a:cxn>
+              <a:cxn ang="0">
+                <a:pos x="connsiteX3" y="connsiteY3"/>
+              </a:cxn>
+            </a:cxnLst>
+            <a:rect l="l" t="t" r="r" b="b"/>
+            <a:pathLst>
+              <a:path w="1445914" h="361478">
+                <a:moveTo>
+                  <a:pt x="0" y="0"/>
+                </a:moveTo>
+                <a:cubicBezTo>
+                  <a:pt x="0" y="198813"/>
+                  <a:pt x="325331" y="361479"/>
+                  <a:pt x="722957" y="361479"/>
+                </a:cubicBezTo>
+                <a:cubicBezTo>
+                  <a:pt x="1120584" y="361479"/>
+                  <a:pt x="1445915" y="198813"/>
+                  <a:pt x="1445915" y="0"/>
+                </a:cubicBezTo>
+                <a:lnTo>
+                  <a:pt x="0" y="0"/>
+                </a:lnTo>
+                <a:close/>
+              </a:path>
+            </a:pathLst>
+          </a:custGeom>
+          <a:solidFill>
+            <a:schemeClr val="bg2"/>
+          </a:solidFill>
+          <a:ln w="60226" cap="flat">
+            <a:noFill/>
+            <a:prstDash val="solid"/>
+            <a:miter/>
+          </a:ln>
+        </p:spPr>
+        <p:txBody>
+          <a:bodyPr rtlCol="0" anchor="ctr"/>
+          <a:lstStyle/>
+          <a:p>
+            <a:endParaRPr lang="en-US"/>
+          </a:p>
+        </p:txBody>
+      </p:sp>
+      <p:sp>
+        <p:nvSpPr>
+          <p:cNvPr id="28" name="Rectangle: Rounded Corners 27">
+            <a:extLst>
+              <a:ext uri="{FF2B5EF4-FFF2-40B4-BE49-F238E27FC236}">
+                <a16:creationId xmlns:a16="http://schemas.microsoft.com/office/drawing/2014/main" id="{3157117C-A813-FC82-2E23-3AE123B242E3}"/>
+              </a:ext>
+            </a:extLst>
+          </p:cNvPr>
+          <p:cNvSpPr/>
+          <p:nvPr/>
+        </p:nvSpPr>
+        <p:spPr>
+          <a:xfrm>
+            <a:off x="5944498" y="1216963"/>
+            <a:ext cx="362833" cy="3996267"/>
+          </a:xfrm>
+          <a:prstGeom prst="roundRect">
+            <a:avLst/>
+          </a:prstGeom>
+          <a:solidFill>
+            <a:schemeClr val="bg2"/>
+          </a:solidFill>
+          <a:ln>
+            <a:noFill/>
+          </a:ln>
+        </p:spPr>
+        <p:style>
+          <a:lnRef idx="2">
+            <a:schemeClr val="accent1">
+              <a:shade val="50000"/>
+            </a:schemeClr>
+          </a:lnRef>
+          <a:fillRef idx="1">
+            <a:schemeClr val="accent1"/>
+          </a:fillRef>
+          <a:effectRef idx="0">
+            <a:schemeClr val="accent1"/>
+          </a:effectRef>
+          <a:fontRef idx="minor">
+            <a:schemeClr val="lt1"/>
+          </a:fontRef>
+        </p:style>
+        <p:txBody>
+          <a:bodyPr rtlCol="0" anchor="ctr"/>
+          <a:lstStyle/>
+          <a:p>
+            <a:pPr algn="ctr"/>
+            <a:endParaRPr lang="en-US"/>
+          </a:p>
+        </p:txBody>
+      </p:sp>
+      <p:sp>
+        <p:nvSpPr>
+          <p:cNvPr id="30" name="Rectangle: Rounded Corners 29">
+            <a:extLst>
+              <a:ext uri="{FF2B5EF4-FFF2-40B4-BE49-F238E27FC236}">
+                <a16:creationId xmlns:a16="http://schemas.microsoft.com/office/drawing/2014/main" id="{04A92E2E-BCE3-0897-0301-3A2751683BCA}"/>
+              </a:ext>
+            </a:extLst>
+          </p:cNvPr>
+          <p:cNvSpPr/>
+          <p:nvPr/>
+        </p:nvSpPr>
+        <p:spPr>
+          <a:xfrm rot="16200000">
+            <a:off x="5922440" y="-623624"/>
+            <a:ext cx="347121" cy="4883909"/>
+          </a:xfrm>
+          <a:prstGeom prst="roundRect">
+            <a:avLst/>
+          </a:prstGeom>
+          <a:solidFill>
+            <a:schemeClr val="bg2"/>
+          </a:solidFill>
+          <a:ln>
+            <a:noFill/>
+          </a:ln>
+        </p:spPr>
+        <p:style>
+          <a:lnRef idx="2">
+            <a:schemeClr val="accent1">
+              <a:shade val="50000"/>
+            </a:schemeClr>
+          </a:lnRef>
+          <a:fillRef idx="1">
+            <a:schemeClr val="accent1"/>
+          </a:fillRef>
+          <a:effectRef idx="0">
+            <a:schemeClr val="accent1"/>
+          </a:effectRef>
+          <a:fontRef idx="minor">
+            <a:schemeClr val="lt1"/>
+          </a:fontRef>
+        </p:style>
+        <p:txBody>
+          <a:bodyPr rtlCol="0" anchor="ctr"/>
+          <a:lstStyle/>
+          <a:p>
+            <a:pPr algn="ctr"/>
+            <a:endParaRPr lang="en-US"/>
+          </a:p>
+        </p:txBody>
+      </p:sp>
+      <p:sp>
+        <p:nvSpPr>
+          <p:cNvPr id="40" name="Freeform: Shape 39">
+            <a:extLst>
+              <a:ext uri="{FF2B5EF4-FFF2-40B4-BE49-F238E27FC236}">
+                <a16:creationId xmlns:a16="http://schemas.microsoft.com/office/drawing/2014/main" id="{A99E45CF-1C45-6A6D-224A-1B3B321E763C}"/>
+              </a:ext>
+            </a:extLst>
+          </p:cNvPr>
+          <p:cNvSpPr/>
+          <p:nvPr/>
+        </p:nvSpPr>
+        <p:spPr>
+          <a:xfrm rot="11485333">
+            <a:off x="4020250" y="1809025"/>
+            <a:ext cx="1181853" cy="1685758"/>
+          </a:xfrm>
+          <a:custGeom>
+            <a:avLst/>
+            <a:gdLst>
+              <a:gd name="connsiteX0" fmla="*/ 1121380 w 1181853"/>
+              <a:gd name="connsiteY0" fmla="*/ 1993900 h 2056138"/>
+              <a:gd name="connsiteX1" fmla="*/ 963263 w 1181853"/>
+              <a:gd name="connsiteY1" fmla="*/ 1993900 h 2056138"/>
+              <a:gd name="connsiteX2" fmla="*/ 831772 w 1181853"/>
+              <a:gd name="connsiteY2" fmla="*/ 2051103 h 2056138"/>
+              <a:gd name="connsiteX3" fmla="*/ 752195 w 1181853"/>
+              <a:gd name="connsiteY3" fmla="*/ 2019774 h 2056138"/>
+              <a:gd name="connsiteX4" fmla="*/ 5035 w 1181853"/>
+              <a:gd name="connsiteY4" fmla="*/ 302303 h 2056138"/>
+              <a:gd name="connsiteX5" fmla="*/ 36364 w 1181853"/>
+              <a:gd name="connsiteY5" fmla="*/ 222726 h 2056138"/>
+              <a:gd name="connsiteX6" fmla="*/ 258171 w 1181853"/>
+              <a:gd name="connsiteY6" fmla="*/ 126232 h 2056138"/>
+              <a:gd name="connsiteX7" fmla="*/ 337747 w 1181853"/>
+              <a:gd name="connsiteY7" fmla="*/ 157561 h 2056138"/>
+              <a:gd name="connsiteX8" fmla="*/ 819020 w 1181853"/>
+              <a:gd name="connsiteY8" fmla="*/ 1263846 h 2056138"/>
+              <a:gd name="connsiteX9" fmla="*/ 819020 w 1181853"/>
+              <a:gd name="connsiteY9" fmla="*/ 60473 h 2056138"/>
+              <a:gd name="connsiteX10" fmla="*/ 879493 w 1181853"/>
+              <a:gd name="connsiteY10" fmla="*/ 0 h 2056138"/>
+              <a:gd name="connsiteX11" fmla="*/ 1121380 w 1181853"/>
+              <a:gd name="connsiteY11" fmla="*/ 0 h 2056138"/>
+              <a:gd name="connsiteX12" fmla="*/ 1181853 w 1181853"/>
+              <a:gd name="connsiteY12" fmla="*/ 60473 h 2056138"/>
+              <a:gd name="connsiteX13" fmla="*/ 1181853 w 1181853"/>
+              <a:gd name="connsiteY13" fmla="*/ 1933427 h 2056138"/>
+              <a:gd name="connsiteX14" fmla="*/ 1121380 w 1181853"/>
+              <a:gd name="connsiteY14" fmla="*/ 1993900 h 2056138"/>
+            </a:gdLst>
+            <a:ahLst/>
+            <a:cxnLst>
+              <a:cxn ang="0">
+                <a:pos x="connsiteX0" y="connsiteY0"/>
+              </a:cxn>
+              <a:cxn ang="0">
+                <a:pos x="connsiteX1" y="connsiteY1"/>
+              </a:cxn>
+              <a:cxn ang="0">
+                <a:pos x="connsiteX2" y="connsiteY2"/>
+              </a:cxn>
+              <a:cxn ang="0">
+                <a:pos x="connsiteX3" y="connsiteY3"/>
+              </a:cxn>
+              <a:cxn ang="0">
+                <a:pos x="connsiteX4" y="connsiteY4"/>
+              </a:cxn>
+              <a:cxn ang="0">
+                <a:pos x="connsiteX5" y="connsiteY5"/>
+              </a:cxn>
+              <a:cxn ang="0">
+                <a:pos x="connsiteX6" y="connsiteY6"/>
+              </a:cxn>
+              <a:cxn ang="0">
+                <a:pos x="connsiteX7" y="connsiteY7"/>
+              </a:cxn>
+              <a:cxn ang="0">
+                <a:pos x="connsiteX8" y="connsiteY8"/>
+              </a:cxn>
+              <a:cxn ang="0">
+                <a:pos x="connsiteX9" y="connsiteY9"/>
+              </a:cxn>
+              <a:cxn ang="0">
+                <a:pos x="connsiteX10" y="connsiteY10"/>
+              </a:cxn>
+              <a:cxn ang="0">
+                <a:pos x="connsiteX11" y="connsiteY11"/>
+              </a:cxn>
+              <a:cxn ang="0">
+                <a:pos x="connsiteX12" y="connsiteY12"/>
+              </a:cxn>
+              <a:cxn ang="0">
+                <a:pos x="connsiteX13" y="connsiteY13"/>
+              </a:cxn>
+              <a:cxn ang="0">
+                <a:pos x="connsiteX14" y="connsiteY14"/>
+              </a:cxn>
+            </a:cxnLst>
+            <a:rect l="l" t="t" r="r" b="b"/>
+            <a:pathLst>
+              <a:path w="1181853" h="2056138">
+                <a:moveTo>
+                  <a:pt x="1121380" y="1993900"/>
+                </a:moveTo>
+                <a:lnTo>
+                  <a:pt x="963263" y="1993900"/>
+                </a:lnTo>
+                <a:lnTo>
+                  <a:pt x="831772" y="2051103"/>
+                </a:lnTo>
+                <a:cubicBezTo>
+                  <a:pt x="801147" y="2064426"/>
+                  <a:pt x="765518" y="2050400"/>
+                  <a:pt x="752195" y="2019774"/>
+                </a:cubicBezTo>
+                <a:lnTo>
+                  <a:pt x="5035" y="302303"/>
+                </a:lnTo>
+                <a:cubicBezTo>
+                  <a:pt x="-8288" y="271677"/>
+                  <a:pt x="5738" y="236049"/>
+                  <a:pt x="36364" y="222726"/>
+                </a:cubicBezTo>
+                <a:lnTo>
+                  <a:pt x="258171" y="126232"/>
+                </a:lnTo>
+                <a:cubicBezTo>
+                  <a:pt x="288796" y="112909"/>
+                  <a:pt x="324424" y="126936"/>
+                  <a:pt x="337747" y="157561"/>
+                </a:cubicBezTo>
+                <a:lnTo>
+                  <a:pt x="819020" y="1263846"/>
+                </a:lnTo>
+                <a:lnTo>
+                  <a:pt x="819020" y="60473"/>
+                </a:lnTo>
+                <a:cubicBezTo>
+                  <a:pt x="819020" y="27075"/>
+                  <a:pt x="846095" y="0"/>
+                  <a:pt x="879493" y="0"/>
+                </a:cubicBezTo>
+                <a:lnTo>
+                  <a:pt x="1121380" y="0"/>
+                </a:lnTo>
+                <a:cubicBezTo>
+                  <a:pt x="1154778" y="0"/>
+                  <a:pt x="1181853" y="27075"/>
+                  <a:pt x="1181853" y="60473"/>
+                </a:cubicBezTo>
+                <a:lnTo>
+                  <a:pt x="1181853" y="1933427"/>
+                </a:lnTo>
+                <a:cubicBezTo>
+                  <a:pt x="1181853" y="1966825"/>
+                  <a:pt x="1154778" y="1993900"/>
+                  <a:pt x="1121380" y="1993900"/>
+                </a:cubicBezTo>
+                <a:close/>
+              </a:path>
+            </a:pathLst>
+          </a:custGeom>
+          <a:solidFill>
+            <a:schemeClr val="bg2"/>
+          </a:solidFill>
+          <a:ln>
+            <a:noFill/>
+          </a:ln>
+        </p:spPr>
+        <p:style>
+          <a:lnRef idx="2">
+            <a:schemeClr val="accent1">
+              <a:shade val="50000"/>
+            </a:schemeClr>
+          </a:lnRef>
+          <a:fillRef idx="1">
+            <a:schemeClr val="accent1"/>
+          </a:fillRef>
+          <a:effectRef idx="0">
+            <a:schemeClr val="accent1"/>
+          </a:effectRef>
+          <a:fontRef idx="minor">
+            <a:schemeClr val="lt1"/>
+          </a:fontRef>
+        </p:style>
+        <p:txBody>
+          <a:bodyPr wrap="square" rtlCol="0" anchor="ctr">
+            <a:noAutofit/>
+          </a:bodyPr>
+          <a:lstStyle/>
+          <a:p>
+            <a:pPr algn="ctr"/>
+            <a:endParaRPr lang="en-US" dirty="0"/>
+          </a:p>
+        </p:txBody>
+      </p:sp>
+      <p:grpSp>
+        <p:nvGrpSpPr>
+          <p:cNvPr id="2" name="Group 1">
+            <a:extLst>
+              <a:ext uri="{FF2B5EF4-FFF2-40B4-BE49-F238E27FC236}">
+                <a16:creationId xmlns:a16="http://schemas.microsoft.com/office/drawing/2014/main" id="{5DF75C2E-2392-6D86-851E-F4A1CD78979F}"/>
+              </a:ext>
+            </a:extLst>
+          </p:cNvPr>
+          <p:cNvGrpSpPr/>
+          <p:nvPr/>
+        </p:nvGrpSpPr>
+        <p:grpSpPr>
+          <a:xfrm>
+            <a:off x="4653283" y="5213824"/>
+            <a:ext cx="2945264" cy="582985"/>
+            <a:chOff x="4653283" y="5213824"/>
+            <a:chExt cx="2945264" cy="582985"/>
+          </a:xfrm>
+        </p:grpSpPr>
+        <p:sp>
+          <p:nvSpPr>
+            <p:cNvPr id="36" name="Rectangle: Rounded Corners 35">
+              <a:extLst>
+                <a:ext uri="{FF2B5EF4-FFF2-40B4-BE49-F238E27FC236}">
+                  <a16:creationId xmlns:a16="http://schemas.microsoft.com/office/drawing/2014/main" id="{D8281AAB-998F-FAB5-7879-51A83FEB0AC7}"/>
+                </a:ext>
+              </a:extLst>
+            </p:cNvPr>
+            <p:cNvSpPr/>
+            <p:nvPr/>
+          </p:nvSpPr>
+          <p:spPr>
+            <a:xfrm rot="16200000">
+              <a:off x="5944498" y="4398291"/>
+              <a:ext cx="362833" cy="1993900"/>
+            </a:xfrm>
+            <a:prstGeom prst="roundRect">
+              <a:avLst/>
+            </a:prstGeom>
+            <a:solidFill>
+              <a:schemeClr val="bg2"/>
+            </a:solidFill>
+            <a:ln>
+              <a:noFill/>
+            </a:ln>
+          </p:spPr>
+          <p:style>
+            <a:lnRef idx="2">
+              <a:schemeClr val="accent1">
+                <a:shade val="50000"/>
+              </a:schemeClr>
+            </a:lnRef>
+            <a:fillRef idx="1">
+              <a:schemeClr val="accent1"/>
+            </a:fillRef>
+            <a:effectRef idx="0">
+              <a:schemeClr val="accent1"/>
+            </a:effectRef>
+            <a:fontRef idx="minor">
+              <a:schemeClr val="lt1"/>
+            </a:fontRef>
+          </p:style>
+          <p:txBody>
+            <a:bodyPr rtlCol="0" anchor="ctr"/>
+            <a:lstStyle/>
+            <a:p>
+              <a:pPr algn="ctr"/>
+              <a:endParaRPr lang="en-US"/>
+            </a:p>
+          </p:txBody>
+        </p:sp>
+        <p:sp>
+          <p:nvSpPr>
+            <p:cNvPr id="37" name="Rectangle: Rounded Corners 36">
+              <a:extLst>
+                <a:ext uri="{FF2B5EF4-FFF2-40B4-BE49-F238E27FC236}">
+                  <a16:creationId xmlns:a16="http://schemas.microsoft.com/office/drawing/2014/main" id="{B5C2BC3D-FF7A-D1AB-828C-72090CCDB438}"/>
+                </a:ext>
+              </a:extLst>
+            </p:cNvPr>
+            <p:cNvSpPr/>
+            <p:nvPr/>
+          </p:nvSpPr>
+          <p:spPr>
+            <a:xfrm rot="16200000">
+              <a:off x="5944498" y="4142761"/>
+              <a:ext cx="362833" cy="2945264"/>
+            </a:xfrm>
+            <a:prstGeom prst="roundRect">
+              <a:avLst/>
+            </a:prstGeom>
+            <a:solidFill>
+              <a:schemeClr val="bg2"/>
+            </a:solidFill>
+            <a:ln>
+              <a:noFill/>
+            </a:ln>
+          </p:spPr>
+          <p:style>
+            <a:lnRef idx="2">
+              <a:schemeClr val="accent1">
+                <a:shade val="50000"/>
+              </a:schemeClr>
+            </a:lnRef>
+            <a:fillRef idx="1">
+              <a:schemeClr val="accent1"/>
+            </a:fillRef>
+            <a:effectRef idx="0">
+              <a:schemeClr val="accent1"/>
+            </a:effectRef>
+            <a:fontRef idx="minor">
+              <a:schemeClr val="lt1"/>
+            </a:fontRef>
+          </p:style>
+          <p:txBody>
+            <a:bodyPr rtlCol="0" anchor="ctr"/>
+            <a:lstStyle/>
+            <a:p>
+              <a:pPr algn="ctr"/>
+              <a:endParaRPr lang="en-US"/>
+            </a:p>
+          </p:txBody>
+        </p:sp>
+      </p:grpSp>
+      <p:sp>
+        <p:nvSpPr>
+          <p:cNvPr id="43" name="Freeform: Shape 42">
+            <a:extLst>
+              <a:ext uri="{FF2B5EF4-FFF2-40B4-BE49-F238E27FC236}">
+                <a16:creationId xmlns:a16="http://schemas.microsoft.com/office/drawing/2014/main" id="{E4731A73-B0AA-2458-B1FD-9B14BAEBEA9F}"/>
+              </a:ext>
+            </a:extLst>
+          </p:cNvPr>
+          <p:cNvSpPr/>
+          <p:nvPr/>
+        </p:nvSpPr>
+        <p:spPr>
+          <a:xfrm rot="11485333">
+            <a:off x="7389837" y="1809025"/>
+            <a:ext cx="1181853" cy="1685758"/>
+          </a:xfrm>
+          <a:custGeom>
+            <a:avLst/>
+            <a:gdLst>
+              <a:gd name="connsiteX0" fmla="*/ 1121380 w 1181853"/>
+              <a:gd name="connsiteY0" fmla="*/ 1993900 h 2056138"/>
+              <a:gd name="connsiteX1" fmla="*/ 963263 w 1181853"/>
+              <a:gd name="connsiteY1" fmla="*/ 1993900 h 2056138"/>
+              <a:gd name="connsiteX2" fmla="*/ 831772 w 1181853"/>
+              <a:gd name="connsiteY2" fmla="*/ 2051103 h 2056138"/>
+              <a:gd name="connsiteX3" fmla="*/ 752195 w 1181853"/>
+              <a:gd name="connsiteY3" fmla="*/ 2019774 h 2056138"/>
+              <a:gd name="connsiteX4" fmla="*/ 5035 w 1181853"/>
+              <a:gd name="connsiteY4" fmla="*/ 302303 h 2056138"/>
+              <a:gd name="connsiteX5" fmla="*/ 36364 w 1181853"/>
+              <a:gd name="connsiteY5" fmla="*/ 222726 h 2056138"/>
+              <a:gd name="connsiteX6" fmla="*/ 258171 w 1181853"/>
+              <a:gd name="connsiteY6" fmla="*/ 126232 h 2056138"/>
+              <a:gd name="connsiteX7" fmla="*/ 337747 w 1181853"/>
+              <a:gd name="connsiteY7" fmla="*/ 157561 h 2056138"/>
+              <a:gd name="connsiteX8" fmla="*/ 819020 w 1181853"/>
+              <a:gd name="connsiteY8" fmla="*/ 1263846 h 2056138"/>
+              <a:gd name="connsiteX9" fmla="*/ 819020 w 1181853"/>
+              <a:gd name="connsiteY9" fmla="*/ 60473 h 2056138"/>
+              <a:gd name="connsiteX10" fmla="*/ 879493 w 1181853"/>
+              <a:gd name="connsiteY10" fmla="*/ 0 h 2056138"/>
+              <a:gd name="connsiteX11" fmla="*/ 1121380 w 1181853"/>
+              <a:gd name="connsiteY11" fmla="*/ 0 h 2056138"/>
+              <a:gd name="connsiteX12" fmla="*/ 1181853 w 1181853"/>
+              <a:gd name="connsiteY12" fmla="*/ 60473 h 2056138"/>
+              <a:gd name="connsiteX13" fmla="*/ 1181853 w 1181853"/>
+              <a:gd name="connsiteY13" fmla="*/ 1933427 h 2056138"/>
+              <a:gd name="connsiteX14" fmla="*/ 1121380 w 1181853"/>
+              <a:gd name="connsiteY14" fmla="*/ 1993900 h 2056138"/>
+            </a:gdLst>
+            <a:ahLst/>
+            <a:cxnLst>
+              <a:cxn ang="0">
+                <a:pos x="connsiteX0" y="connsiteY0"/>
+              </a:cxn>
+              <a:cxn ang="0">
+                <a:pos x="connsiteX1" y="connsiteY1"/>
+              </a:cxn>
+              <a:cxn ang="0">
+                <a:pos x="connsiteX2" y="connsiteY2"/>
+              </a:cxn>
+              <a:cxn ang="0">
+                <a:pos x="connsiteX3" y="connsiteY3"/>
+              </a:cxn>
+              <a:cxn ang="0">
+                <a:pos x="connsiteX4" y="connsiteY4"/>
+              </a:cxn>
+              <a:cxn ang="0">
+                <a:pos x="connsiteX5" y="connsiteY5"/>
+              </a:cxn>
+              <a:cxn ang="0">
+                <a:pos x="connsiteX6" y="connsiteY6"/>
+              </a:cxn>
+              <a:cxn ang="0">
+                <a:pos x="connsiteX7" y="connsiteY7"/>
+              </a:cxn>
+              <a:cxn ang="0">
+                <a:pos x="connsiteX8" y="connsiteY8"/>
+              </a:cxn>
+              <a:cxn ang="0">
+                <a:pos x="connsiteX9" y="connsiteY9"/>
+              </a:cxn>
+              <a:cxn ang="0">
+                <a:pos x="connsiteX10" y="connsiteY10"/>
+              </a:cxn>
+              <a:cxn ang="0">
+                <a:pos x="connsiteX11" y="connsiteY11"/>
+              </a:cxn>
+              <a:cxn ang="0">
+                <a:pos x="connsiteX12" y="connsiteY12"/>
+              </a:cxn>
+              <a:cxn ang="0">
+                <a:pos x="connsiteX13" y="connsiteY13"/>
+              </a:cxn>
+              <a:cxn ang="0">
+                <a:pos x="connsiteX14" y="connsiteY14"/>
+              </a:cxn>
+            </a:cxnLst>
+            <a:rect l="l" t="t" r="r" b="b"/>
+            <a:pathLst>
+              <a:path w="1181853" h="2056138">
+                <a:moveTo>
+                  <a:pt x="1121380" y="1993900"/>
+                </a:moveTo>
+                <a:lnTo>
+                  <a:pt x="963263" y="1993900"/>
+                </a:lnTo>
+                <a:lnTo>
+                  <a:pt x="831772" y="2051103"/>
+                </a:lnTo>
+                <a:cubicBezTo>
+                  <a:pt x="801147" y="2064426"/>
+                  <a:pt x="765518" y="2050400"/>
+                  <a:pt x="752195" y="2019774"/>
+                </a:cubicBezTo>
+                <a:lnTo>
+                  <a:pt x="5035" y="302303"/>
+                </a:lnTo>
+                <a:cubicBezTo>
+                  <a:pt x="-8288" y="271677"/>
+                  <a:pt x="5738" y="236049"/>
+                  <a:pt x="36364" y="222726"/>
+                </a:cubicBezTo>
+                <a:lnTo>
+                  <a:pt x="258171" y="126232"/>
+                </a:lnTo>
+                <a:cubicBezTo>
+                  <a:pt x="288796" y="112909"/>
+                  <a:pt x="324424" y="126936"/>
+                  <a:pt x="337747" y="157561"/>
+                </a:cubicBezTo>
+                <a:lnTo>
+                  <a:pt x="819020" y="1263846"/>
+                </a:lnTo>
+                <a:lnTo>
+                  <a:pt x="819020" y="60473"/>
+                </a:lnTo>
+                <a:cubicBezTo>
+                  <a:pt x="819020" y="27075"/>
+                  <a:pt x="846095" y="0"/>
+                  <a:pt x="879493" y="0"/>
+                </a:cubicBezTo>
+                <a:lnTo>
+                  <a:pt x="1121380" y="0"/>
+                </a:lnTo>
+                <a:cubicBezTo>
+                  <a:pt x="1154778" y="0"/>
+                  <a:pt x="1181853" y="27075"/>
+                  <a:pt x="1181853" y="60473"/>
+                </a:cubicBezTo>
+                <a:lnTo>
+                  <a:pt x="1181853" y="1933427"/>
+                </a:lnTo>
+                <a:cubicBezTo>
+                  <a:pt x="1181853" y="1966825"/>
+                  <a:pt x="1154778" y="1993900"/>
+                  <a:pt x="1121380" y="1993900"/>
+                </a:cubicBezTo>
+                <a:close/>
+              </a:path>
+            </a:pathLst>
+          </a:custGeom>
+          <a:solidFill>
+            <a:schemeClr val="bg2"/>
+          </a:solidFill>
+          <a:ln>
+            <a:noFill/>
+          </a:ln>
+        </p:spPr>
+        <p:style>
+          <a:lnRef idx="2">
+            <a:schemeClr val="accent1">
+              <a:shade val="50000"/>
+            </a:schemeClr>
+          </a:lnRef>
+          <a:fillRef idx="1">
+            <a:schemeClr val="accent1"/>
+          </a:fillRef>
+          <a:effectRef idx="0">
+            <a:schemeClr val="accent1"/>
+          </a:effectRef>
+          <a:fontRef idx="minor">
+            <a:schemeClr val="lt1"/>
+          </a:fontRef>
+        </p:style>
+        <p:txBody>
+          <a:bodyPr wrap="square" rtlCol="0" anchor="ctr">
+            <a:noAutofit/>
+          </a:bodyPr>
+          <a:lstStyle/>
+          <a:p>
+            <a:pPr algn="ctr"/>
+            <a:endParaRPr lang="en-US"/>
+          </a:p>
+        </p:txBody>
+      </p:sp>
+    </p:spTree>
+    <p:extLst>
+      <p:ext uri="{BB962C8B-B14F-4D97-AF65-F5344CB8AC3E}">
+        <p14:creationId xmlns:p14="http://schemas.microsoft.com/office/powerpoint/2010/main" val="1689337198"/>
+      </p:ext>
+    </p:extLst>
+  </p:cSld>
+  <p:clrMapOvr>
+    <a:masterClrMapping/>
+  </p:clrMapOvr>
+  <mc:AlternateContent xmlns:mc="http://schemas.openxmlformats.org/markup-compatibility/2006" xmlns:p14="http://schemas.microsoft.com/office/powerpoint/2010/main">
+    <mc:Choice Requires="p14">
+      <p:transition spd="med" p14:dur="700" advClick="0" advTm="2000">
+        <p:fade/>
+      </p:transition>
+    </mc:Choice>
+    <mc:Fallback xmlns="">
+      <p:transition spd="med" advClick="0" advTm="2000">
+        <p:fade/>
+      </p:transition>
+    </mc:Fallback>
+  </mc:AlternateContent>
+</p:sld>
+</file>
+
+<file path=ppt/slides/slide40.xml><?xml version="1.0" encoding="utf-8"?>
+<p:sld xmlns:a="http://schemas.openxmlformats.org/drawingml/2006/main" xmlns:r="http://schemas.openxmlformats.org/officeDocument/2006/relationships" xmlns:p="http://schemas.openxmlformats.org/presentationml/2006/main" show="0">
   <p:cSld>
     <p:spTree>
       <p:nvGrpSpPr>
@@ -28901,20 +33097,20 @@
     </p:spTree>
     <p:extLst>
       <p:ext uri="{BB962C8B-B14F-4D97-AF65-F5344CB8AC3E}">
-        <p14:creationId xmlns:p14="http://schemas.microsoft.com/office/powerpoint/2010/main" val="1854315531"/>
+        <p14:creationId xmlns:p14="http://schemas.microsoft.com/office/powerpoint/2010/main" val="2596951235"/>
       </p:ext>
     </p:extLst>
   </p:cSld>
   <p:clrMapOvr>
     <a:masterClrMapping/>
   </p:clrMapOvr>
-  <mc:AlternateContent xmlns:mc="http://schemas.openxmlformats.org/markup-compatibility/2006" xmlns:p159="http://schemas.microsoft.com/office/powerpoint/2015/09/main">
-    <mc:Choice Requires="p159">
+  <mc:AlternateContent xmlns:mc="http://schemas.openxmlformats.org/markup-compatibility/2006">
+    <mc:Choice xmlns:p159="http://schemas.microsoft.com/office/powerpoint/2015/09/main" Requires="p159">
       <p:transition xmlns:p14="http://schemas.microsoft.com/office/powerpoint/2010/main" spd="slow" p14:dur="2000" advClick="0" advTm="24000">
         <p159:morph option="byObject"/>
       </p:transition>
     </mc:Choice>
-    <mc:Fallback xmlns="">
+    <mc:Fallback>
       <p:transition spd="slow" advClick="0" advTm="24000">
         <p:fade/>
       </p:transition>
@@ -29616,7 +33812,7 @@
 </p:sld>
 </file>
 
-<file path=ppt/slides/slide39.xml><?xml version="1.0" encoding="utf-8"?>
+<file path=ppt/slides/slide41.xml><?xml version="1.0" encoding="utf-8"?>
 <p:sld xmlns:a="http://schemas.openxmlformats.org/drawingml/2006/main" xmlns:r="http://schemas.openxmlformats.org/officeDocument/2006/relationships" xmlns:p="http://schemas.openxmlformats.org/presentationml/2006/main">
   <p:cSld>
     <p:spTree>
@@ -30912,925 +35108,7 @@
 </p:sld>
 </file>
 
-<file path=ppt/slides/slide4.xml><?xml version="1.0" encoding="utf-8"?>
-<p:sld xmlns:a="http://schemas.openxmlformats.org/drawingml/2006/main" xmlns:r="http://schemas.openxmlformats.org/officeDocument/2006/relationships" xmlns:p="http://schemas.openxmlformats.org/presentationml/2006/main">
-  <p:cSld>
-    <p:spTree>
-      <p:nvGrpSpPr>
-        <p:cNvPr id="1" name=""/>
-        <p:cNvGrpSpPr/>
-        <p:nvPr/>
-      </p:nvGrpSpPr>
-      <p:grpSpPr>
-        <a:xfrm>
-          <a:off x="0" y="0"/>
-          <a:ext cx="0" cy="0"/>
-          <a:chOff x="0" y="0"/>
-          <a:chExt cx="0" cy="0"/>
-        </a:xfrm>
-      </p:grpSpPr>
-      <p:pic>
-        <p:nvPicPr>
-          <p:cNvPr id="15" name="Graphic 14" descr="Feather with solid fill">
-            <a:extLst>
-              <a:ext uri="{FF2B5EF4-FFF2-40B4-BE49-F238E27FC236}">
-                <a16:creationId xmlns:a16="http://schemas.microsoft.com/office/drawing/2014/main" id="{523A7827-658C-1099-4AD9-3BED93211633}"/>
-              </a:ext>
-            </a:extLst>
-          </p:cNvPr>
-          <p:cNvPicPr>
-            <a:picLocks noChangeAspect="1"/>
-          </p:cNvPicPr>
-          <p:nvPr/>
-        </p:nvPicPr>
-        <p:blipFill>
-          <a:blip r:embed="rId3">
-            <a:extLst>
-              <a:ext uri="{28A0092B-C50C-407E-A947-70E740481C1C}">
-                <a14:useLocalDpi xmlns:a14="http://schemas.microsoft.com/office/drawing/2010/main" val="0"/>
-              </a:ext>
-              <a:ext uri="{96DAC541-7B7A-43D3-8B79-37D633B846F1}">
-                <asvg:svgBlip xmlns:asvg="http://schemas.microsoft.com/office/drawing/2016/SVG/main" r:embed="rId4"/>
-              </a:ext>
-            </a:extLst>
-          </a:blip>
-          <a:stretch>
-            <a:fillRect/>
-          </a:stretch>
-        </p:blipFill>
-        <p:spPr>
-          <a:xfrm>
-            <a:off x="3874710" y="3405327"/>
-            <a:ext cx="977314" cy="977314"/>
-          </a:xfrm>
-          <a:prstGeom prst="rect">
-            <a:avLst/>
-          </a:prstGeom>
-        </p:spPr>
-      </p:pic>
-      <p:sp>
-        <p:nvSpPr>
-          <p:cNvPr id="26" name="TextBox 25">
-            <a:extLst>
-              <a:ext uri="{FF2B5EF4-FFF2-40B4-BE49-F238E27FC236}">
-                <a16:creationId xmlns:a16="http://schemas.microsoft.com/office/drawing/2014/main" id="{C746E9D4-A326-0C01-D5FF-60A0641CA108}"/>
-              </a:ext>
-            </a:extLst>
-          </p:cNvPr>
-          <p:cNvSpPr txBox="1"/>
-          <p:nvPr/>
-        </p:nvSpPr>
-        <p:spPr>
-          <a:xfrm>
-            <a:off x="6709863" y="3386153"/>
-            <a:ext cx="2781161" cy="1015663"/>
-          </a:xfrm>
-          <a:prstGeom prst="rect">
-            <a:avLst/>
-          </a:prstGeom>
-          <a:noFill/>
-        </p:spPr>
-        <p:txBody>
-          <a:bodyPr wrap="square" rtlCol="0">
-            <a:spAutoFit/>
-          </a:bodyPr>
-          <a:lstStyle/>
-          <a:p>
-            <a:r>
-              <a:rPr lang="tr-TR" sz="6000" b="1" dirty="0">
-                <a:solidFill>
-                  <a:schemeClr val="accent2"/>
-                </a:solidFill>
-                <a:latin typeface="Century Gothic" panose="020B0502020202020204" pitchFamily="34" charset="0"/>
-              </a:rPr>
-              <a:t>JSON</a:t>
-            </a:r>
-            <a:endParaRPr lang="en-US" sz="6000" b="1" dirty="0">
-              <a:solidFill>
-                <a:schemeClr val="accent2"/>
-              </a:solidFill>
-              <a:latin typeface="Century Gothic" panose="020B0502020202020204" pitchFamily="34" charset="0"/>
-            </a:endParaRPr>
-          </a:p>
-        </p:txBody>
-      </p:sp>
-      <p:sp>
-        <p:nvSpPr>
-          <p:cNvPr id="11" name="Freeform: Shape 10">
-            <a:extLst>
-              <a:ext uri="{FF2B5EF4-FFF2-40B4-BE49-F238E27FC236}">
-                <a16:creationId xmlns:a16="http://schemas.microsoft.com/office/drawing/2014/main" id="{E3FFFF58-AAEF-3D55-A1BC-A363502F4A62}"/>
-              </a:ext>
-            </a:extLst>
-          </p:cNvPr>
-          <p:cNvSpPr/>
-          <p:nvPr/>
-        </p:nvSpPr>
-        <p:spPr>
-          <a:xfrm>
-            <a:off x="3754793" y="4355467"/>
-            <a:ext cx="1445914" cy="361478"/>
-          </a:xfrm>
-          <a:custGeom>
-            <a:avLst/>
-            <a:gdLst>
-              <a:gd name="connsiteX0" fmla="*/ 1445915 w 1445914"/>
-              <a:gd name="connsiteY0" fmla="*/ 0 h 361478"/>
-              <a:gd name="connsiteX1" fmla="*/ 0 w 1445914"/>
-              <a:gd name="connsiteY1" fmla="*/ 0 h 361478"/>
-              <a:gd name="connsiteX2" fmla="*/ 722957 w 1445914"/>
-              <a:gd name="connsiteY2" fmla="*/ 361479 h 361478"/>
-              <a:gd name="connsiteX3" fmla="*/ 1445915 w 1445914"/>
-              <a:gd name="connsiteY3" fmla="*/ 0 h 361478"/>
-            </a:gdLst>
-            <a:ahLst/>
-            <a:cxnLst>
-              <a:cxn ang="0">
-                <a:pos x="connsiteX0" y="connsiteY0"/>
-              </a:cxn>
-              <a:cxn ang="0">
-                <a:pos x="connsiteX1" y="connsiteY1"/>
-              </a:cxn>
-              <a:cxn ang="0">
-                <a:pos x="connsiteX2" y="connsiteY2"/>
-              </a:cxn>
-              <a:cxn ang="0">
-                <a:pos x="connsiteX3" y="connsiteY3"/>
-              </a:cxn>
-            </a:cxnLst>
-            <a:rect l="l" t="t" r="r" b="b"/>
-            <a:pathLst>
-              <a:path w="1445914" h="361478">
-                <a:moveTo>
-                  <a:pt x="1445915" y="0"/>
-                </a:moveTo>
-                <a:lnTo>
-                  <a:pt x="0" y="0"/>
-                </a:lnTo>
-                <a:cubicBezTo>
-                  <a:pt x="0" y="198813"/>
-                  <a:pt x="325331" y="361479"/>
-                  <a:pt x="722957" y="361479"/>
-                </a:cubicBezTo>
-                <a:cubicBezTo>
-                  <a:pt x="1120584" y="361479"/>
-                  <a:pt x="1445915" y="198813"/>
-                  <a:pt x="1445915" y="0"/>
-                </a:cubicBezTo>
-                <a:close/>
-              </a:path>
-            </a:pathLst>
-          </a:custGeom>
-          <a:solidFill>
-            <a:schemeClr val="bg2"/>
-          </a:solidFill>
-          <a:ln w="60226" cap="flat">
-            <a:noFill/>
-            <a:prstDash val="solid"/>
-            <a:miter/>
-          </a:ln>
-        </p:spPr>
-        <p:txBody>
-          <a:bodyPr rtlCol="0" anchor="ctr"/>
-          <a:lstStyle/>
-          <a:p>
-            <a:endParaRPr lang="en-US"/>
-          </a:p>
-        </p:txBody>
-      </p:sp>
-      <p:sp>
-        <p:nvSpPr>
-          <p:cNvPr id="12" name="Freeform: Shape 11">
-            <a:extLst>
-              <a:ext uri="{FF2B5EF4-FFF2-40B4-BE49-F238E27FC236}">
-                <a16:creationId xmlns:a16="http://schemas.microsoft.com/office/drawing/2014/main" id="{6B4534D1-59E1-56A4-4996-6F76134C1EAF}"/>
-              </a:ext>
-            </a:extLst>
-          </p:cNvPr>
-          <p:cNvSpPr/>
-          <p:nvPr/>
-        </p:nvSpPr>
-        <p:spPr>
-          <a:xfrm>
-            <a:off x="7092321" y="4355467"/>
-            <a:ext cx="1445914" cy="361478"/>
-          </a:xfrm>
-          <a:custGeom>
-            <a:avLst/>
-            <a:gdLst>
-              <a:gd name="connsiteX0" fmla="*/ 0 w 1445914"/>
-              <a:gd name="connsiteY0" fmla="*/ 0 h 361478"/>
-              <a:gd name="connsiteX1" fmla="*/ 722957 w 1445914"/>
-              <a:gd name="connsiteY1" fmla="*/ 361479 h 361478"/>
-              <a:gd name="connsiteX2" fmla="*/ 1445915 w 1445914"/>
-              <a:gd name="connsiteY2" fmla="*/ 0 h 361478"/>
-              <a:gd name="connsiteX3" fmla="*/ 0 w 1445914"/>
-              <a:gd name="connsiteY3" fmla="*/ 0 h 361478"/>
-            </a:gdLst>
-            <a:ahLst/>
-            <a:cxnLst>
-              <a:cxn ang="0">
-                <a:pos x="connsiteX0" y="connsiteY0"/>
-              </a:cxn>
-              <a:cxn ang="0">
-                <a:pos x="connsiteX1" y="connsiteY1"/>
-              </a:cxn>
-              <a:cxn ang="0">
-                <a:pos x="connsiteX2" y="connsiteY2"/>
-              </a:cxn>
-              <a:cxn ang="0">
-                <a:pos x="connsiteX3" y="connsiteY3"/>
-              </a:cxn>
-            </a:cxnLst>
-            <a:rect l="l" t="t" r="r" b="b"/>
-            <a:pathLst>
-              <a:path w="1445914" h="361478">
-                <a:moveTo>
-                  <a:pt x="0" y="0"/>
-                </a:moveTo>
-                <a:cubicBezTo>
-                  <a:pt x="0" y="198813"/>
-                  <a:pt x="325331" y="361479"/>
-                  <a:pt x="722957" y="361479"/>
-                </a:cubicBezTo>
-                <a:cubicBezTo>
-                  <a:pt x="1120584" y="361479"/>
-                  <a:pt x="1445915" y="198813"/>
-                  <a:pt x="1445915" y="0"/>
-                </a:cubicBezTo>
-                <a:lnTo>
-                  <a:pt x="0" y="0"/>
-                </a:lnTo>
-                <a:close/>
-              </a:path>
-            </a:pathLst>
-          </a:custGeom>
-          <a:solidFill>
-            <a:schemeClr val="bg2"/>
-          </a:solidFill>
-          <a:ln w="60226" cap="flat">
-            <a:noFill/>
-            <a:prstDash val="solid"/>
-            <a:miter/>
-          </a:ln>
-        </p:spPr>
-        <p:txBody>
-          <a:bodyPr rtlCol="0" anchor="ctr"/>
-          <a:lstStyle/>
-          <a:p>
-            <a:endParaRPr lang="en-US"/>
-          </a:p>
-        </p:txBody>
-      </p:sp>
-      <p:sp>
-        <p:nvSpPr>
-          <p:cNvPr id="28" name="Rectangle: Rounded Corners 27">
-            <a:extLst>
-              <a:ext uri="{FF2B5EF4-FFF2-40B4-BE49-F238E27FC236}">
-                <a16:creationId xmlns:a16="http://schemas.microsoft.com/office/drawing/2014/main" id="{3157117C-A813-FC82-2E23-3AE123B242E3}"/>
-              </a:ext>
-            </a:extLst>
-          </p:cNvPr>
-          <p:cNvSpPr/>
-          <p:nvPr/>
-        </p:nvSpPr>
-        <p:spPr>
-          <a:xfrm>
-            <a:off x="5944498" y="1216963"/>
-            <a:ext cx="362833" cy="3996267"/>
-          </a:xfrm>
-          <a:prstGeom prst="roundRect">
-            <a:avLst/>
-          </a:prstGeom>
-          <a:solidFill>
-            <a:schemeClr val="bg2"/>
-          </a:solidFill>
-          <a:ln>
-            <a:noFill/>
-          </a:ln>
-        </p:spPr>
-        <p:style>
-          <a:lnRef idx="2">
-            <a:schemeClr val="accent1">
-              <a:shade val="50000"/>
-            </a:schemeClr>
-          </a:lnRef>
-          <a:fillRef idx="1">
-            <a:schemeClr val="accent1"/>
-          </a:fillRef>
-          <a:effectRef idx="0">
-            <a:schemeClr val="accent1"/>
-          </a:effectRef>
-          <a:fontRef idx="minor">
-            <a:schemeClr val="lt1"/>
-          </a:fontRef>
-        </p:style>
-        <p:txBody>
-          <a:bodyPr rtlCol="0" anchor="ctr"/>
-          <a:lstStyle/>
-          <a:p>
-            <a:pPr algn="ctr"/>
-            <a:endParaRPr lang="en-US"/>
-          </a:p>
-        </p:txBody>
-      </p:sp>
-      <p:sp>
-        <p:nvSpPr>
-          <p:cNvPr id="30" name="Rectangle: Rounded Corners 29">
-            <a:extLst>
-              <a:ext uri="{FF2B5EF4-FFF2-40B4-BE49-F238E27FC236}">
-                <a16:creationId xmlns:a16="http://schemas.microsoft.com/office/drawing/2014/main" id="{04A92E2E-BCE3-0897-0301-3A2751683BCA}"/>
-              </a:ext>
-            </a:extLst>
-          </p:cNvPr>
-          <p:cNvSpPr/>
-          <p:nvPr/>
-        </p:nvSpPr>
-        <p:spPr>
-          <a:xfrm rot="16200000">
-            <a:off x="5922440" y="-623624"/>
-            <a:ext cx="347121" cy="4883909"/>
-          </a:xfrm>
-          <a:prstGeom prst="roundRect">
-            <a:avLst/>
-          </a:prstGeom>
-          <a:solidFill>
-            <a:schemeClr val="bg2"/>
-          </a:solidFill>
-          <a:ln>
-            <a:noFill/>
-          </a:ln>
-        </p:spPr>
-        <p:style>
-          <a:lnRef idx="2">
-            <a:schemeClr val="accent1">
-              <a:shade val="50000"/>
-            </a:schemeClr>
-          </a:lnRef>
-          <a:fillRef idx="1">
-            <a:schemeClr val="accent1"/>
-          </a:fillRef>
-          <a:effectRef idx="0">
-            <a:schemeClr val="accent1"/>
-          </a:effectRef>
-          <a:fontRef idx="minor">
-            <a:schemeClr val="lt1"/>
-          </a:fontRef>
-        </p:style>
-        <p:txBody>
-          <a:bodyPr rtlCol="0" anchor="ctr"/>
-          <a:lstStyle/>
-          <a:p>
-            <a:pPr algn="ctr"/>
-            <a:endParaRPr lang="en-US"/>
-          </a:p>
-        </p:txBody>
-      </p:sp>
-      <p:sp>
-        <p:nvSpPr>
-          <p:cNvPr id="40" name="Freeform: Shape 39">
-            <a:extLst>
-              <a:ext uri="{FF2B5EF4-FFF2-40B4-BE49-F238E27FC236}">
-                <a16:creationId xmlns:a16="http://schemas.microsoft.com/office/drawing/2014/main" id="{A99E45CF-1C45-6A6D-224A-1B3B321E763C}"/>
-              </a:ext>
-            </a:extLst>
-          </p:cNvPr>
-          <p:cNvSpPr/>
-          <p:nvPr/>
-        </p:nvSpPr>
-        <p:spPr>
-          <a:xfrm rot="11485333">
-            <a:off x="4020250" y="1809025"/>
-            <a:ext cx="1181853" cy="1685758"/>
-          </a:xfrm>
-          <a:custGeom>
-            <a:avLst/>
-            <a:gdLst>
-              <a:gd name="connsiteX0" fmla="*/ 1121380 w 1181853"/>
-              <a:gd name="connsiteY0" fmla="*/ 1993900 h 2056138"/>
-              <a:gd name="connsiteX1" fmla="*/ 963263 w 1181853"/>
-              <a:gd name="connsiteY1" fmla="*/ 1993900 h 2056138"/>
-              <a:gd name="connsiteX2" fmla="*/ 831772 w 1181853"/>
-              <a:gd name="connsiteY2" fmla="*/ 2051103 h 2056138"/>
-              <a:gd name="connsiteX3" fmla="*/ 752195 w 1181853"/>
-              <a:gd name="connsiteY3" fmla="*/ 2019774 h 2056138"/>
-              <a:gd name="connsiteX4" fmla="*/ 5035 w 1181853"/>
-              <a:gd name="connsiteY4" fmla="*/ 302303 h 2056138"/>
-              <a:gd name="connsiteX5" fmla="*/ 36364 w 1181853"/>
-              <a:gd name="connsiteY5" fmla="*/ 222726 h 2056138"/>
-              <a:gd name="connsiteX6" fmla="*/ 258171 w 1181853"/>
-              <a:gd name="connsiteY6" fmla="*/ 126232 h 2056138"/>
-              <a:gd name="connsiteX7" fmla="*/ 337747 w 1181853"/>
-              <a:gd name="connsiteY7" fmla="*/ 157561 h 2056138"/>
-              <a:gd name="connsiteX8" fmla="*/ 819020 w 1181853"/>
-              <a:gd name="connsiteY8" fmla="*/ 1263846 h 2056138"/>
-              <a:gd name="connsiteX9" fmla="*/ 819020 w 1181853"/>
-              <a:gd name="connsiteY9" fmla="*/ 60473 h 2056138"/>
-              <a:gd name="connsiteX10" fmla="*/ 879493 w 1181853"/>
-              <a:gd name="connsiteY10" fmla="*/ 0 h 2056138"/>
-              <a:gd name="connsiteX11" fmla="*/ 1121380 w 1181853"/>
-              <a:gd name="connsiteY11" fmla="*/ 0 h 2056138"/>
-              <a:gd name="connsiteX12" fmla="*/ 1181853 w 1181853"/>
-              <a:gd name="connsiteY12" fmla="*/ 60473 h 2056138"/>
-              <a:gd name="connsiteX13" fmla="*/ 1181853 w 1181853"/>
-              <a:gd name="connsiteY13" fmla="*/ 1933427 h 2056138"/>
-              <a:gd name="connsiteX14" fmla="*/ 1121380 w 1181853"/>
-              <a:gd name="connsiteY14" fmla="*/ 1993900 h 2056138"/>
-            </a:gdLst>
-            <a:ahLst/>
-            <a:cxnLst>
-              <a:cxn ang="0">
-                <a:pos x="connsiteX0" y="connsiteY0"/>
-              </a:cxn>
-              <a:cxn ang="0">
-                <a:pos x="connsiteX1" y="connsiteY1"/>
-              </a:cxn>
-              <a:cxn ang="0">
-                <a:pos x="connsiteX2" y="connsiteY2"/>
-              </a:cxn>
-              <a:cxn ang="0">
-                <a:pos x="connsiteX3" y="connsiteY3"/>
-              </a:cxn>
-              <a:cxn ang="0">
-                <a:pos x="connsiteX4" y="connsiteY4"/>
-              </a:cxn>
-              <a:cxn ang="0">
-                <a:pos x="connsiteX5" y="connsiteY5"/>
-              </a:cxn>
-              <a:cxn ang="0">
-                <a:pos x="connsiteX6" y="connsiteY6"/>
-              </a:cxn>
-              <a:cxn ang="0">
-                <a:pos x="connsiteX7" y="connsiteY7"/>
-              </a:cxn>
-              <a:cxn ang="0">
-                <a:pos x="connsiteX8" y="connsiteY8"/>
-              </a:cxn>
-              <a:cxn ang="0">
-                <a:pos x="connsiteX9" y="connsiteY9"/>
-              </a:cxn>
-              <a:cxn ang="0">
-                <a:pos x="connsiteX10" y="connsiteY10"/>
-              </a:cxn>
-              <a:cxn ang="0">
-                <a:pos x="connsiteX11" y="connsiteY11"/>
-              </a:cxn>
-              <a:cxn ang="0">
-                <a:pos x="connsiteX12" y="connsiteY12"/>
-              </a:cxn>
-              <a:cxn ang="0">
-                <a:pos x="connsiteX13" y="connsiteY13"/>
-              </a:cxn>
-              <a:cxn ang="0">
-                <a:pos x="connsiteX14" y="connsiteY14"/>
-              </a:cxn>
-            </a:cxnLst>
-            <a:rect l="l" t="t" r="r" b="b"/>
-            <a:pathLst>
-              <a:path w="1181853" h="2056138">
-                <a:moveTo>
-                  <a:pt x="1121380" y="1993900"/>
-                </a:moveTo>
-                <a:lnTo>
-                  <a:pt x="963263" y="1993900"/>
-                </a:lnTo>
-                <a:lnTo>
-                  <a:pt x="831772" y="2051103"/>
-                </a:lnTo>
-                <a:cubicBezTo>
-                  <a:pt x="801147" y="2064426"/>
-                  <a:pt x="765518" y="2050400"/>
-                  <a:pt x="752195" y="2019774"/>
-                </a:cubicBezTo>
-                <a:lnTo>
-                  <a:pt x="5035" y="302303"/>
-                </a:lnTo>
-                <a:cubicBezTo>
-                  <a:pt x="-8288" y="271677"/>
-                  <a:pt x="5738" y="236049"/>
-                  <a:pt x="36364" y="222726"/>
-                </a:cubicBezTo>
-                <a:lnTo>
-                  <a:pt x="258171" y="126232"/>
-                </a:lnTo>
-                <a:cubicBezTo>
-                  <a:pt x="288796" y="112909"/>
-                  <a:pt x="324424" y="126936"/>
-                  <a:pt x="337747" y="157561"/>
-                </a:cubicBezTo>
-                <a:lnTo>
-                  <a:pt x="819020" y="1263846"/>
-                </a:lnTo>
-                <a:lnTo>
-                  <a:pt x="819020" y="60473"/>
-                </a:lnTo>
-                <a:cubicBezTo>
-                  <a:pt x="819020" y="27075"/>
-                  <a:pt x="846095" y="0"/>
-                  <a:pt x="879493" y="0"/>
-                </a:cubicBezTo>
-                <a:lnTo>
-                  <a:pt x="1121380" y="0"/>
-                </a:lnTo>
-                <a:cubicBezTo>
-                  <a:pt x="1154778" y="0"/>
-                  <a:pt x="1181853" y="27075"/>
-                  <a:pt x="1181853" y="60473"/>
-                </a:cubicBezTo>
-                <a:lnTo>
-                  <a:pt x="1181853" y="1933427"/>
-                </a:lnTo>
-                <a:cubicBezTo>
-                  <a:pt x="1181853" y="1966825"/>
-                  <a:pt x="1154778" y="1993900"/>
-                  <a:pt x="1121380" y="1993900"/>
-                </a:cubicBezTo>
-                <a:close/>
-              </a:path>
-            </a:pathLst>
-          </a:custGeom>
-          <a:solidFill>
-            <a:schemeClr val="bg2"/>
-          </a:solidFill>
-          <a:ln>
-            <a:noFill/>
-          </a:ln>
-        </p:spPr>
-        <p:style>
-          <a:lnRef idx="2">
-            <a:schemeClr val="accent1">
-              <a:shade val="50000"/>
-            </a:schemeClr>
-          </a:lnRef>
-          <a:fillRef idx="1">
-            <a:schemeClr val="accent1"/>
-          </a:fillRef>
-          <a:effectRef idx="0">
-            <a:schemeClr val="accent1"/>
-          </a:effectRef>
-          <a:fontRef idx="minor">
-            <a:schemeClr val="lt1"/>
-          </a:fontRef>
-        </p:style>
-        <p:txBody>
-          <a:bodyPr wrap="square" rtlCol="0" anchor="ctr">
-            <a:noAutofit/>
-          </a:bodyPr>
-          <a:lstStyle/>
-          <a:p>
-            <a:pPr algn="ctr"/>
-            <a:endParaRPr lang="en-US" dirty="0"/>
-          </a:p>
-        </p:txBody>
-      </p:sp>
-      <p:grpSp>
-        <p:nvGrpSpPr>
-          <p:cNvPr id="2" name="Group 1">
-            <a:extLst>
-              <a:ext uri="{FF2B5EF4-FFF2-40B4-BE49-F238E27FC236}">
-                <a16:creationId xmlns:a16="http://schemas.microsoft.com/office/drawing/2014/main" id="{5DF75C2E-2392-6D86-851E-F4A1CD78979F}"/>
-              </a:ext>
-            </a:extLst>
-          </p:cNvPr>
-          <p:cNvGrpSpPr/>
-          <p:nvPr/>
-        </p:nvGrpSpPr>
-        <p:grpSpPr>
-          <a:xfrm>
-            <a:off x="4653283" y="5213824"/>
-            <a:ext cx="2945264" cy="582985"/>
-            <a:chOff x="4653283" y="5213824"/>
-            <a:chExt cx="2945264" cy="582985"/>
-          </a:xfrm>
-        </p:grpSpPr>
-        <p:sp>
-          <p:nvSpPr>
-            <p:cNvPr id="36" name="Rectangle: Rounded Corners 35">
-              <a:extLst>
-                <a:ext uri="{FF2B5EF4-FFF2-40B4-BE49-F238E27FC236}">
-                  <a16:creationId xmlns:a16="http://schemas.microsoft.com/office/drawing/2014/main" id="{D8281AAB-998F-FAB5-7879-51A83FEB0AC7}"/>
-                </a:ext>
-              </a:extLst>
-            </p:cNvPr>
-            <p:cNvSpPr/>
-            <p:nvPr/>
-          </p:nvSpPr>
-          <p:spPr>
-            <a:xfrm rot="16200000">
-              <a:off x="5944498" y="4398291"/>
-              <a:ext cx="362833" cy="1993900"/>
-            </a:xfrm>
-            <a:prstGeom prst="roundRect">
-              <a:avLst/>
-            </a:prstGeom>
-            <a:solidFill>
-              <a:schemeClr val="bg2"/>
-            </a:solidFill>
-            <a:ln>
-              <a:noFill/>
-            </a:ln>
-          </p:spPr>
-          <p:style>
-            <a:lnRef idx="2">
-              <a:schemeClr val="accent1">
-                <a:shade val="50000"/>
-              </a:schemeClr>
-            </a:lnRef>
-            <a:fillRef idx="1">
-              <a:schemeClr val="accent1"/>
-            </a:fillRef>
-            <a:effectRef idx="0">
-              <a:schemeClr val="accent1"/>
-            </a:effectRef>
-            <a:fontRef idx="minor">
-              <a:schemeClr val="lt1"/>
-            </a:fontRef>
-          </p:style>
-          <p:txBody>
-            <a:bodyPr rtlCol="0" anchor="ctr"/>
-            <a:lstStyle/>
-            <a:p>
-              <a:pPr algn="ctr"/>
-              <a:endParaRPr lang="en-US"/>
-            </a:p>
-          </p:txBody>
-        </p:sp>
-        <p:sp>
-          <p:nvSpPr>
-            <p:cNvPr id="37" name="Rectangle: Rounded Corners 36">
-              <a:extLst>
-                <a:ext uri="{FF2B5EF4-FFF2-40B4-BE49-F238E27FC236}">
-                  <a16:creationId xmlns:a16="http://schemas.microsoft.com/office/drawing/2014/main" id="{B5C2BC3D-FF7A-D1AB-828C-72090CCDB438}"/>
-                </a:ext>
-              </a:extLst>
-            </p:cNvPr>
-            <p:cNvSpPr/>
-            <p:nvPr/>
-          </p:nvSpPr>
-          <p:spPr>
-            <a:xfrm rot="16200000">
-              <a:off x="5944498" y="4142761"/>
-              <a:ext cx="362833" cy="2945264"/>
-            </a:xfrm>
-            <a:prstGeom prst="roundRect">
-              <a:avLst/>
-            </a:prstGeom>
-            <a:solidFill>
-              <a:schemeClr val="bg2"/>
-            </a:solidFill>
-            <a:ln>
-              <a:noFill/>
-            </a:ln>
-          </p:spPr>
-          <p:style>
-            <a:lnRef idx="2">
-              <a:schemeClr val="accent1">
-                <a:shade val="50000"/>
-              </a:schemeClr>
-            </a:lnRef>
-            <a:fillRef idx="1">
-              <a:schemeClr val="accent1"/>
-            </a:fillRef>
-            <a:effectRef idx="0">
-              <a:schemeClr val="accent1"/>
-            </a:effectRef>
-            <a:fontRef idx="minor">
-              <a:schemeClr val="lt1"/>
-            </a:fontRef>
-          </p:style>
-          <p:txBody>
-            <a:bodyPr rtlCol="0" anchor="ctr"/>
-            <a:lstStyle/>
-            <a:p>
-              <a:pPr algn="ctr"/>
-              <a:endParaRPr lang="en-US"/>
-            </a:p>
-          </p:txBody>
-        </p:sp>
-      </p:grpSp>
-      <p:sp>
-        <p:nvSpPr>
-          <p:cNvPr id="43" name="Freeform: Shape 42">
-            <a:extLst>
-              <a:ext uri="{FF2B5EF4-FFF2-40B4-BE49-F238E27FC236}">
-                <a16:creationId xmlns:a16="http://schemas.microsoft.com/office/drawing/2014/main" id="{E4731A73-B0AA-2458-B1FD-9B14BAEBEA9F}"/>
-              </a:ext>
-            </a:extLst>
-          </p:cNvPr>
-          <p:cNvSpPr/>
-          <p:nvPr/>
-        </p:nvSpPr>
-        <p:spPr>
-          <a:xfrm rot="11485333">
-            <a:off x="7389837" y="1809025"/>
-            <a:ext cx="1181853" cy="1685758"/>
-          </a:xfrm>
-          <a:custGeom>
-            <a:avLst/>
-            <a:gdLst>
-              <a:gd name="connsiteX0" fmla="*/ 1121380 w 1181853"/>
-              <a:gd name="connsiteY0" fmla="*/ 1993900 h 2056138"/>
-              <a:gd name="connsiteX1" fmla="*/ 963263 w 1181853"/>
-              <a:gd name="connsiteY1" fmla="*/ 1993900 h 2056138"/>
-              <a:gd name="connsiteX2" fmla="*/ 831772 w 1181853"/>
-              <a:gd name="connsiteY2" fmla="*/ 2051103 h 2056138"/>
-              <a:gd name="connsiteX3" fmla="*/ 752195 w 1181853"/>
-              <a:gd name="connsiteY3" fmla="*/ 2019774 h 2056138"/>
-              <a:gd name="connsiteX4" fmla="*/ 5035 w 1181853"/>
-              <a:gd name="connsiteY4" fmla="*/ 302303 h 2056138"/>
-              <a:gd name="connsiteX5" fmla="*/ 36364 w 1181853"/>
-              <a:gd name="connsiteY5" fmla="*/ 222726 h 2056138"/>
-              <a:gd name="connsiteX6" fmla="*/ 258171 w 1181853"/>
-              <a:gd name="connsiteY6" fmla="*/ 126232 h 2056138"/>
-              <a:gd name="connsiteX7" fmla="*/ 337747 w 1181853"/>
-              <a:gd name="connsiteY7" fmla="*/ 157561 h 2056138"/>
-              <a:gd name="connsiteX8" fmla="*/ 819020 w 1181853"/>
-              <a:gd name="connsiteY8" fmla="*/ 1263846 h 2056138"/>
-              <a:gd name="connsiteX9" fmla="*/ 819020 w 1181853"/>
-              <a:gd name="connsiteY9" fmla="*/ 60473 h 2056138"/>
-              <a:gd name="connsiteX10" fmla="*/ 879493 w 1181853"/>
-              <a:gd name="connsiteY10" fmla="*/ 0 h 2056138"/>
-              <a:gd name="connsiteX11" fmla="*/ 1121380 w 1181853"/>
-              <a:gd name="connsiteY11" fmla="*/ 0 h 2056138"/>
-              <a:gd name="connsiteX12" fmla="*/ 1181853 w 1181853"/>
-              <a:gd name="connsiteY12" fmla="*/ 60473 h 2056138"/>
-              <a:gd name="connsiteX13" fmla="*/ 1181853 w 1181853"/>
-              <a:gd name="connsiteY13" fmla="*/ 1933427 h 2056138"/>
-              <a:gd name="connsiteX14" fmla="*/ 1121380 w 1181853"/>
-              <a:gd name="connsiteY14" fmla="*/ 1993900 h 2056138"/>
-            </a:gdLst>
-            <a:ahLst/>
-            <a:cxnLst>
-              <a:cxn ang="0">
-                <a:pos x="connsiteX0" y="connsiteY0"/>
-              </a:cxn>
-              <a:cxn ang="0">
-                <a:pos x="connsiteX1" y="connsiteY1"/>
-              </a:cxn>
-              <a:cxn ang="0">
-                <a:pos x="connsiteX2" y="connsiteY2"/>
-              </a:cxn>
-              <a:cxn ang="0">
-                <a:pos x="connsiteX3" y="connsiteY3"/>
-              </a:cxn>
-              <a:cxn ang="0">
-                <a:pos x="connsiteX4" y="connsiteY4"/>
-              </a:cxn>
-              <a:cxn ang="0">
-                <a:pos x="connsiteX5" y="connsiteY5"/>
-              </a:cxn>
-              <a:cxn ang="0">
-                <a:pos x="connsiteX6" y="connsiteY6"/>
-              </a:cxn>
-              <a:cxn ang="0">
-                <a:pos x="connsiteX7" y="connsiteY7"/>
-              </a:cxn>
-              <a:cxn ang="0">
-                <a:pos x="connsiteX8" y="connsiteY8"/>
-              </a:cxn>
-              <a:cxn ang="0">
-                <a:pos x="connsiteX9" y="connsiteY9"/>
-              </a:cxn>
-              <a:cxn ang="0">
-                <a:pos x="connsiteX10" y="connsiteY10"/>
-              </a:cxn>
-              <a:cxn ang="0">
-                <a:pos x="connsiteX11" y="connsiteY11"/>
-              </a:cxn>
-              <a:cxn ang="0">
-                <a:pos x="connsiteX12" y="connsiteY12"/>
-              </a:cxn>
-              <a:cxn ang="0">
-                <a:pos x="connsiteX13" y="connsiteY13"/>
-              </a:cxn>
-              <a:cxn ang="0">
-                <a:pos x="connsiteX14" y="connsiteY14"/>
-              </a:cxn>
-            </a:cxnLst>
-            <a:rect l="l" t="t" r="r" b="b"/>
-            <a:pathLst>
-              <a:path w="1181853" h="2056138">
-                <a:moveTo>
-                  <a:pt x="1121380" y="1993900"/>
-                </a:moveTo>
-                <a:lnTo>
-                  <a:pt x="963263" y="1993900"/>
-                </a:lnTo>
-                <a:lnTo>
-                  <a:pt x="831772" y="2051103"/>
-                </a:lnTo>
-                <a:cubicBezTo>
-                  <a:pt x="801147" y="2064426"/>
-                  <a:pt x="765518" y="2050400"/>
-                  <a:pt x="752195" y="2019774"/>
-                </a:cubicBezTo>
-                <a:lnTo>
-                  <a:pt x="5035" y="302303"/>
-                </a:lnTo>
-                <a:cubicBezTo>
-                  <a:pt x="-8288" y="271677"/>
-                  <a:pt x="5738" y="236049"/>
-                  <a:pt x="36364" y="222726"/>
-                </a:cubicBezTo>
-                <a:lnTo>
-                  <a:pt x="258171" y="126232"/>
-                </a:lnTo>
-                <a:cubicBezTo>
-                  <a:pt x="288796" y="112909"/>
-                  <a:pt x="324424" y="126936"/>
-                  <a:pt x="337747" y="157561"/>
-                </a:cubicBezTo>
-                <a:lnTo>
-                  <a:pt x="819020" y="1263846"/>
-                </a:lnTo>
-                <a:lnTo>
-                  <a:pt x="819020" y="60473"/>
-                </a:lnTo>
-                <a:cubicBezTo>
-                  <a:pt x="819020" y="27075"/>
-                  <a:pt x="846095" y="0"/>
-                  <a:pt x="879493" y="0"/>
-                </a:cubicBezTo>
-                <a:lnTo>
-                  <a:pt x="1121380" y="0"/>
-                </a:lnTo>
-                <a:cubicBezTo>
-                  <a:pt x="1154778" y="0"/>
-                  <a:pt x="1181853" y="27075"/>
-                  <a:pt x="1181853" y="60473"/>
-                </a:cubicBezTo>
-                <a:lnTo>
-                  <a:pt x="1181853" y="1933427"/>
-                </a:lnTo>
-                <a:cubicBezTo>
-                  <a:pt x="1181853" y="1966825"/>
-                  <a:pt x="1154778" y="1993900"/>
-                  <a:pt x="1121380" y="1993900"/>
-                </a:cubicBezTo>
-                <a:close/>
-              </a:path>
-            </a:pathLst>
-          </a:custGeom>
-          <a:solidFill>
-            <a:schemeClr val="bg2"/>
-          </a:solidFill>
-          <a:ln>
-            <a:noFill/>
-          </a:ln>
-        </p:spPr>
-        <p:style>
-          <a:lnRef idx="2">
-            <a:schemeClr val="accent1">
-              <a:shade val="50000"/>
-            </a:schemeClr>
-          </a:lnRef>
-          <a:fillRef idx="1">
-            <a:schemeClr val="accent1"/>
-          </a:fillRef>
-          <a:effectRef idx="0">
-            <a:schemeClr val="accent1"/>
-          </a:effectRef>
-          <a:fontRef idx="minor">
-            <a:schemeClr val="lt1"/>
-          </a:fontRef>
-        </p:style>
-        <p:txBody>
-          <a:bodyPr wrap="square" rtlCol="0" anchor="ctr">
-            <a:noAutofit/>
-          </a:bodyPr>
-          <a:lstStyle/>
-          <a:p>
-            <a:pPr algn="ctr"/>
-            <a:endParaRPr lang="en-US"/>
-          </a:p>
-        </p:txBody>
-      </p:sp>
-    </p:spTree>
-    <p:extLst>
-      <p:ext uri="{BB962C8B-B14F-4D97-AF65-F5344CB8AC3E}">
-        <p14:creationId xmlns:p14="http://schemas.microsoft.com/office/powerpoint/2010/main" val="1689337198"/>
-      </p:ext>
-    </p:extLst>
-  </p:cSld>
-  <p:clrMapOvr>
-    <a:masterClrMapping/>
-  </p:clrMapOvr>
-  <mc:AlternateContent xmlns:mc="http://schemas.openxmlformats.org/markup-compatibility/2006" xmlns:p14="http://schemas.microsoft.com/office/powerpoint/2010/main">
-    <mc:Choice Requires="p14">
-      <p:transition spd="med" p14:dur="700" advClick="0" advTm="2000">
-        <p:fade/>
-      </p:transition>
-    </mc:Choice>
-    <mc:Fallback xmlns="">
-      <p:transition spd="med" advClick="0" advTm="2000">
-        <p:fade/>
-      </p:transition>
-    </mc:Fallback>
-  </mc:AlternateContent>
-</p:sld>
-</file>
-
-<file path=ppt/slides/slide40.xml><?xml version="1.0" encoding="utf-8"?>
+<file path=ppt/slides/slide42.xml><?xml version="1.0" encoding="utf-8"?>
 <p:sld xmlns:a="http://schemas.openxmlformats.org/drawingml/2006/main" xmlns:r="http://schemas.openxmlformats.org/officeDocument/2006/relationships" xmlns:p="http://schemas.openxmlformats.org/presentationml/2006/main">
   <p:cSld>
     <p:spTree>
@@ -31913,7 +35191,7 @@
 </p:sld>
 </file>
 
-<file path=ppt/slides/slide41.xml><?xml version="1.0" encoding="utf-8"?>
+<file path=ppt/slides/slide43.xml><?xml version="1.0" encoding="utf-8"?>
 <p:sld xmlns:a="http://schemas.openxmlformats.org/drawingml/2006/main" xmlns:r="http://schemas.openxmlformats.org/officeDocument/2006/relationships" xmlns:p="http://schemas.openxmlformats.org/presentationml/2006/main">
   <p:cSld>
     <p:spTree>
@@ -33331,7 +36609,7 @@
 </p:sld>
 </file>
 
-<file path=ppt/slides/slide42.xml><?xml version="1.0" encoding="utf-8"?>
+<file path=ppt/slides/slide44.xml><?xml version="1.0" encoding="utf-8"?>
 <p:sld xmlns:a="http://schemas.openxmlformats.org/drawingml/2006/main" xmlns:r="http://schemas.openxmlformats.org/officeDocument/2006/relationships" xmlns:p="http://schemas.openxmlformats.org/presentationml/2006/main">
   <p:cSld>
     <p:spTree>
@@ -33413,7 +36691,7 @@
 </p:sld>
 </file>
 
-<file path=ppt/slides/slide43.xml><?xml version="1.0" encoding="utf-8"?>
+<file path=ppt/slides/slide45.xml><?xml version="1.0" encoding="utf-8"?>
 <p:sld xmlns:a="http://schemas.openxmlformats.org/drawingml/2006/main" xmlns:r="http://schemas.openxmlformats.org/officeDocument/2006/relationships" xmlns:p="http://schemas.openxmlformats.org/presentationml/2006/main">
   <p:cSld>
     <p:spTree>
@@ -33571,7 +36849,7 @@
 </p:sld>
 </file>
 
-<file path=ppt/slides/slide44.xml><?xml version="1.0" encoding="utf-8"?>
+<file path=ppt/slides/slide46.xml><?xml version="1.0" encoding="utf-8"?>
 <p:sld xmlns:a="http://schemas.openxmlformats.org/drawingml/2006/main" xmlns:r="http://schemas.openxmlformats.org/officeDocument/2006/relationships" xmlns:p="http://schemas.openxmlformats.org/presentationml/2006/main">
   <p:cSld>
     <p:spTree>
@@ -34309,7 +37587,7 @@
 </p:sld>
 </file>
 
-<file path=ppt/slides/slide45.xml><?xml version="1.0" encoding="utf-8"?>
+<file path=ppt/slides/slide47.xml><?xml version="1.0" encoding="utf-8"?>
 <p:sld xmlns:a="http://schemas.openxmlformats.org/drawingml/2006/main" xmlns:r="http://schemas.openxmlformats.org/officeDocument/2006/relationships" xmlns:p="http://schemas.openxmlformats.org/presentationml/2006/main">
   <p:cSld>
     <p:spTree>
@@ -34690,7 +37968,7 @@
 </p:sld>
 </file>
 
-<file path=ppt/slides/slide46.xml><?xml version="1.0" encoding="utf-8"?>
+<file path=ppt/slides/slide48.xml><?xml version="1.0" encoding="utf-8"?>
 <p:sld xmlns:a="http://schemas.openxmlformats.org/drawingml/2006/main" xmlns:r="http://schemas.openxmlformats.org/officeDocument/2006/relationships" xmlns:p="http://schemas.openxmlformats.org/presentationml/2006/main">
   <p:cSld>
     <p:spTree>
@@ -35997,13 +39275,13 @@
   <p:clrMapOvr>
     <a:masterClrMapping/>
   </p:clrMapOvr>
-  <mc:AlternateContent xmlns:mc="http://schemas.openxmlformats.org/markup-compatibility/2006">
-    <mc:Choice xmlns:p159="http://schemas.microsoft.com/office/powerpoint/2015/09/main" Requires="p159">
+  <mc:AlternateContent xmlns:mc="http://schemas.openxmlformats.org/markup-compatibility/2006" xmlns:p159="http://schemas.microsoft.com/office/powerpoint/2015/09/main">
+    <mc:Choice Requires="p159">
       <p:transition xmlns:p14="http://schemas.microsoft.com/office/powerpoint/2010/main" spd="slow" p14:dur="2000" advClick="0" advTm="10000">
         <p159:morph option="byObject"/>
       </p:transition>
     </mc:Choice>
-    <mc:Fallback>
+    <mc:Fallback xmlns="">
       <p:transition spd="slow" advClick="0" advTm="10000">
         <p:fade/>
       </p:transition>
@@ -36191,7 +39469,7 @@
 </p:sld>
 </file>
 
-<file path=ppt/slides/slide47.xml><?xml version="1.0" encoding="utf-8"?>
+<file path=ppt/slides/slide49.xml><?xml version="1.0" encoding="utf-8"?>
 <p:sld xmlns:a="http://schemas.openxmlformats.org/drawingml/2006/main" xmlns:r="http://schemas.openxmlformats.org/officeDocument/2006/relationships" xmlns:p="http://schemas.openxmlformats.org/presentationml/2006/main">
   <p:cSld>
     <p:spTree>
@@ -36398,921 +39676,6 @@
       </p:transition>
     </mc:Fallback>
   </mc:AlternateContent>
-</p:sld>
-</file>
-
-<file path=ppt/slides/slide48.xml><?xml version="1.0" encoding="utf-8"?>
-<p:sld xmlns:a="http://schemas.openxmlformats.org/drawingml/2006/main" xmlns:r="http://schemas.openxmlformats.org/officeDocument/2006/relationships" xmlns:p="http://schemas.openxmlformats.org/presentationml/2006/main" show="0">
-  <p:cSld>
-    <p:spTree>
-      <p:nvGrpSpPr>
-        <p:cNvPr id="1" name=""/>
-        <p:cNvGrpSpPr/>
-        <p:nvPr/>
-      </p:nvGrpSpPr>
-      <p:grpSpPr>
-        <a:xfrm>
-          <a:off x="0" y="0"/>
-          <a:ext cx="0" cy="0"/>
-          <a:chOff x="0" y="0"/>
-          <a:chExt cx="0" cy="0"/>
-        </a:xfrm>
-      </p:grpSpPr>
-      <p:sp>
-        <p:nvSpPr>
-          <p:cNvPr id="15" name="Arrow: Right 14">
-            <a:extLst>
-              <a:ext uri="{FF2B5EF4-FFF2-40B4-BE49-F238E27FC236}">
-                <a16:creationId xmlns:a16="http://schemas.microsoft.com/office/drawing/2014/main" id="{E66A1F1C-0542-3E81-7D41-636ECA0E8017}"/>
-              </a:ext>
-            </a:extLst>
-          </p:cNvPr>
-          <p:cNvSpPr/>
-          <p:nvPr/>
-        </p:nvSpPr>
-        <p:spPr>
-          <a:xfrm>
-            <a:off x="778933" y="652794"/>
-            <a:ext cx="4562721" cy="5552411"/>
-          </a:xfrm>
-          <a:prstGeom prst="rightArrow">
-            <a:avLst/>
-          </a:prstGeom>
-          <a:solidFill>
-            <a:schemeClr val="bg2"/>
-          </a:solidFill>
-          <a:ln>
-            <a:noFill/>
-          </a:ln>
-          <a:effectLst>
-            <a:softEdge rad="63500"/>
-          </a:effectLst>
-        </p:spPr>
-        <p:style>
-          <a:lnRef idx="2">
-            <a:schemeClr val="accent1">
-              <a:shade val="50000"/>
-            </a:schemeClr>
-          </a:lnRef>
-          <a:fillRef idx="1">
-            <a:schemeClr val="accent1"/>
-          </a:fillRef>
-          <a:effectRef idx="0">
-            <a:schemeClr val="accent1"/>
-          </a:effectRef>
-          <a:fontRef idx="minor">
-            <a:schemeClr val="lt1"/>
-          </a:fontRef>
-        </p:style>
-        <p:txBody>
-          <a:bodyPr rtlCol="0" anchor="ctr"/>
-          <a:lstStyle/>
-          <a:p>
-            <a:pPr algn="ctr"/>
-            <a:endParaRPr lang="en-US" dirty="0"/>
-          </a:p>
-        </p:txBody>
-      </p:sp>
-      <p:sp>
-        <p:nvSpPr>
-          <p:cNvPr id="4" name="TextBox 3">
-            <a:extLst>
-              <a:ext uri="{FF2B5EF4-FFF2-40B4-BE49-F238E27FC236}">
-                <a16:creationId xmlns:a16="http://schemas.microsoft.com/office/drawing/2014/main" id="{A19D0219-1CA3-1BE8-9A7C-5E6B9CD20031}"/>
-              </a:ext>
-            </a:extLst>
-          </p:cNvPr>
-          <p:cNvSpPr txBox="1"/>
-          <p:nvPr/>
-        </p:nvSpPr>
-        <p:spPr>
-          <a:xfrm>
-            <a:off x="880534" y="3857087"/>
-            <a:ext cx="3381054" cy="769441"/>
-          </a:xfrm>
-          <a:prstGeom prst="rect">
-            <a:avLst/>
-          </a:prstGeom>
-          <a:noFill/>
-        </p:spPr>
-        <p:txBody>
-          <a:bodyPr wrap="none" rtlCol="0">
-            <a:spAutoFit/>
-          </a:bodyPr>
-          <a:lstStyle/>
-          <a:p>
-            <a:r>
-              <a:rPr lang="tr-TR" sz="4400" dirty="0">
-                <a:solidFill>
-                  <a:schemeClr val="accent1"/>
-                </a:solidFill>
-                <a:latin typeface="Century Gothic" panose="020B0502020202020204" pitchFamily="34" charset="0"/>
-              </a:rPr>
-              <a:t>NEXT VIDEO</a:t>
-            </a:r>
-            <a:endParaRPr lang="en-US" sz="4400" dirty="0">
-              <a:solidFill>
-                <a:schemeClr val="accent1"/>
-              </a:solidFill>
-              <a:latin typeface="Century Gothic" panose="020B0502020202020204" pitchFamily="34" charset="0"/>
-            </a:endParaRPr>
-          </a:p>
-        </p:txBody>
-      </p:sp>
-      <p:pic>
-        <p:nvPicPr>
-          <p:cNvPr id="6" name="Graphic 5" descr="Clapper board with solid fill">
-            <a:extLst>
-              <a:ext uri="{FF2B5EF4-FFF2-40B4-BE49-F238E27FC236}">
-                <a16:creationId xmlns:a16="http://schemas.microsoft.com/office/drawing/2014/main" id="{5612DC79-CCB3-FEC3-52C7-3EDFEC3C2915}"/>
-              </a:ext>
-            </a:extLst>
-          </p:cNvPr>
-          <p:cNvPicPr>
-            <a:picLocks noChangeAspect="1"/>
-          </p:cNvPicPr>
-          <p:nvPr/>
-        </p:nvPicPr>
-        <p:blipFill>
-          <a:blip r:embed="rId3">
-            <a:extLst>
-              <a:ext uri="{28A0092B-C50C-407E-A947-70E740481C1C}">
-                <a14:useLocalDpi xmlns:a14="http://schemas.microsoft.com/office/drawing/2010/main" val="0"/>
-              </a:ext>
-              <a:ext uri="{96DAC541-7B7A-43D3-8B79-37D633B846F1}">
-                <asvg:svgBlip xmlns:asvg="http://schemas.microsoft.com/office/drawing/2016/SVG/main" r:embed="rId4"/>
-              </a:ext>
-            </a:extLst>
-          </a:blip>
-          <a:stretch>
-            <a:fillRect/>
-          </a:stretch>
-        </p:blipFill>
-        <p:spPr>
-          <a:xfrm>
-            <a:off x="1567760" y="2134041"/>
-            <a:ext cx="1803400" cy="1803400"/>
-          </a:xfrm>
-          <a:prstGeom prst="rect">
-            <a:avLst/>
-          </a:prstGeom>
-        </p:spPr>
-      </p:pic>
-      <p:grpSp>
-        <p:nvGrpSpPr>
-          <p:cNvPr id="17" name="Group 16">
-            <a:extLst>
-              <a:ext uri="{FF2B5EF4-FFF2-40B4-BE49-F238E27FC236}">
-                <a16:creationId xmlns:a16="http://schemas.microsoft.com/office/drawing/2014/main" id="{4BAA3504-49B3-FEF4-6F0A-E05A72DF5D4C}"/>
-              </a:ext>
-            </a:extLst>
-          </p:cNvPr>
-          <p:cNvGrpSpPr/>
-          <p:nvPr/>
-        </p:nvGrpSpPr>
-        <p:grpSpPr>
-          <a:xfrm>
-            <a:off x="3800407" y="-720722"/>
-            <a:ext cx="9353362" cy="10694499"/>
-            <a:chOff x="3728723" y="-274320"/>
-            <a:chExt cx="9353362" cy="10694499"/>
-          </a:xfrm>
-        </p:grpSpPr>
-        <p:grpSp>
-          <p:nvGrpSpPr>
-            <p:cNvPr id="13" name="Group 12">
-              <a:extLst>
-                <a:ext uri="{FF2B5EF4-FFF2-40B4-BE49-F238E27FC236}">
-                  <a16:creationId xmlns:a16="http://schemas.microsoft.com/office/drawing/2014/main" id="{752266E7-030D-6D44-BDF8-9D39B444C741}"/>
-                </a:ext>
-              </a:extLst>
-            </p:cNvPr>
-            <p:cNvGrpSpPr/>
-            <p:nvPr/>
-          </p:nvGrpSpPr>
-          <p:grpSpPr>
-            <a:xfrm>
-              <a:off x="3728723" y="-274320"/>
-              <a:ext cx="9353362" cy="10694499"/>
-              <a:chOff x="-5543947" y="167323"/>
-              <a:chExt cx="9353362" cy="10694499"/>
-            </a:xfrm>
-          </p:grpSpPr>
-          <p:pic>
-            <p:nvPicPr>
-              <p:cNvPr id="7" name="Graphic 6" descr="Film strip outline">
-                <a:extLst>
-                  <a:ext uri="{FF2B5EF4-FFF2-40B4-BE49-F238E27FC236}">
-                    <a16:creationId xmlns:a16="http://schemas.microsoft.com/office/drawing/2014/main" id="{679B4BF1-9796-032B-624E-5F1A01E26791}"/>
-                  </a:ext>
-                </a:extLst>
-              </p:cNvPr>
-              <p:cNvPicPr>
-                <a:picLocks noChangeAspect="1"/>
-              </p:cNvPicPr>
-              <p:nvPr/>
-            </p:nvPicPr>
-            <p:blipFill rotWithShape="1">
-              <a:blip r:embed="rId5">
-                <a:extLst>
-                  <a:ext uri="{28A0092B-C50C-407E-A947-70E740481C1C}">
-                    <a14:useLocalDpi xmlns:a14="http://schemas.microsoft.com/office/drawing/2010/main" val="0"/>
-                  </a:ext>
-                  <a:ext uri="{96DAC541-7B7A-43D3-8B79-37D633B846F1}">
-                    <asvg:svgBlip xmlns:asvg="http://schemas.microsoft.com/office/drawing/2016/SVG/main" r:embed="rId6"/>
-                  </a:ext>
-                </a:extLst>
-              </a:blip>
-              <a:srcRect l="-2807" t="34509" r="-1" b="35845"/>
-              <a:stretch/>
-            </p:blipFill>
-            <p:spPr>
-              <a:xfrm>
-                <a:off x="-5543947" y="2838937"/>
-                <a:ext cx="9352274" cy="2696830"/>
-              </a:xfrm>
-              <a:prstGeom prst="rect">
-                <a:avLst/>
-              </a:prstGeom>
-            </p:spPr>
-          </p:pic>
-          <p:pic>
-            <p:nvPicPr>
-              <p:cNvPr id="8" name="Graphic 7" descr="Film strip outline">
-                <a:extLst>
-                  <a:ext uri="{FF2B5EF4-FFF2-40B4-BE49-F238E27FC236}">
-                    <a16:creationId xmlns:a16="http://schemas.microsoft.com/office/drawing/2014/main" id="{3100521E-336B-47FE-B7CB-E3E0C7B8209F}"/>
-                  </a:ext>
-                </a:extLst>
-              </p:cNvPr>
-              <p:cNvPicPr>
-                <a:picLocks noChangeAspect="1"/>
-              </p:cNvPicPr>
-              <p:nvPr/>
-            </p:nvPicPr>
-            <p:blipFill rotWithShape="1">
-              <a:blip r:embed="rId5">
-                <a:extLst>
-                  <a:ext uri="{28A0092B-C50C-407E-A947-70E740481C1C}">
-                    <a14:useLocalDpi xmlns:a14="http://schemas.microsoft.com/office/drawing/2010/main" val="0"/>
-                  </a:ext>
-                  <a:ext uri="{96DAC541-7B7A-43D3-8B79-37D633B846F1}">
-                    <asvg:svgBlip xmlns:asvg="http://schemas.microsoft.com/office/drawing/2016/SVG/main" r:embed="rId6"/>
-                  </a:ext>
-                </a:extLst>
-              </a:blip>
-              <a:srcRect l="-2807" t="34509" r="-1" b="35845"/>
-              <a:stretch/>
-            </p:blipFill>
-            <p:spPr>
-              <a:xfrm>
-                <a:off x="-5542859" y="5505573"/>
-                <a:ext cx="9352274" cy="2696830"/>
-              </a:xfrm>
-              <a:prstGeom prst="rect">
-                <a:avLst/>
-              </a:prstGeom>
-            </p:spPr>
-          </p:pic>
-          <p:pic>
-            <p:nvPicPr>
-              <p:cNvPr id="9" name="Graphic 8" descr="Film strip outline">
-                <a:extLst>
-                  <a:ext uri="{FF2B5EF4-FFF2-40B4-BE49-F238E27FC236}">
-                    <a16:creationId xmlns:a16="http://schemas.microsoft.com/office/drawing/2014/main" id="{B0A8CC99-441C-C45A-C31E-EE0AEA392B57}"/>
-                  </a:ext>
-                </a:extLst>
-              </p:cNvPr>
-              <p:cNvPicPr>
-                <a:picLocks noChangeAspect="1"/>
-              </p:cNvPicPr>
-              <p:nvPr/>
-            </p:nvPicPr>
-            <p:blipFill rotWithShape="1">
-              <a:blip r:embed="rId5">
-                <a:extLst>
-                  <a:ext uri="{28A0092B-C50C-407E-A947-70E740481C1C}">
-                    <a14:useLocalDpi xmlns:a14="http://schemas.microsoft.com/office/drawing/2010/main" val="0"/>
-                  </a:ext>
-                  <a:ext uri="{96DAC541-7B7A-43D3-8B79-37D633B846F1}">
-                    <asvg:svgBlip xmlns:asvg="http://schemas.microsoft.com/office/drawing/2016/SVG/main" r:embed="rId6"/>
-                  </a:ext>
-                </a:extLst>
-              </a:blip>
-              <a:srcRect l="-2807" t="34509" r="-1" b="35845"/>
-              <a:stretch/>
-            </p:blipFill>
-            <p:spPr>
-              <a:xfrm>
-                <a:off x="-5542859" y="8164992"/>
-                <a:ext cx="9352274" cy="2696830"/>
-              </a:xfrm>
-              <a:prstGeom prst="rect">
-                <a:avLst/>
-              </a:prstGeom>
-            </p:spPr>
-          </p:pic>
-          <p:pic>
-            <p:nvPicPr>
-              <p:cNvPr id="12" name="Graphic 11" descr="Film strip outline">
-                <a:extLst>
-                  <a:ext uri="{FF2B5EF4-FFF2-40B4-BE49-F238E27FC236}">
-                    <a16:creationId xmlns:a16="http://schemas.microsoft.com/office/drawing/2014/main" id="{94B46E5B-B72C-74EF-0FE0-2C29FB0B7C0A}"/>
-                  </a:ext>
-                </a:extLst>
-              </p:cNvPr>
-              <p:cNvPicPr>
-                <a:picLocks noChangeAspect="1"/>
-              </p:cNvPicPr>
-              <p:nvPr/>
-            </p:nvPicPr>
-            <p:blipFill rotWithShape="1">
-              <a:blip r:embed="rId5">
-                <a:extLst>
-                  <a:ext uri="{28A0092B-C50C-407E-A947-70E740481C1C}">
-                    <a14:useLocalDpi xmlns:a14="http://schemas.microsoft.com/office/drawing/2010/main" val="0"/>
-                  </a:ext>
-                  <a:ext uri="{96DAC541-7B7A-43D3-8B79-37D633B846F1}">
-                    <asvg:svgBlip xmlns:asvg="http://schemas.microsoft.com/office/drawing/2016/SVG/main" r:embed="rId6"/>
-                  </a:ext>
-                </a:extLst>
-              </a:blip>
-              <a:srcRect l="-2807" t="34509" r="-1" b="35845"/>
-              <a:stretch/>
-            </p:blipFill>
-            <p:spPr>
-              <a:xfrm>
-                <a:off x="-5542859" y="167323"/>
-                <a:ext cx="9352274" cy="2696830"/>
-              </a:xfrm>
-              <a:prstGeom prst="rect">
-                <a:avLst/>
-              </a:prstGeom>
-            </p:spPr>
-          </p:pic>
-        </p:grpSp>
-        <p:sp>
-          <p:nvSpPr>
-            <p:cNvPr id="16" name="TextBox 15">
-              <a:extLst>
-                <a:ext uri="{FF2B5EF4-FFF2-40B4-BE49-F238E27FC236}">
-                  <a16:creationId xmlns:a16="http://schemas.microsoft.com/office/drawing/2014/main" id="{28D856BF-9C31-DE00-2996-5712FE027C03}"/>
-                </a:ext>
-              </a:extLst>
-            </p:cNvPr>
-            <p:cNvSpPr txBox="1"/>
-            <p:nvPr/>
-          </p:nvSpPr>
-          <p:spPr>
-            <a:xfrm>
-              <a:off x="8348432" y="338942"/>
-              <a:ext cx="184730" cy="646331"/>
-            </a:xfrm>
-            <a:prstGeom prst="rect">
-              <a:avLst/>
-            </a:prstGeom>
-            <a:noFill/>
-          </p:spPr>
-          <p:txBody>
-            <a:bodyPr wrap="none" rtlCol="0">
-              <a:spAutoFit/>
-            </a:bodyPr>
-            <a:lstStyle/>
-            <a:p>
-              <a:pPr algn="ctr"/>
-              <a:endParaRPr lang="en-US" sz="3600" dirty="0">
-                <a:solidFill>
-                  <a:schemeClr val="accent5"/>
-                </a:solidFill>
-                <a:latin typeface="Century Gothic" panose="020B0502020202020204" pitchFamily="34" charset="0"/>
-              </a:endParaRPr>
-            </a:p>
-          </p:txBody>
-        </p:sp>
-        <p:sp>
-          <p:nvSpPr>
-            <p:cNvPr id="10" name="TextBox 9">
-              <a:extLst>
-                <a:ext uri="{FF2B5EF4-FFF2-40B4-BE49-F238E27FC236}">
-                  <a16:creationId xmlns:a16="http://schemas.microsoft.com/office/drawing/2014/main" id="{D08526A2-96C9-3FB8-6674-0DA86399ACB2}"/>
-                </a:ext>
-              </a:extLst>
-            </p:cNvPr>
-            <p:cNvSpPr txBox="1"/>
-            <p:nvPr/>
-          </p:nvSpPr>
-          <p:spPr>
-            <a:xfrm>
-              <a:off x="7400750" y="409963"/>
-              <a:ext cx="2355132" cy="1754326"/>
-            </a:xfrm>
-            <a:prstGeom prst="rect">
-              <a:avLst/>
-            </a:prstGeom>
-            <a:noFill/>
-          </p:spPr>
-          <p:txBody>
-            <a:bodyPr wrap="none" rtlCol="0">
-              <a:spAutoFit/>
-            </a:bodyPr>
-            <a:lstStyle/>
-            <a:p>
-              <a:pPr algn="ctr"/>
-              <a:r>
-                <a:rPr lang="tr-TR" sz="3600" dirty="0">
-                  <a:solidFill>
-                    <a:schemeClr val="accent1"/>
-                  </a:solidFill>
-                  <a:latin typeface="Century Gothic" panose="020B0502020202020204" pitchFamily="34" charset="0"/>
-                </a:rPr>
-                <a:t>Payloads </a:t>
-              </a:r>
-            </a:p>
-            <a:p>
-              <a:pPr algn="ctr"/>
-              <a:r>
-                <a:rPr lang="tr-TR" sz="3600" dirty="0">
-                  <a:solidFill>
-                    <a:schemeClr val="accent1"/>
-                  </a:solidFill>
-                  <a:latin typeface="Century Gothic" panose="020B0502020202020204" pitchFamily="34" charset="0"/>
-                </a:rPr>
-                <a:t>and </a:t>
-              </a:r>
-            </a:p>
-            <a:p>
-              <a:pPr algn="ctr"/>
-              <a:r>
-                <a:rPr lang="tr-TR" sz="3600" dirty="0">
-                  <a:solidFill>
-                    <a:schemeClr val="accent1"/>
-                  </a:solidFill>
-                  <a:latin typeface="Century Gothic" panose="020B0502020202020204" pitchFamily="34" charset="0"/>
-                </a:rPr>
-                <a:t>Headers</a:t>
-              </a:r>
-              <a:endParaRPr lang="en-US" sz="3600" dirty="0">
-                <a:solidFill>
-                  <a:schemeClr val="accent1"/>
-                </a:solidFill>
-                <a:latin typeface="Century Gothic" panose="020B0502020202020204" pitchFamily="34" charset="0"/>
-              </a:endParaRPr>
-            </a:p>
-          </p:txBody>
-        </p:sp>
-        <p:sp>
-          <p:nvSpPr>
-            <p:cNvPr id="11" name="TextBox 10">
-              <a:extLst>
-                <a:ext uri="{FF2B5EF4-FFF2-40B4-BE49-F238E27FC236}">
-                  <a16:creationId xmlns:a16="http://schemas.microsoft.com/office/drawing/2014/main" id="{774D2169-5E40-96EC-89F6-C1EED5163068}"/>
-                </a:ext>
-              </a:extLst>
-            </p:cNvPr>
-            <p:cNvSpPr txBox="1"/>
-            <p:nvPr/>
-          </p:nvSpPr>
-          <p:spPr>
-            <a:xfrm>
-              <a:off x="7843708" y="3481643"/>
-              <a:ext cx="1378904" cy="646331"/>
-            </a:xfrm>
-            <a:prstGeom prst="rect">
-              <a:avLst/>
-            </a:prstGeom>
-            <a:noFill/>
-          </p:spPr>
-          <p:txBody>
-            <a:bodyPr wrap="none" rtlCol="0">
-              <a:spAutoFit/>
-            </a:bodyPr>
-            <a:lstStyle/>
-            <a:p>
-              <a:pPr algn="ctr"/>
-              <a:r>
-                <a:rPr lang="tr-TR" sz="3600" dirty="0">
-                  <a:solidFill>
-                    <a:schemeClr val="accent1"/>
-                  </a:solidFill>
-                  <a:latin typeface="Century Gothic" panose="020B0502020202020204" pitchFamily="34" charset="0"/>
-                </a:rPr>
-                <a:t>JSON</a:t>
-              </a:r>
-              <a:endParaRPr lang="en-US" sz="3600" dirty="0">
-                <a:solidFill>
-                  <a:schemeClr val="accent1"/>
-                </a:solidFill>
-                <a:latin typeface="Century Gothic" panose="020B0502020202020204" pitchFamily="34" charset="0"/>
-              </a:endParaRPr>
-            </a:p>
-          </p:txBody>
-        </p:sp>
-        <p:sp>
-          <p:nvSpPr>
-            <p:cNvPr id="3" name="TextBox 2">
-              <a:extLst>
-                <a:ext uri="{FF2B5EF4-FFF2-40B4-BE49-F238E27FC236}">
-                  <a16:creationId xmlns:a16="http://schemas.microsoft.com/office/drawing/2014/main" id="{6785A270-730B-20BD-2C8D-B202801F202B}"/>
-                </a:ext>
-              </a:extLst>
-            </p:cNvPr>
-            <p:cNvSpPr txBox="1"/>
-            <p:nvPr/>
-          </p:nvSpPr>
-          <p:spPr>
-            <a:xfrm>
-              <a:off x="7547507" y="5639440"/>
-              <a:ext cx="2058577" cy="1754326"/>
-            </a:xfrm>
-            <a:prstGeom prst="rect">
-              <a:avLst/>
-            </a:prstGeom>
-            <a:noFill/>
-          </p:spPr>
-          <p:txBody>
-            <a:bodyPr wrap="none" rtlCol="0">
-              <a:spAutoFit/>
-            </a:bodyPr>
-            <a:lstStyle/>
-            <a:p>
-              <a:pPr algn="ctr"/>
-              <a:r>
-                <a:rPr lang="tr-TR" sz="3600" dirty="0">
-                  <a:solidFill>
-                    <a:schemeClr val="accent1"/>
-                  </a:solidFill>
-                  <a:latin typeface="Century Gothic" panose="020B0502020202020204" pitchFamily="34" charset="0"/>
-                </a:rPr>
-                <a:t>JSON </a:t>
-              </a:r>
-            </a:p>
-            <a:p>
-              <a:pPr algn="ctr"/>
-              <a:r>
-                <a:rPr lang="tr-TR" sz="3600" dirty="0">
-                  <a:solidFill>
-                    <a:schemeClr val="accent1"/>
-                  </a:solidFill>
-                  <a:latin typeface="Century Gothic" panose="020B0502020202020204" pitchFamily="34" charset="0"/>
-                </a:rPr>
-                <a:t>in </a:t>
-              </a:r>
-            </a:p>
-            <a:p>
-              <a:pPr algn="ctr"/>
-              <a:r>
-                <a:rPr lang="tr-TR" sz="3600" dirty="0">
-                  <a:solidFill>
-                    <a:schemeClr val="accent1"/>
-                  </a:solidFill>
-                  <a:latin typeface="Century Gothic" panose="020B0502020202020204" pitchFamily="34" charset="0"/>
-                </a:rPr>
-                <a:t>Practice</a:t>
-              </a:r>
-              <a:endParaRPr lang="en-US" sz="3600" dirty="0">
-                <a:solidFill>
-                  <a:schemeClr val="accent1"/>
-                </a:solidFill>
-                <a:latin typeface="Century Gothic" panose="020B0502020202020204" pitchFamily="34" charset="0"/>
-              </a:endParaRPr>
-            </a:p>
-          </p:txBody>
-        </p:sp>
-        <p:sp>
-          <p:nvSpPr>
-            <p:cNvPr id="5" name="TextBox 4">
-              <a:extLst>
-                <a:ext uri="{FF2B5EF4-FFF2-40B4-BE49-F238E27FC236}">
-                  <a16:creationId xmlns:a16="http://schemas.microsoft.com/office/drawing/2014/main" id="{C5B8ADD1-77F7-2B4F-5CAC-47E0CEE973DE}"/>
-                </a:ext>
-              </a:extLst>
-            </p:cNvPr>
-            <p:cNvSpPr txBox="1"/>
-            <p:nvPr/>
-          </p:nvSpPr>
-          <p:spPr>
-            <a:xfrm>
-              <a:off x="7511886" y="8465508"/>
-              <a:ext cx="2042547" cy="1200329"/>
-            </a:xfrm>
-            <a:prstGeom prst="rect">
-              <a:avLst/>
-            </a:prstGeom>
-            <a:noFill/>
-          </p:spPr>
-          <p:txBody>
-            <a:bodyPr wrap="none" rtlCol="0">
-              <a:spAutoFit/>
-            </a:bodyPr>
-            <a:lstStyle/>
-            <a:p>
-              <a:pPr algn="ctr"/>
-              <a:r>
-                <a:rPr lang="tr-TR" sz="3600" dirty="0">
-                  <a:solidFill>
-                    <a:schemeClr val="accent1"/>
-                  </a:solidFill>
-                  <a:latin typeface="Century Gothic" panose="020B0502020202020204" pitchFamily="34" charset="0"/>
-                </a:rPr>
-                <a:t>JSON </a:t>
-              </a:r>
-            </a:p>
-            <a:p>
-              <a:pPr algn="ctr"/>
-              <a:r>
-                <a:rPr lang="tr-TR" sz="3600" dirty="0">
-                  <a:solidFill>
-                    <a:schemeClr val="accent1"/>
-                  </a:solidFill>
-                  <a:latin typeface="Century Gothic" panose="020B0502020202020204" pitchFamily="34" charset="0"/>
-                </a:rPr>
-                <a:t>Schema</a:t>
-              </a:r>
-              <a:endParaRPr lang="en-US" sz="3600" dirty="0">
-                <a:solidFill>
-                  <a:schemeClr val="accent1"/>
-                </a:solidFill>
-                <a:latin typeface="Century Gothic" panose="020B0502020202020204" pitchFamily="34" charset="0"/>
-              </a:endParaRPr>
-            </a:p>
-          </p:txBody>
-        </p:sp>
-      </p:grpSp>
-    </p:spTree>
-    <p:extLst>
-      <p:ext uri="{BB962C8B-B14F-4D97-AF65-F5344CB8AC3E}">
-        <p14:creationId xmlns:p14="http://schemas.microsoft.com/office/powerpoint/2010/main" val="4073440167"/>
-      </p:ext>
-    </p:extLst>
-  </p:cSld>
-  <p:clrMapOvr>
-    <a:masterClrMapping/>
-  </p:clrMapOvr>
-  <mc:AlternateContent xmlns:mc="http://schemas.openxmlformats.org/markup-compatibility/2006">
-    <mc:Choice xmlns:p14="http://schemas.microsoft.com/office/powerpoint/2010/main" Requires="p14">
-      <p:transition spd="slow" p14:dur="2000" advClick="0" advTm="4000"/>
-    </mc:Choice>
-    <mc:Fallback>
-      <p:transition spd="slow" advClick="0" advTm="4000"/>
-    </mc:Fallback>
-  </mc:AlternateContent>
-  <p:timing>
-    <p:tnLst>
-      <p:par>
-        <p:cTn id="1" dur="indefinite" restart="never" nodeType="tmRoot">
-          <p:childTnLst>
-            <p:seq concurrent="1" nextAc="seek">
-              <p:cTn id="2" dur="indefinite" nodeType="mainSeq">
-                <p:childTnLst>
-                  <p:par>
-                    <p:cTn id="3" fill="hold">
-                      <p:stCondLst>
-                        <p:cond delay="indefinite"/>
-                        <p:cond evt="onBegin" delay="0">
-                          <p:tn val="2"/>
-                        </p:cond>
-                      </p:stCondLst>
-                      <p:childTnLst>
-                        <p:par>
-                          <p:cTn id="4" fill="hold">
-                            <p:stCondLst>
-                              <p:cond delay="0"/>
-                            </p:stCondLst>
-                            <p:childTnLst>
-                              <p:par>
-                                <p:cTn id="5" presetID="10" presetClass="entr" presetSubtype="0" fill="hold" grpId="0" nodeType="withEffect">
-                                  <p:stCondLst>
-                                    <p:cond delay="0"/>
-                                  </p:stCondLst>
-                                  <p:childTnLst>
-                                    <p:set>
-                                      <p:cBhvr>
-                                        <p:cTn id="6" dur="1" fill="hold">
-                                          <p:stCondLst>
-                                            <p:cond delay="0"/>
-                                          </p:stCondLst>
-                                        </p:cTn>
-                                        <p:tgtEl>
-                                          <p:spTgt spid="15"/>
-                                        </p:tgtEl>
-                                        <p:attrNameLst>
-                                          <p:attrName>style.visibility</p:attrName>
-                                        </p:attrNameLst>
-                                      </p:cBhvr>
-                                      <p:to>
-                                        <p:strVal val="visible"/>
-                                      </p:to>
-                                    </p:set>
-                                    <p:animEffect transition="in" filter="fade">
-                                      <p:cBhvr>
-                                        <p:cTn id="7" dur="500"/>
-                                        <p:tgtEl>
-                                          <p:spTgt spid="15"/>
-                                        </p:tgtEl>
-                                      </p:cBhvr>
-                                    </p:animEffect>
-                                  </p:childTnLst>
-                                </p:cTn>
-                              </p:par>
-                              <p:par>
-                                <p:cTn id="8" presetID="10" presetClass="entr" presetSubtype="0" fill="hold" nodeType="withEffect">
-                                  <p:stCondLst>
-                                    <p:cond delay="0"/>
-                                  </p:stCondLst>
-                                  <p:childTnLst>
-                                    <p:set>
-                                      <p:cBhvr>
-                                        <p:cTn id="9" dur="1" fill="hold">
-                                          <p:stCondLst>
-                                            <p:cond delay="0"/>
-                                          </p:stCondLst>
-                                        </p:cTn>
-                                        <p:tgtEl>
-                                          <p:spTgt spid="6"/>
-                                        </p:tgtEl>
-                                        <p:attrNameLst>
-                                          <p:attrName>style.visibility</p:attrName>
-                                        </p:attrNameLst>
-                                      </p:cBhvr>
-                                      <p:to>
-                                        <p:strVal val="visible"/>
-                                      </p:to>
-                                    </p:set>
-                                    <p:animEffect transition="in" filter="fade">
-                                      <p:cBhvr>
-                                        <p:cTn id="10" dur="500"/>
-                                        <p:tgtEl>
-                                          <p:spTgt spid="6"/>
-                                        </p:tgtEl>
-                                      </p:cBhvr>
-                                    </p:animEffect>
-                                  </p:childTnLst>
-                                </p:cTn>
-                              </p:par>
-                              <p:par>
-                                <p:cTn id="11" presetID="10" presetClass="entr" presetSubtype="0" fill="hold" grpId="0" nodeType="withEffect">
-                                  <p:stCondLst>
-                                    <p:cond delay="0"/>
-                                  </p:stCondLst>
-                                  <p:childTnLst>
-                                    <p:set>
-                                      <p:cBhvr>
-                                        <p:cTn id="12" dur="1" fill="hold">
-                                          <p:stCondLst>
-                                            <p:cond delay="0"/>
-                                          </p:stCondLst>
-                                        </p:cTn>
-                                        <p:tgtEl>
-                                          <p:spTgt spid="4"/>
-                                        </p:tgtEl>
-                                        <p:attrNameLst>
-                                          <p:attrName>style.visibility</p:attrName>
-                                        </p:attrNameLst>
-                                      </p:cBhvr>
-                                      <p:to>
-                                        <p:strVal val="visible"/>
-                                      </p:to>
-                                    </p:set>
-                                    <p:animEffect transition="in" filter="fade">
-                                      <p:cBhvr>
-                                        <p:cTn id="13" dur="500"/>
-                                        <p:tgtEl>
-                                          <p:spTgt spid="4"/>
-                                        </p:tgtEl>
-                                      </p:cBhvr>
-                                    </p:animEffect>
-                                  </p:childTnLst>
-                                </p:cTn>
-                              </p:par>
-                            </p:childTnLst>
-                          </p:cTn>
-                        </p:par>
-                        <p:par>
-                          <p:cTn id="14" fill="hold">
-                            <p:stCondLst>
-                              <p:cond delay="500"/>
-                            </p:stCondLst>
-                            <p:childTnLst>
-                              <p:par>
-                                <p:cTn id="15" presetID="64" presetClass="path" presetSubtype="0" accel="50000" decel="50000" fill="hold" nodeType="afterEffect">
-                                  <p:stCondLst>
-                                    <p:cond delay="0"/>
-                                  </p:stCondLst>
-                                  <p:childTnLst>
-                                    <p:animMotion origin="layout" path="M -3.125E-6 -1.85185E-6 L 0.00183 -0.38889 " pathEditMode="relative" rAng="0" ptsTypes="AA">
-                                      <p:cBhvr>
-                                        <p:cTn id="16" dur="2000" fill="hold"/>
-                                        <p:tgtEl>
-                                          <p:spTgt spid="17"/>
-                                        </p:tgtEl>
-                                        <p:attrNameLst>
-                                          <p:attrName>ppt_x</p:attrName>
-                                          <p:attrName>ppt_y</p:attrName>
-                                        </p:attrNameLst>
-                                      </p:cBhvr>
-                                      <p:rCtr x="91" y="-19444"/>
-                                    </p:animMotion>
-                                  </p:childTnLst>
-                                </p:cTn>
-                              </p:par>
-                            </p:childTnLst>
-                          </p:cTn>
-                        </p:par>
-                      </p:childTnLst>
-                    </p:cTn>
-                  </p:par>
-                </p:childTnLst>
-              </p:cTn>
-              <p:prevCondLst>
-                <p:cond evt="onPrev" delay="0">
-                  <p:tgtEl>
-                    <p:sldTgt/>
-                  </p:tgtEl>
-                </p:cond>
-              </p:prevCondLst>
-              <p:nextCondLst>
-                <p:cond evt="onNext" delay="0">
-                  <p:tgtEl>
-                    <p:sldTgt/>
-                  </p:tgtEl>
-                </p:cond>
-              </p:nextCondLst>
-            </p:seq>
-          </p:childTnLst>
-        </p:cTn>
-      </p:par>
-    </p:tnLst>
-    <p:bldLst>
-      <p:bldP spid="15" grpId="0" animBg="1"/>
-      <p:bldP spid="4" grpId="0"/>
-    </p:bldLst>
-  </p:timing>
-</p:sld>
-</file>
-
-<file path=ppt/slides/slide49.xml><?xml version="1.0" encoding="utf-8"?>
-<p:sld xmlns:a="http://schemas.openxmlformats.org/drawingml/2006/main" xmlns:r="http://schemas.openxmlformats.org/officeDocument/2006/relationships" xmlns:p="http://schemas.openxmlformats.org/presentationml/2006/main" show="0">
-  <p:cSld>
-    <p:spTree>
-      <p:nvGrpSpPr>
-        <p:cNvPr id="1" name=""/>
-        <p:cNvGrpSpPr/>
-        <p:nvPr/>
-      </p:nvGrpSpPr>
-      <p:grpSpPr>
-        <a:xfrm>
-          <a:off x="0" y="0"/>
-          <a:ext cx="0" cy="0"/>
-          <a:chOff x="0" y="0"/>
-          <a:chExt cx="0" cy="0"/>
-        </a:xfrm>
-      </p:grpSpPr>
-      <p:pic>
-        <p:nvPicPr>
-          <p:cNvPr id="2" name="Picture 1" descr="A picture containing logo&#10;&#10;Description automatically generated">
-            <a:extLst>
-              <a:ext uri="{FF2B5EF4-FFF2-40B4-BE49-F238E27FC236}">
-                <a16:creationId xmlns:a16="http://schemas.microsoft.com/office/drawing/2014/main" id="{082DF003-EF0A-0B45-42B9-239F5970FB4A}"/>
-              </a:ext>
-            </a:extLst>
-          </p:cNvPr>
-          <p:cNvPicPr>
-            <a:picLocks noChangeAspect="1"/>
-          </p:cNvPicPr>
-          <p:nvPr/>
-        </p:nvPicPr>
-        <p:blipFill>
-          <a:blip r:embed="rId2">
-            <a:extLst>
-              <a:ext uri="{28A0092B-C50C-407E-A947-70E740481C1C}">
-                <a14:useLocalDpi xmlns:a14="http://schemas.microsoft.com/office/drawing/2010/main" val="0"/>
-              </a:ext>
-            </a:extLst>
-          </a:blip>
-          <a:stretch>
-            <a:fillRect/>
-          </a:stretch>
-        </p:blipFill>
-        <p:spPr>
-          <a:xfrm>
-            <a:off x="1219200" y="990600"/>
-            <a:ext cx="9753600" cy="4876800"/>
-          </a:xfrm>
-          <a:prstGeom prst="rect">
-            <a:avLst/>
-          </a:prstGeom>
-        </p:spPr>
-      </p:pic>
-    </p:spTree>
-    <p:extLst>
-      <p:ext uri="{BB962C8B-B14F-4D97-AF65-F5344CB8AC3E}">
-        <p14:creationId xmlns:p14="http://schemas.microsoft.com/office/powerpoint/2010/main" val="2167551472"/>
-      </p:ext>
-    </p:extLst>
-  </p:cSld>
-  <p:clrMapOvr>
-    <a:masterClrMapping/>
-  </p:clrMapOvr>
 </p:sld>
 </file>
 
@@ -38235,6 +40598,921 @@
 </file>
 
 <file path=ppt/slides/slide50.xml><?xml version="1.0" encoding="utf-8"?>
+<p:sld xmlns:a="http://schemas.openxmlformats.org/drawingml/2006/main" xmlns:r="http://schemas.openxmlformats.org/officeDocument/2006/relationships" xmlns:p="http://schemas.openxmlformats.org/presentationml/2006/main" show="0">
+  <p:cSld>
+    <p:spTree>
+      <p:nvGrpSpPr>
+        <p:cNvPr id="1" name=""/>
+        <p:cNvGrpSpPr/>
+        <p:nvPr/>
+      </p:nvGrpSpPr>
+      <p:grpSpPr>
+        <a:xfrm>
+          <a:off x="0" y="0"/>
+          <a:ext cx="0" cy="0"/>
+          <a:chOff x="0" y="0"/>
+          <a:chExt cx="0" cy="0"/>
+        </a:xfrm>
+      </p:grpSpPr>
+      <p:sp>
+        <p:nvSpPr>
+          <p:cNvPr id="15" name="Arrow: Right 14">
+            <a:extLst>
+              <a:ext uri="{FF2B5EF4-FFF2-40B4-BE49-F238E27FC236}">
+                <a16:creationId xmlns:a16="http://schemas.microsoft.com/office/drawing/2014/main" id="{E66A1F1C-0542-3E81-7D41-636ECA0E8017}"/>
+              </a:ext>
+            </a:extLst>
+          </p:cNvPr>
+          <p:cNvSpPr/>
+          <p:nvPr/>
+        </p:nvSpPr>
+        <p:spPr>
+          <a:xfrm>
+            <a:off x="778933" y="652794"/>
+            <a:ext cx="4562721" cy="5552411"/>
+          </a:xfrm>
+          <a:prstGeom prst="rightArrow">
+            <a:avLst/>
+          </a:prstGeom>
+          <a:solidFill>
+            <a:schemeClr val="bg2"/>
+          </a:solidFill>
+          <a:ln>
+            <a:noFill/>
+          </a:ln>
+          <a:effectLst>
+            <a:softEdge rad="63500"/>
+          </a:effectLst>
+        </p:spPr>
+        <p:style>
+          <a:lnRef idx="2">
+            <a:schemeClr val="accent1">
+              <a:shade val="50000"/>
+            </a:schemeClr>
+          </a:lnRef>
+          <a:fillRef idx="1">
+            <a:schemeClr val="accent1"/>
+          </a:fillRef>
+          <a:effectRef idx="0">
+            <a:schemeClr val="accent1"/>
+          </a:effectRef>
+          <a:fontRef idx="minor">
+            <a:schemeClr val="lt1"/>
+          </a:fontRef>
+        </p:style>
+        <p:txBody>
+          <a:bodyPr rtlCol="0" anchor="ctr"/>
+          <a:lstStyle/>
+          <a:p>
+            <a:pPr algn="ctr"/>
+            <a:endParaRPr lang="en-US" dirty="0"/>
+          </a:p>
+        </p:txBody>
+      </p:sp>
+      <p:sp>
+        <p:nvSpPr>
+          <p:cNvPr id="4" name="TextBox 3">
+            <a:extLst>
+              <a:ext uri="{FF2B5EF4-FFF2-40B4-BE49-F238E27FC236}">
+                <a16:creationId xmlns:a16="http://schemas.microsoft.com/office/drawing/2014/main" id="{A19D0219-1CA3-1BE8-9A7C-5E6B9CD20031}"/>
+              </a:ext>
+            </a:extLst>
+          </p:cNvPr>
+          <p:cNvSpPr txBox="1"/>
+          <p:nvPr/>
+        </p:nvSpPr>
+        <p:spPr>
+          <a:xfrm>
+            <a:off x="880534" y="3857087"/>
+            <a:ext cx="3381054" cy="769441"/>
+          </a:xfrm>
+          <a:prstGeom prst="rect">
+            <a:avLst/>
+          </a:prstGeom>
+          <a:noFill/>
+        </p:spPr>
+        <p:txBody>
+          <a:bodyPr wrap="none" rtlCol="0">
+            <a:spAutoFit/>
+          </a:bodyPr>
+          <a:lstStyle/>
+          <a:p>
+            <a:r>
+              <a:rPr lang="tr-TR" sz="4400" dirty="0">
+                <a:solidFill>
+                  <a:schemeClr val="accent1"/>
+                </a:solidFill>
+                <a:latin typeface="Century Gothic" panose="020B0502020202020204" pitchFamily="34" charset="0"/>
+              </a:rPr>
+              <a:t>NEXT VIDEO</a:t>
+            </a:r>
+            <a:endParaRPr lang="en-US" sz="4400" dirty="0">
+              <a:solidFill>
+                <a:schemeClr val="accent1"/>
+              </a:solidFill>
+              <a:latin typeface="Century Gothic" panose="020B0502020202020204" pitchFamily="34" charset="0"/>
+            </a:endParaRPr>
+          </a:p>
+        </p:txBody>
+      </p:sp>
+      <p:pic>
+        <p:nvPicPr>
+          <p:cNvPr id="6" name="Graphic 5" descr="Clapper board with solid fill">
+            <a:extLst>
+              <a:ext uri="{FF2B5EF4-FFF2-40B4-BE49-F238E27FC236}">
+                <a16:creationId xmlns:a16="http://schemas.microsoft.com/office/drawing/2014/main" id="{5612DC79-CCB3-FEC3-52C7-3EDFEC3C2915}"/>
+              </a:ext>
+            </a:extLst>
+          </p:cNvPr>
+          <p:cNvPicPr>
+            <a:picLocks noChangeAspect="1"/>
+          </p:cNvPicPr>
+          <p:nvPr/>
+        </p:nvPicPr>
+        <p:blipFill>
+          <a:blip r:embed="rId3">
+            <a:extLst>
+              <a:ext uri="{28A0092B-C50C-407E-A947-70E740481C1C}">
+                <a14:useLocalDpi xmlns:a14="http://schemas.microsoft.com/office/drawing/2010/main" val="0"/>
+              </a:ext>
+              <a:ext uri="{96DAC541-7B7A-43D3-8B79-37D633B846F1}">
+                <asvg:svgBlip xmlns:asvg="http://schemas.microsoft.com/office/drawing/2016/SVG/main" r:embed="rId4"/>
+              </a:ext>
+            </a:extLst>
+          </a:blip>
+          <a:stretch>
+            <a:fillRect/>
+          </a:stretch>
+        </p:blipFill>
+        <p:spPr>
+          <a:xfrm>
+            <a:off x="1567760" y="2134041"/>
+            <a:ext cx="1803400" cy="1803400"/>
+          </a:xfrm>
+          <a:prstGeom prst="rect">
+            <a:avLst/>
+          </a:prstGeom>
+        </p:spPr>
+      </p:pic>
+      <p:grpSp>
+        <p:nvGrpSpPr>
+          <p:cNvPr id="17" name="Group 16">
+            <a:extLst>
+              <a:ext uri="{FF2B5EF4-FFF2-40B4-BE49-F238E27FC236}">
+                <a16:creationId xmlns:a16="http://schemas.microsoft.com/office/drawing/2014/main" id="{4BAA3504-49B3-FEF4-6F0A-E05A72DF5D4C}"/>
+              </a:ext>
+            </a:extLst>
+          </p:cNvPr>
+          <p:cNvGrpSpPr/>
+          <p:nvPr/>
+        </p:nvGrpSpPr>
+        <p:grpSpPr>
+          <a:xfrm>
+            <a:off x="3800407" y="-720722"/>
+            <a:ext cx="9353362" cy="10694499"/>
+            <a:chOff x="3728723" y="-274320"/>
+            <a:chExt cx="9353362" cy="10694499"/>
+          </a:xfrm>
+        </p:grpSpPr>
+        <p:grpSp>
+          <p:nvGrpSpPr>
+            <p:cNvPr id="13" name="Group 12">
+              <a:extLst>
+                <a:ext uri="{FF2B5EF4-FFF2-40B4-BE49-F238E27FC236}">
+                  <a16:creationId xmlns:a16="http://schemas.microsoft.com/office/drawing/2014/main" id="{752266E7-030D-6D44-BDF8-9D39B444C741}"/>
+                </a:ext>
+              </a:extLst>
+            </p:cNvPr>
+            <p:cNvGrpSpPr/>
+            <p:nvPr/>
+          </p:nvGrpSpPr>
+          <p:grpSpPr>
+            <a:xfrm>
+              <a:off x="3728723" y="-274320"/>
+              <a:ext cx="9353362" cy="10694499"/>
+              <a:chOff x="-5543947" y="167323"/>
+              <a:chExt cx="9353362" cy="10694499"/>
+            </a:xfrm>
+          </p:grpSpPr>
+          <p:pic>
+            <p:nvPicPr>
+              <p:cNvPr id="7" name="Graphic 6" descr="Film strip outline">
+                <a:extLst>
+                  <a:ext uri="{FF2B5EF4-FFF2-40B4-BE49-F238E27FC236}">
+                    <a16:creationId xmlns:a16="http://schemas.microsoft.com/office/drawing/2014/main" id="{679B4BF1-9796-032B-624E-5F1A01E26791}"/>
+                  </a:ext>
+                </a:extLst>
+              </p:cNvPr>
+              <p:cNvPicPr>
+                <a:picLocks noChangeAspect="1"/>
+              </p:cNvPicPr>
+              <p:nvPr/>
+            </p:nvPicPr>
+            <p:blipFill rotWithShape="1">
+              <a:blip r:embed="rId5">
+                <a:extLst>
+                  <a:ext uri="{28A0092B-C50C-407E-A947-70E740481C1C}">
+                    <a14:useLocalDpi xmlns:a14="http://schemas.microsoft.com/office/drawing/2010/main" val="0"/>
+                  </a:ext>
+                  <a:ext uri="{96DAC541-7B7A-43D3-8B79-37D633B846F1}">
+                    <asvg:svgBlip xmlns:asvg="http://schemas.microsoft.com/office/drawing/2016/SVG/main" r:embed="rId6"/>
+                  </a:ext>
+                </a:extLst>
+              </a:blip>
+              <a:srcRect l="-2807" t="34509" r="-1" b="35845"/>
+              <a:stretch/>
+            </p:blipFill>
+            <p:spPr>
+              <a:xfrm>
+                <a:off x="-5543947" y="2838937"/>
+                <a:ext cx="9352274" cy="2696830"/>
+              </a:xfrm>
+              <a:prstGeom prst="rect">
+                <a:avLst/>
+              </a:prstGeom>
+            </p:spPr>
+          </p:pic>
+          <p:pic>
+            <p:nvPicPr>
+              <p:cNvPr id="8" name="Graphic 7" descr="Film strip outline">
+                <a:extLst>
+                  <a:ext uri="{FF2B5EF4-FFF2-40B4-BE49-F238E27FC236}">
+                    <a16:creationId xmlns:a16="http://schemas.microsoft.com/office/drawing/2014/main" id="{3100521E-336B-47FE-B7CB-E3E0C7B8209F}"/>
+                  </a:ext>
+                </a:extLst>
+              </p:cNvPr>
+              <p:cNvPicPr>
+                <a:picLocks noChangeAspect="1"/>
+              </p:cNvPicPr>
+              <p:nvPr/>
+            </p:nvPicPr>
+            <p:blipFill rotWithShape="1">
+              <a:blip r:embed="rId5">
+                <a:extLst>
+                  <a:ext uri="{28A0092B-C50C-407E-A947-70E740481C1C}">
+                    <a14:useLocalDpi xmlns:a14="http://schemas.microsoft.com/office/drawing/2010/main" val="0"/>
+                  </a:ext>
+                  <a:ext uri="{96DAC541-7B7A-43D3-8B79-37D633B846F1}">
+                    <asvg:svgBlip xmlns:asvg="http://schemas.microsoft.com/office/drawing/2016/SVG/main" r:embed="rId6"/>
+                  </a:ext>
+                </a:extLst>
+              </a:blip>
+              <a:srcRect l="-2807" t="34509" r="-1" b="35845"/>
+              <a:stretch/>
+            </p:blipFill>
+            <p:spPr>
+              <a:xfrm>
+                <a:off x="-5542859" y="5505573"/>
+                <a:ext cx="9352274" cy="2696830"/>
+              </a:xfrm>
+              <a:prstGeom prst="rect">
+                <a:avLst/>
+              </a:prstGeom>
+            </p:spPr>
+          </p:pic>
+          <p:pic>
+            <p:nvPicPr>
+              <p:cNvPr id="9" name="Graphic 8" descr="Film strip outline">
+                <a:extLst>
+                  <a:ext uri="{FF2B5EF4-FFF2-40B4-BE49-F238E27FC236}">
+                    <a16:creationId xmlns:a16="http://schemas.microsoft.com/office/drawing/2014/main" id="{B0A8CC99-441C-C45A-C31E-EE0AEA392B57}"/>
+                  </a:ext>
+                </a:extLst>
+              </p:cNvPr>
+              <p:cNvPicPr>
+                <a:picLocks noChangeAspect="1"/>
+              </p:cNvPicPr>
+              <p:nvPr/>
+            </p:nvPicPr>
+            <p:blipFill rotWithShape="1">
+              <a:blip r:embed="rId5">
+                <a:extLst>
+                  <a:ext uri="{28A0092B-C50C-407E-A947-70E740481C1C}">
+                    <a14:useLocalDpi xmlns:a14="http://schemas.microsoft.com/office/drawing/2010/main" val="0"/>
+                  </a:ext>
+                  <a:ext uri="{96DAC541-7B7A-43D3-8B79-37D633B846F1}">
+                    <asvg:svgBlip xmlns:asvg="http://schemas.microsoft.com/office/drawing/2016/SVG/main" r:embed="rId6"/>
+                  </a:ext>
+                </a:extLst>
+              </a:blip>
+              <a:srcRect l="-2807" t="34509" r="-1" b="35845"/>
+              <a:stretch/>
+            </p:blipFill>
+            <p:spPr>
+              <a:xfrm>
+                <a:off x="-5542859" y="8164992"/>
+                <a:ext cx="9352274" cy="2696830"/>
+              </a:xfrm>
+              <a:prstGeom prst="rect">
+                <a:avLst/>
+              </a:prstGeom>
+            </p:spPr>
+          </p:pic>
+          <p:pic>
+            <p:nvPicPr>
+              <p:cNvPr id="12" name="Graphic 11" descr="Film strip outline">
+                <a:extLst>
+                  <a:ext uri="{FF2B5EF4-FFF2-40B4-BE49-F238E27FC236}">
+                    <a16:creationId xmlns:a16="http://schemas.microsoft.com/office/drawing/2014/main" id="{94B46E5B-B72C-74EF-0FE0-2C29FB0B7C0A}"/>
+                  </a:ext>
+                </a:extLst>
+              </p:cNvPr>
+              <p:cNvPicPr>
+                <a:picLocks noChangeAspect="1"/>
+              </p:cNvPicPr>
+              <p:nvPr/>
+            </p:nvPicPr>
+            <p:blipFill rotWithShape="1">
+              <a:blip r:embed="rId5">
+                <a:extLst>
+                  <a:ext uri="{28A0092B-C50C-407E-A947-70E740481C1C}">
+                    <a14:useLocalDpi xmlns:a14="http://schemas.microsoft.com/office/drawing/2010/main" val="0"/>
+                  </a:ext>
+                  <a:ext uri="{96DAC541-7B7A-43D3-8B79-37D633B846F1}">
+                    <asvg:svgBlip xmlns:asvg="http://schemas.microsoft.com/office/drawing/2016/SVG/main" r:embed="rId6"/>
+                  </a:ext>
+                </a:extLst>
+              </a:blip>
+              <a:srcRect l="-2807" t="34509" r="-1" b="35845"/>
+              <a:stretch/>
+            </p:blipFill>
+            <p:spPr>
+              <a:xfrm>
+                <a:off x="-5542859" y="167323"/>
+                <a:ext cx="9352274" cy="2696830"/>
+              </a:xfrm>
+              <a:prstGeom prst="rect">
+                <a:avLst/>
+              </a:prstGeom>
+            </p:spPr>
+          </p:pic>
+        </p:grpSp>
+        <p:sp>
+          <p:nvSpPr>
+            <p:cNvPr id="16" name="TextBox 15">
+              <a:extLst>
+                <a:ext uri="{FF2B5EF4-FFF2-40B4-BE49-F238E27FC236}">
+                  <a16:creationId xmlns:a16="http://schemas.microsoft.com/office/drawing/2014/main" id="{28D856BF-9C31-DE00-2996-5712FE027C03}"/>
+                </a:ext>
+              </a:extLst>
+            </p:cNvPr>
+            <p:cNvSpPr txBox="1"/>
+            <p:nvPr/>
+          </p:nvSpPr>
+          <p:spPr>
+            <a:xfrm>
+              <a:off x="8348432" y="338942"/>
+              <a:ext cx="184730" cy="646331"/>
+            </a:xfrm>
+            <a:prstGeom prst="rect">
+              <a:avLst/>
+            </a:prstGeom>
+            <a:noFill/>
+          </p:spPr>
+          <p:txBody>
+            <a:bodyPr wrap="none" rtlCol="0">
+              <a:spAutoFit/>
+            </a:bodyPr>
+            <a:lstStyle/>
+            <a:p>
+              <a:pPr algn="ctr"/>
+              <a:endParaRPr lang="en-US" sz="3600" dirty="0">
+                <a:solidFill>
+                  <a:schemeClr val="accent5"/>
+                </a:solidFill>
+                <a:latin typeface="Century Gothic" panose="020B0502020202020204" pitchFamily="34" charset="0"/>
+              </a:endParaRPr>
+            </a:p>
+          </p:txBody>
+        </p:sp>
+        <p:sp>
+          <p:nvSpPr>
+            <p:cNvPr id="10" name="TextBox 9">
+              <a:extLst>
+                <a:ext uri="{FF2B5EF4-FFF2-40B4-BE49-F238E27FC236}">
+                  <a16:creationId xmlns:a16="http://schemas.microsoft.com/office/drawing/2014/main" id="{D08526A2-96C9-3FB8-6674-0DA86399ACB2}"/>
+                </a:ext>
+              </a:extLst>
+            </p:cNvPr>
+            <p:cNvSpPr txBox="1"/>
+            <p:nvPr/>
+          </p:nvSpPr>
+          <p:spPr>
+            <a:xfrm>
+              <a:off x="7400750" y="409963"/>
+              <a:ext cx="2355132" cy="1754326"/>
+            </a:xfrm>
+            <a:prstGeom prst="rect">
+              <a:avLst/>
+            </a:prstGeom>
+            <a:noFill/>
+          </p:spPr>
+          <p:txBody>
+            <a:bodyPr wrap="none" rtlCol="0">
+              <a:spAutoFit/>
+            </a:bodyPr>
+            <a:lstStyle/>
+            <a:p>
+              <a:pPr algn="ctr"/>
+              <a:r>
+                <a:rPr lang="tr-TR" sz="3600" dirty="0">
+                  <a:solidFill>
+                    <a:schemeClr val="accent1"/>
+                  </a:solidFill>
+                  <a:latin typeface="Century Gothic" panose="020B0502020202020204" pitchFamily="34" charset="0"/>
+                </a:rPr>
+                <a:t>Payloads </a:t>
+              </a:r>
+            </a:p>
+            <a:p>
+              <a:pPr algn="ctr"/>
+              <a:r>
+                <a:rPr lang="tr-TR" sz="3600" dirty="0">
+                  <a:solidFill>
+                    <a:schemeClr val="accent1"/>
+                  </a:solidFill>
+                  <a:latin typeface="Century Gothic" panose="020B0502020202020204" pitchFamily="34" charset="0"/>
+                </a:rPr>
+                <a:t>and </a:t>
+              </a:r>
+            </a:p>
+            <a:p>
+              <a:pPr algn="ctr"/>
+              <a:r>
+                <a:rPr lang="tr-TR" sz="3600" dirty="0">
+                  <a:solidFill>
+                    <a:schemeClr val="accent1"/>
+                  </a:solidFill>
+                  <a:latin typeface="Century Gothic" panose="020B0502020202020204" pitchFamily="34" charset="0"/>
+                </a:rPr>
+                <a:t>Headers</a:t>
+              </a:r>
+              <a:endParaRPr lang="en-US" sz="3600" dirty="0">
+                <a:solidFill>
+                  <a:schemeClr val="accent1"/>
+                </a:solidFill>
+                <a:latin typeface="Century Gothic" panose="020B0502020202020204" pitchFamily="34" charset="0"/>
+              </a:endParaRPr>
+            </a:p>
+          </p:txBody>
+        </p:sp>
+        <p:sp>
+          <p:nvSpPr>
+            <p:cNvPr id="11" name="TextBox 10">
+              <a:extLst>
+                <a:ext uri="{FF2B5EF4-FFF2-40B4-BE49-F238E27FC236}">
+                  <a16:creationId xmlns:a16="http://schemas.microsoft.com/office/drawing/2014/main" id="{774D2169-5E40-96EC-89F6-C1EED5163068}"/>
+                </a:ext>
+              </a:extLst>
+            </p:cNvPr>
+            <p:cNvSpPr txBox="1"/>
+            <p:nvPr/>
+          </p:nvSpPr>
+          <p:spPr>
+            <a:xfrm>
+              <a:off x="7843708" y="3481643"/>
+              <a:ext cx="1378904" cy="646331"/>
+            </a:xfrm>
+            <a:prstGeom prst="rect">
+              <a:avLst/>
+            </a:prstGeom>
+            <a:noFill/>
+          </p:spPr>
+          <p:txBody>
+            <a:bodyPr wrap="none" rtlCol="0">
+              <a:spAutoFit/>
+            </a:bodyPr>
+            <a:lstStyle/>
+            <a:p>
+              <a:pPr algn="ctr"/>
+              <a:r>
+                <a:rPr lang="tr-TR" sz="3600" dirty="0">
+                  <a:solidFill>
+                    <a:schemeClr val="accent1"/>
+                  </a:solidFill>
+                  <a:latin typeface="Century Gothic" panose="020B0502020202020204" pitchFamily="34" charset="0"/>
+                </a:rPr>
+                <a:t>JSON</a:t>
+              </a:r>
+              <a:endParaRPr lang="en-US" sz="3600" dirty="0">
+                <a:solidFill>
+                  <a:schemeClr val="accent1"/>
+                </a:solidFill>
+                <a:latin typeface="Century Gothic" panose="020B0502020202020204" pitchFamily="34" charset="0"/>
+              </a:endParaRPr>
+            </a:p>
+          </p:txBody>
+        </p:sp>
+        <p:sp>
+          <p:nvSpPr>
+            <p:cNvPr id="3" name="TextBox 2">
+              <a:extLst>
+                <a:ext uri="{FF2B5EF4-FFF2-40B4-BE49-F238E27FC236}">
+                  <a16:creationId xmlns:a16="http://schemas.microsoft.com/office/drawing/2014/main" id="{6785A270-730B-20BD-2C8D-B202801F202B}"/>
+                </a:ext>
+              </a:extLst>
+            </p:cNvPr>
+            <p:cNvSpPr txBox="1"/>
+            <p:nvPr/>
+          </p:nvSpPr>
+          <p:spPr>
+            <a:xfrm>
+              <a:off x="7547507" y="5639440"/>
+              <a:ext cx="2058577" cy="1754326"/>
+            </a:xfrm>
+            <a:prstGeom prst="rect">
+              <a:avLst/>
+            </a:prstGeom>
+            <a:noFill/>
+          </p:spPr>
+          <p:txBody>
+            <a:bodyPr wrap="none" rtlCol="0">
+              <a:spAutoFit/>
+            </a:bodyPr>
+            <a:lstStyle/>
+            <a:p>
+              <a:pPr algn="ctr"/>
+              <a:r>
+                <a:rPr lang="tr-TR" sz="3600" dirty="0">
+                  <a:solidFill>
+                    <a:schemeClr val="accent1"/>
+                  </a:solidFill>
+                  <a:latin typeface="Century Gothic" panose="020B0502020202020204" pitchFamily="34" charset="0"/>
+                </a:rPr>
+                <a:t>JSON </a:t>
+              </a:r>
+            </a:p>
+            <a:p>
+              <a:pPr algn="ctr"/>
+              <a:r>
+                <a:rPr lang="tr-TR" sz="3600" dirty="0">
+                  <a:solidFill>
+                    <a:schemeClr val="accent1"/>
+                  </a:solidFill>
+                  <a:latin typeface="Century Gothic" panose="020B0502020202020204" pitchFamily="34" charset="0"/>
+                </a:rPr>
+                <a:t>in </a:t>
+              </a:r>
+            </a:p>
+            <a:p>
+              <a:pPr algn="ctr"/>
+              <a:r>
+                <a:rPr lang="tr-TR" sz="3600" dirty="0">
+                  <a:solidFill>
+                    <a:schemeClr val="accent1"/>
+                  </a:solidFill>
+                  <a:latin typeface="Century Gothic" panose="020B0502020202020204" pitchFamily="34" charset="0"/>
+                </a:rPr>
+                <a:t>Practice</a:t>
+              </a:r>
+              <a:endParaRPr lang="en-US" sz="3600" dirty="0">
+                <a:solidFill>
+                  <a:schemeClr val="accent1"/>
+                </a:solidFill>
+                <a:latin typeface="Century Gothic" panose="020B0502020202020204" pitchFamily="34" charset="0"/>
+              </a:endParaRPr>
+            </a:p>
+          </p:txBody>
+        </p:sp>
+        <p:sp>
+          <p:nvSpPr>
+            <p:cNvPr id="5" name="TextBox 4">
+              <a:extLst>
+                <a:ext uri="{FF2B5EF4-FFF2-40B4-BE49-F238E27FC236}">
+                  <a16:creationId xmlns:a16="http://schemas.microsoft.com/office/drawing/2014/main" id="{C5B8ADD1-77F7-2B4F-5CAC-47E0CEE973DE}"/>
+                </a:ext>
+              </a:extLst>
+            </p:cNvPr>
+            <p:cNvSpPr txBox="1"/>
+            <p:nvPr/>
+          </p:nvSpPr>
+          <p:spPr>
+            <a:xfrm>
+              <a:off x="7511886" y="8465508"/>
+              <a:ext cx="2042547" cy="1200329"/>
+            </a:xfrm>
+            <a:prstGeom prst="rect">
+              <a:avLst/>
+            </a:prstGeom>
+            <a:noFill/>
+          </p:spPr>
+          <p:txBody>
+            <a:bodyPr wrap="none" rtlCol="0">
+              <a:spAutoFit/>
+            </a:bodyPr>
+            <a:lstStyle/>
+            <a:p>
+              <a:pPr algn="ctr"/>
+              <a:r>
+                <a:rPr lang="tr-TR" sz="3600" dirty="0">
+                  <a:solidFill>
+                    <a:schemeClr val="accent1"/>
+                  </a:solidFill>
+                  <a:latin typeface="Century Gothic" panose="020B0502020202020204" pitchFamily="34" charset="0"/>
+                </a:rPr>
+                <a:t>JSON </a:t>
+              </a:r>
+            </a:p>
+            <a:p>
+              <a:pPr algn="ctr"/>
+              <a:r>
+                <a:rPr lang="tr-TR" sz="3600" dirty="0">
+                  <a:solidFill>
+                    <a:schemeClr val="accent1"/>
+                  </a:solidFill>
+                  <a:latin typeface="Century Gothic" panose="020B0502020202020204" pitchFamily="34" charset="0"/>
+                </a:rPr>
+                <a:t>Schema</a:t>
+              </a:r>
+              <a:endParaRPr lang="en-US" sz="3600" dirty="0">
+                <a:solidFill>
+                  <a:schemeClr val="accent1"/>
+                </a:solidFill>
+                <a:latin typeface="Century Gothic" panose="020B0502020202020204" pitchFamily="34" charset="0"/>
+              </a:endParaRPr>
+            </a:p>
+          </p:txBody>
+        </p:sp>
+      </p:grpSp>
+    </p:spTree>
+    <p:extLst>
+      <p:ext uri="{BB962C8B-B14F-4D97-AF65-F5344CB8AC3E}">
+        <p14:creationId xmlns:p14="http://schemas.microsoft.com/office/powerpoint/2010/main" val="4073440167"/>
+      </p:ext>
+    </p:extLst>
+  </p:cSld>
+  <p:clrMapOvr>
+    <a:masterClrMapping/>
+  </p:clrMapOvr>
+  <mc:AlternateContent xmlns:mc="http://schemas.openxmlformats.org/markup-compatibility/2006" xmlns:p14="http://schemas.microsoft.com/office/powerpoint/2010/main">
+    <mc:Choice Requires="p14">
+      <p:transition spd="slow" p14:dur="2000" advClick="0" advTm="4000"/>
+    </mc:Choice>
+    <mc:Fallback xmlns="">
+      <p:transition spd="slow" advClick="0" advTm="4000"/>
+    </mc:Fallback>
+  </mc:AlternateContent>
+  <p:timing>
+    <p:tnLst>
+      <p:par>
+        <p:cTn id="1" dur="indefinite" restart="never" nodeType="tmRoot">
+          <p:childTnLst>
+            <p:seq concurrent="1" nextAc="seek">
+              <p:cTn id="2" dur="indefinite" nodeType="mainSeq">
+                <p:childTnLst>
+                  <p:par>
+                    <p:cTn id="3" fill="hold">
+                      <p:stCondLst>
+                        <p:cond delay="indefinite"/>
+                        <p:cond evt="onBegin" delay="0">
+                          <p:tn val="2"/>
+                        </p:cond>
+                      </p:stCondLst>
+                      <p:childTnLst>
+                        <p:par>
+                          <p:cTn id="4" fill="hold">
+                            <p:stCondLst>
+                              <p:cond delay="0"/>
+                            </p:stCondLst>
+                            <p:childTnLst>
+                              <p:par>
+                                <p:cTn id="5" presetID="10" presetClass="entr" presetSubtype="0" fill="hold" grpId="0" nodeType="withEffect">
+                                  <p:stCondLst>
+                                    <p:cond delay="0"/>
+                                  </p:stCondLst>
+                                  <p:childTnLst>
+                                    <p:set>
+                                      <p:cBhvr>
+                                        <p:cTn id="6" dur="1" fill="hold">
+                                          <p:stCondLst>
+                                            <p:cond delay="0"/>
+                                          </p:stCondLst>
+                                        </p:cTn>
+                                        <p:tgtEl>
+                                          <p:spTgt spid="15"/>
+                                        </p:tgtEl>
+                                        <p:attrNameLst>
+                                          <p:attrName>style.visibility</p:attrName>
+                                        </p:attrNameLst>
+                                      </p:cBhvr>
+                                      <p:to>
+                                        <p:strVal val="visible"/>
+                                      </p:to>
+                                    </p:set>
+                                    <p:animEffect transition="in" filter="fade">
+                                      <p:cBhvr>
+                                        <p:cTn id="7" dur="500"/>
+                                        <p:tgtEl>
+                                          <p:spTgt spid="15"/>
+                                        </p:tgtEl>
+                                      </p:cBhvr>
+                                    </p:animEffect>
+                                  </p:childTnLst>
+                                </p:cTn>
+                              </p:par>
+                              <p:par>
+                                <p:cTn id="8" presetID="10" presetClass="entr" presetSubtype="0" fill="hold" nodeType="withEffect">
+                                  <p:stCondLst>
+                                    <p:cond delay="0"/>
+                                  </p:stCondLst>
+                                  <p:childTnLst>
+                                    <p:set>
+                                      <p:cBhvr>
+                                        <p:cTn id="9" dur="1" fill="hold">
+                                          <p:stCondLst>
+                                            <p:cond delay="0"/>
+                                          </p:stCondLst>
+                                        </p:cTn>
+                                        <p:tgtEl>
+                                          <p:spTgt spid="6"/>
+                                        </p:tgtEl>
+                                        <p:attrNameLst>
+                                          <p:attrName>style.visibility</p:attrName>
+                                        </p:attrNameLst>
+                                      </p:cBhvr>
+                                      <p:to>
+                                        <p:strVal val="visible"/>
+                                      </p:to>
+                                    </p:set>
+                                    <p:animEffect transition="in" filter="fade">
+                                      <p:cBhvr>
+                                        <p:cTn id="10" dur="500"/>
+                                        <p:tgtEl>
+                                          <p:spTgt spid="6"/>
+                                        </p:tgtEl>
+                                      </p:cBhvr>
+                                    </p:animEffect>
+                                  </p:childTnLst>
+                                </p:cTn>
+                              </p:par>
+                              <p:par>
+                                <p:cTn id="11" presetID="10" presetClass="entr" presetSubtype="0" fill="hold" grpId="0" nodeType="withEffect">
+                                  <p:stCondLst>
+                                    <p:cond delay="0"/>
+                                  </p:stCondLst>
+                                  <p:childTnLst>
+                                    <p:set>
+                                      <p:cBhvr>
+                                        <p:cTn id="12" dur="1" fill="hold">
+                                          <p:stCondLst>
+                                            <p:cond delay="0"/>
+                                          </p:stCondLst>
+                                        </p:cTn>
+                                        <p:tgtEl>
+                                          <p:spTgt spid="4"/>
+                                        </p:tgtEl>
+                                        <p:attrNameLst>
+                                          <p:attrName>style.visibility</p:attrName>
+                                        </p:attrNameLst>
+                                      </p:cBhvr>
+                                      <p:to>
+                                        <p:strVal val="visible"/>
+                                      </p:to>
+                                    </p:set>
+                                    <p:animEffect transition="in" filter="fade">
+                                      <p:cBhvr>
+                                        <p:cTn id="13" dur="500"/>
+                                        <p:tgtEl>
+                                          <p:spTgt spid="4"/>
+                                        </p:tgtEl>
+                                      </p:cBhvr>
+                                    </p:animEffect>
+                                  </p:childTnLst>
+                                </p:cTn>
+                              </p:par>
+                            </p:childTnLst>
+                          </p:cTn>
+                        </p:par>
+                        <p:par>
+                          <p:cTn id="14" fill="hold">
+                            <p:stCondLst>
+                              <p:cond delay="500"/>
+                            </p:stCondLst>
+                            <p:childTnLst>
+                              <p:par>
+                                <p:cTn id="15" presetID="64" presetClass="path" presetSubtype="0" accel="50000" decel="50000" fill="hold" nodeType="afterEffect">
+                                  <p:stCondLst>
+                                    <p:cond delay="0"/>
+                                  </p:stCondLst>
+                                  <p:childTnLst>
+                                    <p:animMotion origin="layout" path="M -3.125E-6 -1.85185E-6 L 0.00183 -0.38889 " pathEditMode="relative" rAng="0" ptsTypes="AA">
+                                      <p:cBhvr>
+                                        <p:cTn id="16" dur="2000" fill="hold"/>
+                                        <p:tgtEl>
+                                          <p:spTgt spid="17"/>
+                                        </p:tgtEl>
+                                        <p:attrNameLst>
+                                          <p:attrName>ppt_x</p:attrName>
+                                          <p:attrName>ppt_y</p:attrName>
+                                        </p:attrNameLst>
+                                      </p:cBhvr>
+                                      <p:rCtr x="91" y="-19444"/>
+                                    </p:animMotion>
+                                  </p:childTnLst>
+                                </p:cTn>
+                              </p:par>
+                            </p:childTnLst>
+                          </p:cTn>
+                        </p:par>
+                      </p:childTnLst>
+                    </p:cTn>
+                  </p:par>
+                </p:childTnLst>
+              </p:cTn>
+              <p:prevCondLst>
+                <p:cond evt="onPrev" delay="0">
+                  <p:tgtEl>
+                    <p:sldTgt/>
+                  </p:tgtEl>
+                </p:cond>
+              </p:prevCondLst>
+              <p:nextCondLst>
+                <p:cond evt="onNext" delay="0">
+                  <p:tgtEl>
+                    <p:sldTgt/>
+                  </p:tgtEl>
+                </p:cond>
+              </p:nextCondLst>
+            </p:seq>
+          </p:childTnLst>
+        </p:cTn>
+      </p:par>
+    </p:tnLst>
+    <p:bldLst>
+      <p:bldP spid="15" grpId="0" animBg="1"/>
+      <p:bldP spid="4" grpId="0"/>
+    </p:bldLst>
+  </p:timing>
+</p:sld>
+</file>
+
+<file path=ppt/slides/slide51.xml><?xml version="1.0" encoding="utf-8"?>
+<p:sld xmlns:a="http://schemas.openxmlformats.org/drawingml/2006/main" xmlns:r="http://schemas.openxmlformats.org/officeDocument/2006/relationships" xmlns:p="http://schemas.openxmlformats.org/presentationml/2006/main" show="0">
+  <p:cSld>
+    <p:spTree>
+      <p:nvGrpSpPr>
+        <p:cNvPr id="1" name=""/>
+        <p:cNvGrpSpPr/>
+        <p:nvPr/>
+      </p:nvGrpSpPr>
+      <p:grpSpPr>
+        <a:xfrm>
+          <a:off x="0" y="0"/>
+          <a:ext cx="0" cy="0"/>
+          <a:chOff x="0" y="0"/>
+          <a:chExt cx="0" cy="0"/>
+        </a:xfrm>
+      </p:grpSpPr>
+      <p:pic>
+        <p:nvPicPr>
+          <p:cNvPr id="2" name="Picture 1" descr="A picture containing logo&#10;&#10;Description automatically generated">
+            <a:extLst>
+              <a:ext uri="{FF2B5EF4-FFF2-40B4-BE49-F238E27FC236}">
+                <a16:creationId xmlns:a16="http://schemas.microsoft.com/office/drawing/2014/main" id="{082DF003-EF0A-0B45-42B9-239F5970FB4A}"/>
+              </a:ext>
+            </a:extLst>
+          </p:cNvPr>
+          <p:cNvPicPr>
+            <a:picLocks noChangeAspect="1"/>
+          </p:cNvPicPr>
+          <p:nvPr/>
+        </p:nvPicPr>
+        <p:blipFill>
+          <a:blip r:embed="rId2">
+            <a:extLst>
+              <a:ext uri="{28A0092B-C50C-407E-A947-70E740481C1C}">
+                <a14:useLocalDpi xmlns:a14="http://schemas.microsoft.com/office/drawing/2010/main" val="0"/>
+              </a:ext>
+            </a:extLst>
+          </a:blip>
+          <a:stretch>
+            <a:fillRect/>
+          </a:stretch>
+        </p:blipFill>
+        <p:spPr>
+          <a:xfrm>
+            <a:off x="1219200" y="990600"/>
+            <a:ext cx="9753600" cy="4876800"/>
+          </a:xfrm>
+          <a:prstGeom prst="rect">
+            <a:avLst/>
+          </a:prstGeom>
+        </p:spPr>
+      </p:pic>
+    </p:spTree>
+    <p:extLst>
+      <p:ext uri="{BB962C8B-B14F-4D97-AF65-F5344CB8AC3E}">
+        <p14:creationId xmlns:p14="http://schemas.microsoft.com/office/powerpoint/2010/main" val="2167551472"/>
+      </p:ext>
+    </p:extLst>
+  </p:cSld>
+  <p:clrMapOvr>
+    <a:masterClrMapping/>
+  </p:clrMapOvr>
+</p:sld>
+</file>
+
+<file path=ppt/slides/slide52.xml><?xml version="1.0" encoding="utf-8"?>
 <p:sld xmlns:a="http://schemas.openxmlformats.org/drawingml/2006/main" xmlns:r="http://schemas.openxmlformats.org/officeDocument/2006/relationships" xmlns:p="http://schemas.openxmlformats.org/presentationml/2006/main">
   <p:cSld>
     <p:spTree>
@@ -38589,13 +41867,13 @@
   <p:clrMapOvr>
     <a:masterClrMapping/>
   </p:clrMapOvr>
-  <mc:AlternateContent xmlns:mc="http://schemas.openxmlformats.org/markup-compatibility/2006">
-    <mc:Choice xmlns:p159="http://schemas.microsoft.com/office/powerpoint/2015/09/main" Requires="p159">
+  <mc:AlternateContent xmlns:mc="http://schemas.openxmlformats.org/markup-compatibility/2006" xmlns:p159="http://schemas.microsoft.com/office/powerpoint/2015/09/main">
+    <mc:Choice Requires="p159">
       <p:transition xmlns:p14="http://schemas.microsoft.com/office/powerpoint/2010/main" spd="slow" p14:dur="2000" advTm="10000">
         <p159:morph option="byObject"/>
       </p:transition>
     </mc:Choice>
-    <mc:Fallback>
+    <mc:Fallback xmlns="">
       <p:transition spd="slow" advTm="10000">
         <p:fade/>
       </p:transition>
